--- a/presentation_DRAFT.pptx
+++ b/presentation_DRAFT.pptx
@@ -300,7 +300,7 @@
           <a:p>
             <a:fld id="{57CFAD20-43C2-CA44-8C28-8CAD34CDE910}" type="datetimeFigureOut">
               <a:rPr lang="en-US" smtClean="0"/>
-              <a:t>4/28/13</a:t>
+              <a:t>5/7/13</a:t>
             </a:fld>
             <a:endParaRPr lang="en-US"/>
           </a:p>
@@ -470,7 +470,7 @@
           <a:p>
             <a:fld id="{57CFAD20-43C2-CA44-8C28-8CAD34CDE910}" type="datetimeFigureOut">
               <a:rPr lang="en-US" smtClean="0"/>
-              <a:t>4/28/13</a:t>
+              <a:t>5/7/13</a:t>
             </a:fld>
             <a:endParaRPr lang="en-US"/>
           </a:p>
@@ -650,7 +650,7 @@
           <a:p>
             <a:fld id="{57CFAD20-43C2-CA44-8C28-8CAD34CDE910}" type="datetimeFigureOut">
               <a:rPr lang="en-US" smtClean="0"/>
-              <a:t>4/28/13</a:t>
+              <a:t>5/7/13</a:t>
             </a:fld>
             <a:endParaRPr lang="en-US"/>
           </a:p>
@@ -820,7 +820,7 @@
           <a:p>
             <a:fld id="{57CFAD20-43C2-CA44-8C28-8CAD34CDE910}" type="datetimeFigureOut">
               <a:rPr lang="en-US" smtClean="0"/>
-              <a:t>4/28/13</a:t>
+              <a:t>5/7/13</a:t>
             </a:fld>
             <a:endParaRPr lang="en-US"/>
           </a:p>
@@ -1066,7 +1066,7 @@
           <a:p>
             <a:fld id="{57CFAD20-43C2-CA44-8C28-8CAD34CDE910}" type="datetimeFigureOut">
               <a:rPr lang="en-US" smtClean="0"/>
-              <a:t>4/28/13</a:t>
+              <a:t>5/7/13</a:t>
             </a:fld>
             <a:endParaRPr lang="en-US"/>
           </a:p>
@@ -1354,7 +1354,7 @@
           <a:p>
             <a:fld id="{57CFAD20-43C2-CA44-8C28-8CAD34CDE910}" type="datetimeFigureOut">
               <a:rPr lang="en-US" smtClean="0"/>
-              <a:t>4/28/13</a:t>
+              <a:t>5/7/13</a:t>
             </a:fld>
             <a:endParaRPr lang="en-US"/>
           </a:p>
@@ -1776,7 +1776,7 @@
           <a:p>
             <a:fld id="{57CFAD20-43C2-CA44-8C28-8CAD34CDE910}" type="datetimeFigureOut">
               <a:rPr lang="en-US" smtClean="0"/>
-              <a:t>4/28/13</a:t>
+              <a:t>5/7/13</a:t>
             </a:fld>
             <a:endParaRPr lang="en-US"/>
           </a:p>
@@ -1894,7 +1894,7 @@
           <a:p>
             <a:fld id="{57CFAD20-43C2-CA44-8C28-8CAD34CDE910}" type="datetimeFigureOut">
               <a:rPr lang="en-US" smtClean="0"/>
-              <a:t>4/28/13</a:t>
+              <a:t>5/7/13</a:t>
             </a:fld>
             <a:endParaRPr lang="en-US"/>
           </a:p>
@@ -1989,7 +1989,7 @@
           <a:p>
             <a:fld id="{57CFAD20-43C2-CA44-8C28-8CAD34CDE910}" type="datetimeFigureOut">
               <a:rPr lang="en-US" smtClean="0"/>
-              <a:t>4/28/13</a:t>
+              <a:t>5/7/13</a:t>
             </a:fld>
             <a:endParaRPr lang="en-US"/>
           </a:p>
@@ -2266,7 +2266,7 @@
           <a:p>
             <a:fld id="{57CFAD20-43C2-CA44-8C28-8CAD34CDE910}" type="datetimeFigureOut">
               <a:rPr lang="en-US" smtClean="0"/>
-              <a:t>4/28/13</a:t>
+              <a:t>5/7/13</a:t>
             </a:fld>
             <a:endParaRPr lang="en-US"/>
           </a:p>
@@ -2519,7 +2519,7 @@
           <a:p>
             <a:fld id="{57CFAD20-43C2-CA44-8C28-8CAD34CDE910}" type="datetimeFigureOut">
               <a:rPr lang="en-US" smtClean="0"/>
-              <a:t>4/28/13</a:t>
+              <a:t>5/7/13</a:t>
             </a:fld>
             <a:endParaRPr lang="en-US"/>
           </a:p>
@@ -2739,7 +2739,7 @@
           <a:p>
             <a:fld id="{57CFAD20-43C2-CA44-8C28-8CAD34CDE910}" type="datetimeFigureOut">
               <a:rPr lang="en-US" smtClean="0"/>
-              <a:t>4/28/13</a:t>
+              <a:t>5/7/13</a:t>
             </a:fld>
             <a:endParaRPr lang="en-US"/>
           </a:p>
@@ -3391,25 +3391,8 @@
                 <a:latin typeface="Avenir Next Regular"/>
                 <a:cs typeface="Avenir Next Regular"/>
               </a:rPr>
-              <a:t>for 10 digit </a:t>
-            </a:r>
-            <a:r>
-              <a:rPr lang="en-US" dirty="0" smtClean="0">
-                <a:solidFill>
-                  <a:srgbClr val="FFFFFF"/>
-                </a:solidFill>
-                <a:latin typeface="Avenir Next Regular"/>
-                <a:cs typeface="Avenir Next Regular"/>
-              </a:rPr>
-              <a:t>decimal</a:t>
-            </a:r>
-            <a:endParaRPr lang="en-US" dirty="0" smtClean="0">
-              <a:solidFill>
-                <a:srgbClr val="FFFFFF"/>
-              </a:solidFill>
-              <a:latin typeface="Avenir Next Regular"/>
-              <a:cs typeface="Avenir Next Regular"/>
-            </a:endParaRPr>
+              <a:t>for 10 digit decimal</a:t>
+            </a:r>
           </a:p>
         </p:txBody>
       </p:sp>
@@ -8863,10 +8846,15 @@
             <p:ph idx="1"/>
           </p:nvPr>
         </p:nvSpPr>
-        <p:spPr/>
+        <p:spPr>
+          <a:xfrm>
+            <a:off x="457200" y="1417638"/>
+            <a:ext cx="8229600" cy="5065090"/>
+          </a:xfrm>
+        </p:spPr>
         <p:txBody>
           <a:bodyPr>
-            <a:normAutofit/>
+            <a:normAutofit fontScale="92500" lnSpcReduction="10000"/>
           </a:bodyPr>
           <a:lstStyle/>
           <a:p>
@@ -8894,14 +8882,14 @@
               <a:t>(</a:t>
             </a:r>
             <a:r>
-              <a:rPr lang="en-US" sz="2200" i="1" dirty="0" smtClean="0">
-                <a:solidFill>
-                  <a:srgbClr val="FFFFFF"/>
-                </a:solidFill>
-                <a:latin typeface="Avenir Light"/>
-                <a:cs typeface="Avenir Light"/>
-              </a:rPr>
-              <a:t>array</a:t>
+              <a:rPr lang="en-US" sz="2200" i="1" dirty="0" err="1" smtClean="0">
+                <a:solidFill>
+                  <a:srgbClr val="FFFFFF"/>
+                </a:solidFill>
+                <a:latin typeface="Avenir Light"/>
+                <a:cs typeface="Avenir Light"/>
+              </a:rPr>
+              <a:t>vect</a:t>
             </a:r>
             <a:r>
               <a:rPr lang="en-US" sz="2200" dirty="0" smtClean="0">
@@ -9110,7 +9098,7 @@
               <a:buNone/>
             </a:pPr>
             <a:r>
-              <a:rPr lang="en-US" sz="2200" dirty="0">
+              <a:rPr lang="en-US" sz="2200" i="1" dirty="0">
                 <a:solidFill>
                   <a:srgbClr val="FFFFFF"/>
                 </a:solidFill>
@@ -9122,25 +9110,109 @@
             <a:r>
               <a:rPr lang="en-US" sz="2200" dirty="0" smtClean="0">
                 <a:solidFill>
-                  <a:schemeClr val="tx2">
-                    <a:lumMod val="20000"/>
-                    <a:lumOff val="80000"/>
-                  </a:schemeClr>
-                </a:solidFill>
-                <a:latin typeface="Avenir Light"/>
-                <a:cs typeface="Avenir Light"/>
-              </a:rPr>
-              <a:t>update</a:t>
-            </a:r>
-            <a:r>
-              <a:rPr lang="en-US" sz="2200" dirty="0" smtClean="0">
-                <a:solidFill>
-                  <a:srgbClr val="FFFFFF"/>
-                </a:solidFill>
-                <a:latin typeface="Avenir Light"/>
-                <a:cs typeface="Avenir Light"/>
-              </a:rPr>
-              <a:t> </a:t>
+                  <a:srgbClr val="FFFFFF"/>
+                </a:solidFill>
+                <a:latin typeface="Avenir Light"/>
+                <a:cs typeface="Avenir Light"/>
+              </a:rPr>
+              <a:t>declare </a:t>
+            </a:r>
+            <a:r>
+              <a:rPr lang="en-US" sz="2200" dirty="0" err="1" smtClean="0">
+                <a:solidFill>
+                  <a:srgbClr val="FFFFFF"/>
+                </a:solidFill>
+                <a:latin typeface="Avenir Light"/>
+                <a:cs typeface="Avenir Light"/>
+              </a:rPr>
+              <a:t>oVect</a:t>
+            </a:r>
+            <a:r>
+              <a:rPr lang="en-US" sz="2200" dirty="0" smtClean="0">
+                <a:solidFill>
+                  <a:srgbClr val="FFFFFF"/>
+                </a:solidFill>
+                <a:latin typeface="Avenir Light"/>
+                <a:cs typeface="Avenir Light"/>
+              </a:rPr>
+              <a:t>, </a:t>
+            </a:r>
+            <a:r>
+              <a:rPr lang="en-US" sz="2200" dirty="0" err="1" smtClean="0">
+                <a:solidFill>
+                  <a:srgbClr val="FFFFFF"/>
+                </a:solidFill>
+                <a:latin typeface="Avenir Light"/>
+                <a:cs typeface="Avenir Light"/>
+              </a:rPr>
+              <a:t>dVect</a:t>
+            </a:r>
+            <a:endParaRPr lang="en-US" sz="2200" dirty="0" smtClean="0">
+              <a:solidFill>
+                <a:srgbClr val="FFFFFF"/>
+              </a:solidFill>
+              <a:latin typeface="Avenir Light"/>
+              <a:cs typeface="Avenir Light"/>
+            </a:endParaRPr>
+          </a:p>
+          <a:p>
+            <a:pPr marL="0" indent="0">
+              <a:buNone/>
+            </a:pPr>
+            <a:r>
+              <a:rPr lang="en-US" sz="2200" i="1" dirty="0">
+                <a:solidFill>
+                  <a:srgbClr val="FFFFFF"/>
+                </a:solidFill>
+                <a:latin typeface="Avenir Light"/>
+                <a:cs typeface="Avenir Light"/>
+              </a:rPr>
+              <a:t>	</a:t>
+            </a:r>
+            <a:r>
+              <a:rPr lang="en-US" sz="2200" dirty="0" smtClean="0">
+                <a:solidFill>
+                  <a:srgbClr val="FFFFFF"/>
+                </a:solidFill>
+                <a:latin typeface="Avenir Light"/>
+                <a:cs typeface="Avenir Light"/>
+              </a:rPr>
+              <a:t>for </a:t>
+            </a:r>
+            <a:r>
+              <a:rPr lang="en-US" sz="2200" dirty="0" err="1" smtClean="0">
+                <a:solidFill>
+                  <a:srgbClr val="FFFFFF"/>
+                </a:solidFill>
+                <a:latin typeface="Avenir Light"/>
+                <a:cs typeface="Avenir Light"/>
+              </a:rPr>
+              <a:t>i</a:t>
+            </a:r>
+            <a:r>
+              <a:rPr lang="en-US" sz="2200" dirty="0" smtClean="0">
+                <a:solidFill>
+                  <a:srgbClr val="FFFFFF"/>
+                </a:solidFill>
+                <a:latin typeface="Avenir Light"/>
+                <a:cs typeface="Avenir Light"/>
+              </a:rPr>
+              <a:t> from 0 to digits</a:t>
+            </a:r>
+          </a:p>
+          <a:p>
+            <a:pPr marL="0" indent="0">
+              <a:buNone/>
+            </a:pPr>
+            <a:r>
+              <a:rPr lang="en-US" sz="2200" i="1" dirty="0">
+                <a:solidFill>
+                  <a:srgbClr val="FFFFFF"/>
+                </a:solidFill>
+                <a:latin typeface="Avenir Light"/>
+                <a:cs typeface="Avenir Light"/>
+              </a:rPr>
+              <a:t>	</a:t>
             </a:r>
             <a:r>
               <a:rPr lang="en-US" sz="2200" i="1" dirty="0" smtClean="0">
@@ -9150,17 +9222,32 @@
                 <a:latin typeface="Avenir Light"/>
                 <a:cs typeface="Avenir Light"/>
               </a:rPr>
-              <a:t>mod</a:t>
-            </a:r>
-            <a:r>
-              <a:rPr lang="en-US" sz="2200" dirty="0" smtClean="0">
-                <a:solidFill>
-                  <a:srgbClr val="FFFFFF"/>
-                </a:solidFill>
-                <a:latin typeface="Avenir Light"/>
-                <a:cs typeface="Avenir Light"/>
-              </a:rPr>
-              <a:t>, </a:t>
+              <a:t> 	</a:t>
+            </a:r>
+            <a:r>
+              <a:rPr lang="en-US" sz="2200" dirty="0" smtClean="0">
+                <a:solidFill>
+                  <a:srgbClr val="FFFFFF"/>
+                </a:solidFill>
+                <a:latin typeface="Avenir Light"/>
+                <a:cs typeface="Avenir Light"/>
+              </a:rPr>
+              <a:t>for j from 1 to size</a:t>
+            </a:r>
+          </a:p>
+          <a:p>
+            <a:pPr marL="0" indent="0">
+              <a:buNone/>
+            </a:pPr>
+            <a:r>
+              <a:rPr lang="en-US" sz="2200" i="1" dirty="0">
+                <a:solidFill>
+                  <a:srgbClr val="FFFFFF"/>
+                </a:solidFill>
+                <a:latin typeface="Avenir Light"/>
+                <a:cs typeface="Avenir Light"/>
+              </a:rPr>
+              <a:t>		</a:t>
             </a:r>
             <a:r>
               <a:rPr lang="en-US" sz="2200" i="1" dirty="0" smtClean="0">
@@ -9170,13 +9257,48 @@
                 <a:latin typeface="Avenir Light"/>
                 <a:cs typeface="Avenir Light"/>
               </a:rPr>
-              <a:t>div</a:t>
-            </a:r>
-          </a:p>
-          <a:p>
-            <a:pPr marL="0" indent="0">
-              <a:buNone/>
-            </a:pPr>
+              <a:t> 	 	</a:t>
+            </a:r>
+            <a:r>
+              <a:rPr lang="en-US" sz="2200" dirty="0" err="1" smtClean="0">
+                <a:solidFill>
+                  <a:srgbClr val="FFFFFF"/>
+                </a:solidFill>
+                <a:latin typeface="Avenir Light"/>
+                <a:cs typeface="Avenir Light"/>
+              </a:rPr>
+              <a:t>dVect</a:t>
+            </a:r>
+            <a:r>
+              <a:rPr lang="en-US" sz="2200" dirty="0" smtClean="0">
+                <a:solidFill>
+                  <a:srgbClr val="FFFFFF"/>
+                </a:solidFill>
+                <a:latin typeface="Avenir Light"/>
+                <a:cs typeface="Avenir Light"/>
+              </a:rPr>
+              <a:t>[ j ] = </a:t>
+            </a:r>
+            <a:r>
+              <a:rPr lang="en-US" sz="2200" dirty="0" err="1" smtClean="0">
+                <a:solidFill>
+                  <a:srgbClr val="FFFFFF"/>
+                </a:solidFill>
+                <a:latin typeface="Avenir Light"/>
+                <a:cs typeface="Avenir Light"/>
+              </a:rPr>
+              <a:t>vect</a:t>
+            </a:r>
+            <a:r>
+              <a:rPr lang="en-US" sz="2200" dirty="0" smtClean="0">
+                <a:solidFill>
+                  <a:srgbClr val="FFFFFF"/>
+                </a:solidFill>
+                <a:latin typeface="Avenir Light"/>
+                <a:cs typeface="Avenir Light"/>
+              </a:rPr>
+              <a:t>[ j ]/div</a:t>
+            </a:r>
             <a:endParaRPr lang="en-US" sz="2200" i="1" dirty="0">
               <a:solidFill>
                 <a:srgbClr val="FFFFFF"/>
@@ -9190,26 +9312,606 @@
               <a:buNone/>
             </a:pPr>
             <a:r>
-              <a:rPr lang="en-US" sz="2200" dirty="0" smtClean="0">
-                <a:solidFill>
-                  <a:srgbClr val="FFFFFF"/>
-                </a:solidFill>
-                <a:latin typeface="Avenir Light"/>
-                <a:cs typeface="Avenir Light"/>
-              </a:rPr>
-              <a:t>//</a:t>
-            </a:r>
-            <a:r>
-              <a:rPr lang="en-US" sz="2200" smtClean="0">
-                <a:solidFill>
-                  <a:srgbClr val="FFFFFF"/>
-                </a:solidFill>
-                <a:latin typeface="Avenir Light"/>
-                <a:cs typeface="Avenir Light"/>
-              </a:rPr>
-              <a:t>Finish adding code.</a:t>
-            </a:r>
-            <a:endParaRPr lang="en-US" sz="2200" dirty="0">
+              <a:rPr lang="en-US" sz="2200" i="1" dirty="0">
+                <a:solidFill>
+                  <a:srgbClr val="FFFFFF"/>
+                </a:solidFill>
+                <a:latin typeface="Avenir Light"/>
+                <a:cs typeface="Avenir Light"/>
+              </a:rPr>
+              <a:t>	</a:t>
+            </a:r>
+            <a:r>
+              <a:rPr lang="en-US" sz="2200" i="1" dirty="0" smtClean="0">
+                <a:solidFill>
+                  <a:srgbClr val="FFFFFF"/>
+                </a:solidFill>
+                <a:latin typeface="Avenir Light"/>
+                <a:cs typeface="Avenir Light"/>
+              </a:rPr>
+              <a:t> 	 </a:t>
+            </a:r>
+            <a:r>
+              <a:rPr lang="en-US" sz="2200" dirty="0" smtClean="0">
+                <a:solidFill>
+                  <a:srgbClr val="FFFFFF"/>
+                </a:solidFill>
+                <a:latin typeface="Avenir Light"/>
+                <a:cs typeface="Avenir Light"/>
+              </a:rPr>
+              <a:t>for j from 1 to size</a:t>
+            </a:r>
+          </a:p>
+          <a:p>
+            <a:pPr marL="0" indent="0">
+              <a:buNone/>
+            </a:pPr>
+            <a:r>
+              <a:rPr lang="en-US" sz="2200" dirty="0">
+                <a:solidFill>
+                  <a:srgbClr val="FFFFFF"/>
+                </a:solidFill>
+                <a:latin typeface="Avenir Light"/>
+                <a:cs typeface="Avenir Light"/>
+              </a:rPr>
+              <a:t>	</a:t>
+            </a:r>
+            <a:r>
+              <a:rPr lang="en-US" sz="2200" dirty="0" smtClean="0">
+                <a:solidFill>
+                  <a:srgbClr val="FFFFFF"/>
+                </a:solidFill>
+                <a:latin typeface="Avenir Light"/>
+                <a:cs typeface="Avenir Light"/>
+              </a:rPr>
+              <a:t> 	 	</a:t>
+            </a:r>
+            <a:r>
+              <a:rPr lang="en-US" sz="2200" dirty="0" err="1" smtClean="0">
+                <a:solidFill>
+                  <a:srgbClr val="FFFFFF"/>
+                </a:solidFill>
+                <a:latin typeface="Avenir Light"/>
+                <a:cs typeface="Avenir Light"/>
+              </a:rPr>
+              <a:t>oVect</a:t>
+            </a:r>
+            <a:r>
+              <a:rPr lang="en-US" sz="2200" dirty="0" smtClean="0">
+                <a:solidFill>
+                  <a:srgbClr val="FFFFFF"/>
+                </a:solidFill>
+                <a:latin typeface="Avenir Light"/>
+                <a:cs typeface="Avenir Light"/>
+              </a:rPr>
+              <a:t>[ </a:t>
+            </a:r>
+            <a:r>
+              <a:rPr lang="en-US" sz="2200" dirty="0" err="1" smtClean="0">
+                <a:solidFill>
+                  <a:srgbClr val="FFFFFF"/>
+                </a:solidFill>
+                <a:latin typeface="Avenir Light"/>
+                <a:cs typeface="Avenir Light"/>
+              </a:rPr>
+              <a:t>dVect</a:t>
+            </a:r>
+            <a:r>
+              <a:rPr lang="en-US" sz="2200" dirty="0" smtClean="0">
+                <a:solidFill>
+                  <a:srgbClr val="FFFFFF"/>
+                </a:solidFill>
+                <a:latin typeface="Avenir Light"/>
+                <a:cs typeface="Avenir Light"/>
+              </a:rPr>
+              <a:t>[ j ] ] = </a:t>
+            </a:r>
+            <a:r>
+              <a:rPr lang="en-US" sz="2200" dirty="0" err="1" smtClean="0">
+                <a:solidFill>
+                  <a:srgbClr val="FFFFFF"/>
+                </a:solidFill>
+                <a:latin typeface="Avenir Light"/>
+                <a:cs typeface="Avenir Light"/>
+              </a:rPr>
+              <a:t>oVect</a:t>
+            </a:r>
+            <a:r>
+              <a:rPr lang="en-US" sz="2200" dirty="0" smtClean="0">
+                <a:solidFill>
+                  <a:srgbClr val="FFFFFF"/>
+                </a:solidFill>
+                <a:latin typeface="Avenir Light"/>
+                <a:cs typeface="Avenir Light"/>
+              </a:rPr>
+              <a:t>[ </a:t>
+            </a:r>
+            <a:r>
+              <a:rPr lang="en-US" sz="2200" dirty="0" err="1" smtClean="0">
+                <a:solidFill>
+                  <a:srgbClr val="FFFFFF"/>
+                </a:solidFill>
+                <a:latin typeface="Avenir Light"/>
+                <a:cs typeface="Avenir Light"/>
+              </a:rPr>
+              <a:t>dVect</a:t>
+            </a:r>
+            <a:r>
+              <a:rPr lang="en-US" sz="2200" dirty="0" smtClean="0">
+                <a:solidFill>
+                  <a:srgbClr val="FFFFFF"/>
+                </a:solidFill>
+                <a:latin typeface="Avenir Light"/>
+                <a:cs typeface="Avenir Light"/>
+              </a:rPr>
+              <a:t>[ j ] ] + 1</a:t>
+            </a:r>
+          </a:p>
+          <a:p>
+            <a:pPr marL="0" indent="0">
+              <a:buNone/>
+            </a:pPr>
+            <a:r>
+              <a:rPr lang="en-US" sz="2200" dirty="0">
+                <a:solidFill>
+                  <a:srgbClr val="FFFFFF"/>
+                </a:solidFill>
+                <a:latin typeface="Avenir Light"/>
+                <a:cs typeface="Avenir Light"/>
+              </a:rPr>
+              <a:t>	</a:t>
+            </a:r>
+            <a:r>
+              <a:rPr lang="en-US" sz="2200" dirty="0" smtClean="0">
+                <a:solidFill>
+                  <a:srgbClr val="FFFFFF"/>
+                </a:solidFill>
+                <a:latin typeface="Avenir Light"/>
+                <a:cs typeface="Avenir Light"/>
+              </a:rPr>
+              <a:t> 	 for j from 1 to k</a:t>
+            </a:r>
+          </a:p>
+          <a:p>
+            <a:pPr marL="0" indent="0">
+              <a:buNone/>
+            </a:pPr>
+            <a:r>
+              <a:rPr lang="en-US" sz="2200" dirty="0">
+                <a:solidFill>
+                  <a:srgbClr val="FFFFFF"/>
+                </a:solidFill>
+                <a:latin typeface="Avenir Light"/>
+                <a:cs typeface="Avenir Light"/>
+              </a:rPr>
+              <a:t>	</a:t>
+            </a:r>
+            <a:r>
+              <a:rPr lang="en-US" sz="2200" dirty="0" smtClean="0">
+                <a:solidFill>
+                  <a:srgbClr val="FFFFFF"/>
+                </a:solidFill>
+                <a:latin typeface="Avenir Light"/>
+                <a:cs typeface="Avenir Light"/>
+              </a:rPr>
+              <a:t> 	 	</a:t>
+            </a:r>
+            <a:r>
+              <a:rPr lang="en-US" sz="2200" dirty="0" err="1" smtClean="0">
+                <a:solidFill>
+                  <a:srgbClr val="FFFFFF"/>
+                </a:solidFill>
+                <a:latin typeface="Avenir Light"/>
+                <a:cs typeface="Avenir Light"/>
+              </a:rPr>
+              <a:t>oVect</a:t>
+            </a:r>
+            <a:r>
+              <a:rPr lang="en-US" sz="2200" dirty="0" smtClean="0">
+                <a:solidFill>
+                  <a:srgbClr val="FFFFFF"/>
+                </a:solidFill>
+                <a:latin typeface="Avenir Light"/>
+                <a:cs typeface="Avenir Light"/>
+              </a:rPr>
+              <a:t>[ j ] = </a:t>
+            </a:r>
+            <a:r>
+              <a:rPr lang="en-US" sz="2200" dirty="0" err="1" smtClean="0">
+                <a:solidFill>
+                  <a:srgbClr val="FFFFFF"/>
+                </a:solidFill>
+                <a:latin typeface="Avenir Light"/>
+                <a:cs typeface="Avenir Light"/>
+              </a:rPr>
+              <a:t>oVect</a:t>
+            </a:r>
+            <a:r>
+              <a:rPr lang="en-US" sz="2200" dirty="0" smtClean="0">
+                <a:solidFill>
+                  <a:srgbClr val="FFFFFF"/>
+                </a:solidFill>
+                <a:latin typeface="Avenir Light"/>
+                <a:cs typeface="Avenir Light"/>
+              </a:rPr>
+              <a:t> [ j ] + </a:t>
+            </a:r>
+            <a:r>
+              <a:rPr lang="en-US" sz="2200" dirty="0" err="1" smtClean="0">
+                <a:solidFill>
+                  <a:srgbClr val="FFFFFF"/>
+                </a:solidFill>
+                <a:latin typeface="Avenir Light"/>
+                <a:cs typeface="Avenir Light"/>
+              </a:rPr>
+              <a:t>oVect</a:t>
+            </a:r>
+            <a:r>
+              <a:rPr lang="en-US" sz="2200" dirty="0" smtClean="0">
+                <a:solidFill>
+                  <a:srgbClr val="FFFFFF"/>
+                </a:solidFill>
+                <a:latin typeface="Avenir Light"/>
+                <a:cs typeface="Avenir Light"/>
+              </a:rPr>
+              <a:t>[ j-1 ]</a:t>
+            </a:r>
+          </a:p>
+          <a:p>
+            <a:pPr marL="0" indent="0">
+              <a:buNone/>
+            </a:pPr>
+            <a:r>
+              <a:rPr lang="en-US" sz="2200" dirty="0">
+                <a:solidFill>
+                  <a:srgbClr val="FFFFFF"/>
+                </a:solidFill>
+                <a:latin typeface="Avenir Light"/>
+                <a:cs typeface="Avenir Light"/>
+              </a:rPr>
+              <a:t>	 </a:t>
+            </a:r>
+            <a:r>
+              <a:rPr lang="en-US" sz="2200" dirty="0" smtClean="0">
+                <a:solidFill>
+                  <a:srgbClr val="FFFFFF"/>
+                </a:solidFill>
+                <a:latin typeface="Avenir Light"/>
+                <a:cs typeface="Avenir Light"/>
+              </a:rPr>
+              <a:t>	for j from size down to 1</a:t>
+            </a:r>
+          </a:p>
+          <a:p>
+            <a:pPr marL="0" indent="0">
+              <a:buNone/>
+            </a:pPr>
+            <a:r>
+              <a:rPr lang="en-US" sz="2200" dirty="0">
+                <a:solidFill>
+                  <a:srgbClr val="FFFFFF"/>
+                </a:solidFill>
+                <a:latin typeface="Avenir Light"/>
+                <a:cs typeface="Avenir Light"/>
+              </a:rPr>
+              <a:t>	</a:t>
+            </a:r>
+            <a:r>
+              <a:rPr lang="en-US" sz="2200" dirty="0" smtClean="0">
+                <a:solidFill>
+                  <a:srgbClr val="FFFFFF"/>
+                </a:solidFill>
+                <a:latin typeface="Avenir Light"/>
+                <a:cs typeface="Avenir Light"/>
+              </a:rPr>
+              <a:t> 	 	</a:t>
+            </a:r>
+            <a:r>
+              <a:rPr lang="en-US" sz="2200" dirty="0" err="1" smtClean="0">
+                <a:solidFill>
+                  <a:srgbClr val="FFFFFF"/>
+                </a:solidFill>
+                <a:latin typeface="Avenir Light"/>
+                <a:cs typeface="Avenir Light"/>
+              </a:rPr>
+              <a:t>sVect</a:t>
+            </a:r>
+            <a:r>
+              <a:rPr lang="en-US" sz="2200" dirty="0" smtClean="0">
+                <a:solidFill>
+                  <a:srgbClr val="FFFFFF"/>
+                </a:solidFill>
+                <a:latin typeface="Avenir Light"/>
+                <a:cs typeface="Avenir Light"/>
+              </a:rPr>
+              <a:t>[ </a:t>
+            </a:r>
+            <a:r>
+              <a:rPr lang="en-US" sz="2200" dirty="0" err="1" smtClean="0">
+                <a:solidFill>
+                  <a:srgbClr val="FFFFFF"/>
+                </a:solidFill>
+                <a:latin typeface="Avenir Light"/>
+                <a:cs typeface="Avenir Light"/>
+              </a:rPr>
+              <a:t>oVect</a:t>
+            </a:r>
+            <a:r>
+              <a:rPr lang="en-US" sz="2200" dirty="0" smtClean="0">
+                <a:solidFill>
+                  <a:srgbClr val="FFFFFF"/>
+                </a:solidFill>
+                <a:latin typeface="Avenir Light"/>
+                <a:cs typeface="Avenir Light"/>
+              </a:rPr>
+              <a:t>[ </a:t>
+            </a:r>
+            <a:r>
+              <a:rPr lang="en-US" sz="2200" dirty="0" err="1" smtClean="0">
+                <a:solidFill>
+                  <a:srgbClr val="FFFFFF"/>
+                </a:solidFill>
+                <a:latin typeface="Avenir Light"/>
+                <a:cs typeface="Avenir Light"/>
+              </a:rPr>
+              <a:t>dVect</a:t>
+            </a:r>
+            <a:r>
+              <a:rPr lang="en-US" sz="2200" dirty="0" smtClean="0">
+                <a:solidFill>
+                  <a:srgbClr val="FFFFFF"/>
+                </a:solidFill>
+                <a:latin typeface="Avenir Light"/>
+                <a:cs typeface="Avenir Light"/>
+              </a:rPr>
+              <a:t>[ j ] ] ] = </a:t>
+            </a:r>
+            <a:r>
+              <a:rPr lang="en-US" sz="2200" dirty="0" err="1" smtClean="0">
+                <a:solidFill>
+                  <a:srgbClr val="FFFFFF"/>
+                </a:solidFill>
+                <a:latin typeface="Avenir Light"/>
+                <a:cs typeface="Avenir Light"/>
+              </a:rPr>
+              <a:t>vect</a:t>
+            </a:r>
+            <a:r>
+              <a:rPr lang="en-US" sz="2200" dirty="0" smtClean="0">
+                <a:solidFill>
+                  <a:srgbClr val="FFFFFF"/>
+                </a:solidFill>
+                <a:latin typeface="Avenir Light"/>
+                <a:cs typeface="Avenir Light"/>
+              </a:rPr>
+              <a:t>[ j ]</a:t>
+            </a:r>
+          </a:p>
+          <a:p>
+            <a:pPr marL="0" indent="0">
+              <a:buNone/>
+            </a:pPr>
+            <a:r>
+              <a:rPr lang="en-US" sz="2200" dirty="0">
+                <a:solidFill>
+                  <a:srgbClr val="FFFFFF"/>
+                </a:solidFill>
+                <a:latin typeface="Avenir Light"/>
+                <a:cs typeface="Avenir Light"/>
+              </a:rPr>
+              <a:t>	</a:t>
+            </a:r>
+            <a:r>
+              <a:rPr lang="en-US" sz="2200" dirty="0" smtClean="0">
+                <a:solidFill>
+                  <a:srgbClr val="FFFFFF"/>
+                </a:solidFill>
+                <a:latin typeface="Avenir Light"/>
+                <a:cs typeface="Avenir Light"/>
+              </a:rPr>
+              <a:t> 	 	</a:t>
+            </a:r>
+            <a:r>
+              <a:rPr lang="en-US" sz="2200" dirty="0" err="1" smtClean="0">
+                <a:solidFill>
+                  <a:srgbClr val="FFFFFF"/>
+                </a:solidFill>
+                <a:latin typeface="Avenir Light"/>
+                <a:cs typeface="Avenir Light"/>
+              </a:rPr>
+              <a:t>oVect</a:t>
+            </a:r>
+            <a:r>
+              <a:rPr lang="en-US" sz="2200" dirty="0" smtClean="0">
+                <a:solidFill>
+                  <a:srgbClr val="FFFFFF"/>
+                </a:solidFill>
+                <a:latin typeface="Avenir Light"/>
+                <a:cs typeface="Avenir Light"/>
+              </a:rPr>
+              <a:t>[ </a:t>
+            </a:r>
+            <a:r>
+              <a:rPr lang="en-US" sz="2200" dirty="0" err="1" smtClean="0">
+                <a:solidFill>
+                  <a:srgbClr val="FFFFFF"/>
+                </a:solidFill>
+                <a:latin typeface="Avenir Light"/>
+                <a:cs typeface="Avenir Light"/>
+              </a:rPr>
+              <a:t>dVect</a:t>
+            </a:r>
+            <a:r>
+              <a:rPr lang="en-US" sz="2200" dirty="0" smtClean="0">
+                <a:solidFill>
+                  <a:srgbClr val="FFFFFF"/>
+                </a:solidFill>
+                <a:latin typeface="Avenir Light"/>
+                <a:cs typeface="Avenir Light"/>
+              </a:rPr>
+              <a:t>[ j ] ] = </a:t>
+            </a:r>
+            <a:r>
+              <a:rPr lang="en-US" sz="2200" dirty="0" err="1" smtClean="0">
+                <a:solidFill>
+                  <a:srgbClr val="FFFFFF"/>
+                </a:solidFill>
+                <a:latin typeface="Avenir Light"/>
+                <a:cs typeface="Avenir Light"/>
+              </a:rPr>
+              <a:t>oVect</a:t>
+            </a:r>
+            <a:r>
+              <a:rPr lang="en-US" sz="2200" dirty="0" smtClean="0">
+                <a:solidFill>
+                  <a:srgbClr val="FFFFFF"/>
+                </a:solidFill>
+                <a:latin typeface="Avenir Light"/>
+                <a:cs typeface="Avenir Light"/>
+              </a:rPr>
+              <a:t>[ </a:t>
+            </a:r>
+            <a:r>
+              <a:rPr lang="en-US" sz="2200" dirty="0" err="1" smtClean="0">
+                <a:solidFill>
+                  <a:srgbClr val="FFFFFF"/>
+                </a:solidFill>
+                <a:latin typeface="Avenir Light"/>
+                <a:cs typeface="Avenir Light"/>
+              </a:rPr>
+              <a:t>dVect</a:t>
+            </a:r>
+            <a:r>
+              <a:rPr lang="en-US" sz="2200" dirty="0" smtClean="0">
+                <a:solidFill>
+                  <a:srgbClr val="FFFFFF"/>
+                </a:solidFill>
+                <a:latin typeface="Avenir Light"/>
+                <a:cs typeface="Avenir Light"/>
+              </a:rPr>
+              <a:t>[ j ] ] – 1</a:t>
+            </a:r>
+          </a:p>
+          <a:p>
+            <a:pPr marL="0" indent="0">
+              <a:buNone/>
+            </a:pPr>
+            <a:r>
+              <a:rPr lang="en-US" sz="2200" dirty="0">
+                <a:solidFill>
+                  <a:srgbClr val="FFFFFF"/>
+                </a:solidFill>
+                <a:latin typeface="Avenir Light"/>
+                <a:cs typeface="Avenir Light"/>
+              </a:rPr>
+              <a:t>	</a:t>
+            </a:r>
+            <a:r>
+              <a:rPr lang="en-US" sz="2200" dirty="0">
+                <a:solidFill>
+                  <a:schemeClr val="tx2">
+                    <a:lumMod val="20000"/>
+                    <a:lumOff val="80000"/>
+                  </a:schemeClr>
+                </a:solidFill>
+                <a:latin typeface="Avenir Light"/>
+                <a:cs typeface="Avenir Light"/>
+              </a:rPr>
+              <a:t>update</a:t>
+            </a:r>
+            <a:r>
+              <a:rPr lang="en-US" sz="2200" dirty="0">
+                <a:solidFill>
+                  <a:srgbClr val="FFFFFF"/>
+                </a:solidFill>
+                <a:latin typeface="Avenir Light"/>
+                <a:cs typeface="Avenir Light"/>
+              </a:rPr>
+              <a:t> </a:t>
+            </a:r>
+            <a:r>
+              <a:rPr lang="en-US" sz="2200" i="1" dirty="0">
+                <a:solidFill>
+                  <a:srgbClr val="FFFFFF"/>
+                </a:solidFill>
+                <a:latin typeface="Avenir Light"/>
+                <a:cs typeface="Avenir Light"/>
+              </a:rPr>
+              <a:t>mod</a:t>
+            </a:r>
+            <a:r>
+              <a:rPr lang="en-US" sz="2200" dirty="0">
+                <a:solidFill>
+                  <a:srgbClr val="FFFFFF"/>
+                </a:solidFill>
+                <a:latin typeface="Avenir Light"/>
+                <a:cs typeface="Avenir Light"/>
+              </a:rPr>
+              <a:t>, </a:t>
+            </a:r>
+            <a:r>
+              <a:rPr lang="en-US" sz="2200" i="1" dirty="0" smtClean="0">
+                <a:solidFill>
+                  <a:srgbClr val="FFFFFF"/>
+                </a:solidFill>
+                <a:latin typeface="Avenir Light"/>
+                <a:cs typeface="Avenir Light"/>
+              </a:rPr>
+              <a:t>div, </a:t>
+            </a:r>
+            <a:r>
+              <a:rPr lang="en-US" sz="2200" dirty="0" smtClean="0">
+                <a:solidFill>
+                  <a:srgbClr val="FFFFFF"/>
+                </a:solidFill>
+                <a:latin typeface="Avenir Light"/>
+                <a:cs typeface="Avenir Light"/>
+              </a:rPr>
+              <a:t> and </a:t>
+            </a:r>
+            <a:r>
+              <a:rPr lang="en-US" sz="2200" dirty="0" err="1" smtClean="0">
+                <a:solidFill>
+                  <a:srgbClr val="FFFFFF"/>
+                </a:solidFill>
+                <a:latin typeface="Avenir Light"/>
+                <a:cs typeface="Avenir Light"/>
+              </a:rPr>
+              <a:t>vect</a:t>
+            </a:r>
+            <a:r>
+              <a:rPr lang="en-US" sz="2200" dirty="0" smtClean="0">
+                <a:solidFill>
+                  <a:srgbClr val="FFFFFF"/>
+                </a:solidFill>
+                <a:latin typeface="Avenir Light"/>
+                <a:cs typeface="Avenir Light"/>
+              </a:rPr>
+              <a:t> with </a:t>
+            </a:r>
+            <a:r>
+              <a:rPr lang="en-US" sz="2200" dirty="0" err="1" smtClean="0">
+                <a:solidFill>
+                  <a:srgbClr val="FFFFFF"/>
+                </a:solidFill>
+                <a:latin typeface="Avenir Light"/>
+                <a:cs typeface="Avenir Light"/>
+              </a:rPr>
+              <a:t>sVect</a:t>
+            </a:r>
+            <a:endParaRPr lang="en-US" sz="2200" i="1" dirty="0">
+              <a:solidFill>
+                <a:srgbClr val="FFFFFF"/>
+              </a:solidFill>
+              <a:latin typeface="Avenir Light"/>
+              <a:cs typeface="Avenir Light"/>
+            </a:endParaRPr>
+          </a:p>
+          <a:p>
+            <a:pPr marL="0" indent="0">
+              <a:buNone/>
+            </a:pPr>
+            <a:endParaRPr lang="en-US" sz="2200" dirty="0" smtClean="0">
               <a:solidFill>
                 <a:srgbClr val="FFFFFF"/>
               </a:solidFill>

--- a/presentation_DRAFT.pptx
+++ b/presentation_DRAFT.pptx
@@ -14,10 +14,8 @@
     <p:sldId id="265" r:id="rId8"/>
     <p:sldId id="266" r:id="rId9"/>
     <p:sldId id="260" r:id="rId10"/>
-    <p:sldId id="261" r:id="rId11"/>
-    <p:sldId id="268" r:id="rId12"/>
-    <p:sldId id="267" r:id="rId13"/>
-    <p:sldId id="262" r:id="rId14"/>
+    <p:sldId id="268" r:id="rId11"/>
+    <p:sldId id="267" r:id="rId12"/>
   </p:sldIdLst>
   <p:sldSz cx="9144000" cy="6858000" type="screen4x3"/>
   <p:notesSz cx="6858000" cy="9144000"/>
@@ -3287,19 +3285,19 @@
             <a:r>
               <a:rPr lang="en-US" dirty="0" smtClean="0">
                 <a:solidFill>
-                  <a:srgbClr val="FFFFFF"/>
-                </a:solidFill>
-                <a:latin typeface="Avenir Next Regular"/>
-                <a:cs typeface="Avenir Next Regular"/>
-              </a:rPr>
-              <a:t>Test Results</a:t>
+                  <a:schemeClr val="bg1"/>
+                </a:solidFill>
+                <a:latin typeface="Avenir Light"/>
+                <a:cs typeface="Avenir Light"/>
+              </a:rPr>
+              <a:t>Test Result cont.</a:t>
             </a:r>
             <a:endParaRPr lang="en-US" dirty="0">
               <a:solidFill>
-                <a:srgbClr val="FFFFFF"/>
+                <a:schemeClr val="bg1"/>
               </a:solidFill>
-              <a:latin typeface="Avenir Next Regular"/>
-              <a:cs typeface="Avenir Next Regular"/>
+              <a:latin typeface="Avenir Light"/>
+              <a:cs typeface="Avenir Light"/>
             </a:endParaRPr>
           </a:p>
         </p:txBody>
@@ -3319,87 +3317,58 @@
           <a:bodyPr/>
           <a:lstStyle/>
           <a:p>
-            <a:r>
-              <a:rPr lang="en-US" dirty="0" smtClean="0">
+            <a:pPr marL="0" indent="0">
+              <a:buNone/>
+            </a:pPr>
+            <a:r>
+              <a:rPr lang="en-US" dirty="0">
                 <a:solidFill>
                   <a:srgbClr val="FFFFFF"/>
                 </a:solidFill>
                 <a:latin typeface="Avenir Next Regular"/>
                 <a:cs typeface="Avenir Next Regular"/>
               </a:rPr>
-              <a:t>Best d for 100 digit decimal</a:t>
-            </a:r>
-          </a:p>
-          <a:p>
-            <a:r>
-              <a:rPr lang="en-US" dirty="0" smtClean="0">
+              <a:t>//Graphs of results of different </a:t>
+            </a:r>
+            <a:r>
+              <a:rPr lang="en-US" i="1" dirty="0">
                 <a:solidFill>
                   <a:srgbClr val="FFFFFF"/>
                 </a:solidFill>
                 <a:latin typeface="Avenir Next Regular"/>
                 <a:cs typeface="Avenir Next Regular"/>
               </a:rPr>
-              <a:t>Best </a:t>
-            </a:r>
-            <a:r>
-              <a:rPr lang="en-US" i="1" dirty="0" smtClean="0">
+              <a:t>d</a:t>
+            </a:r>
+            <a:r>
+              <a:rPr lang="en-US" dirty="0">
                 <a:solidFill>
                   <a:srgbClr val="FFFFFF"/>
                 </a:solidFill>
                 <a:latin typeface="Avenir Next Regular"/>
                 <a:cs typeface="Avenir Next Regular"/>
               </a:rPr>
-              <a:t>d</a:t>
-            </a:r>
-            <a:r>
-              <a:rPr lang="en-US" dirty="0" smtClean="0">
-                <a:solidFill>
-                  <a:srgbClr val="FFFFFF"/>
-                </a:solidFill>
-                <a:latin typeface="Avenir Next Regular"/>
-                <a:cs typeface="Avenir Next Regular"/>
-              </a:rPr>
-              <a:t> for 20 digit decimal</a:t>
-            </a:r>
-          </a:p>
-          <a:p>
-            <a:r>
-              <a:rPr lang="en-US" dirty="0" smtClean="0">
-                <a:solidFill>
-                  <a:srgbClr val="FFFFFF"/>
-                </a:solidFill>
-                <a:latin typeface="Avenir Next Regular"/>
-                <a:cs typeface="Avenir Next Regular"/>
-              </a:rPr>
-              <a:t>Best </a:t>
-            </a:r>
-            <a:r>
-              <a:rPr lang="en-US" i="1" dirty="0" smtClean="0">
-                <a:solidFill>
-                  <a:srgbClr val="FFFFFF"/>
-                </a:solidFill>
-                <a:latin typeface="Avenir Next Regular"/>
-                <a:cs typeface="Avenir Next Regular"/>
-              </a:rPr>
-              <a:t>d </a:t>
-            </a:r>
-            <a:r>
-              <a:rPr lang="en-US" dirty="0" smtClean="0">
-                <a:solidFill>
-                  <a:srgbClr val="FFFFFF"/>
-                </a:solidFill>
-                <a:latin typeface="Avenir Next Regular"/>
-                <a:cs typeface="Avenir Next Regular"/>
-              </a:rPr>
-              <a:t>for 10 digit decimal</a:t>
-            </a:r>
+              <a:t>’s for 10d, 20d, 100d with bucket and counting.</a:t>
+            </a:r>
+          </a:p>
+          <a:p>
+            <a:pPr marL="0" indent="0">
+              <a:buNone/>
+            </a:pPr>
+            <a:endParaRPr lang="en-US" dirty="0">
+              <a:solidFill>
+                <a:srgbClr val="FFFFFF"/>
+              </a:solidFill>
+              <a:latin typeface="Avenir Light"/>
+              <a:cs typeface="Avenir Light"/>
+            </a:endParaRPr>
           </a:p>
         </p:txBody>
       </p:sp>
     </p:spTree>
     <p:extLst>
       <p:ext uri="{BB962C8B-B14F-4D97-AF65-F5344CB8AC3E}">
-        <p14:creationId xmlns:p14="http://schemas.microsoft.com/office/powerpoint/2010/main" val="4088610691"/>
+        <p14:creationId xmlns:p14="http://schemas.microsoft.com/office/powerpoint/2010/main" val="1238949746"/>
       </p:ext>
     </p:extLst>
   </p:cSld>
@@ -3456,7 +3425,7 @@
                 <a:latin typeface="Avenir Light"/>
                 <a:cs typeface="Avenir Light"/>
               </a:rPr>
-              <a:t>Test Result cont.</a:t>
+              <a:t>Conclusion</a:t>
             </a:r>
             <a:endParaRPr lang="en-US" dirty="0">
               <a:solidFill>
@@ -3483,141 +3452,6 @@
           <a:bodyPr/>
           <a:lstStyle/>
           <a:p>
-            <a:pPr marL="0" indent="0">
-              <a:buNone/>
-            </a:pPr>
-            <a:r>
-              <a:rPr lang="en-US" dirty="0">
-                <a:solidFill>
-                  <a:srgbClr val="FFFFFF"/>
-                </a:solidFill>
-                <a:latin typeface="Avenir Next Regular"/>
-                <a:cs typeface="Avenir Next Regular"/>
-              </a:rPr>
-              <a:t>//Graphs of results of different </a:t>
-            </a:r>
-            <a:r>
-              <a:rPr lang="en-US" i="1" dirty="0">
-                <a:solidFill>
-                  <a:srgbClr val="FFFFFF"/>
-                </a:solidFill>
-                <a:latin typeface="Avenir Next Regular"/>
-                <a:cs typeface="Avenir Next Regular"/>
-              </a:rPr>
-              <a:t>d</a:t>
-            </a:r>
-            <a:r>
-              <a:rPr lang="en-US" dirty="0">
-                <a:solidFill>
-                  <a:srgbClr val="FFFFFF"/>
-                </a:solidFill>
-                <a:latin typeface="Avenir Next Regular"/>
-                <a:cs typeface="Avenir Next Regular"/>
-              </a:rPr>
-              <a:t>’s for 10d, 20d, 100d with bucket and counting.</a:t>
-            </a:r>
-          </a:p>
-          <a:p>
-            <a:pPr marL="0" indent="0">
-              <a:buNone/>
-            </a:pPr>
-            <a:endParaRPr lang="en-US" dirty="0">
-              <a:solidFill>
-                <a:srgbClr val="FFFFFF"/>
-              </a:solidFill>
-              <a:latin typeface="Avenir Light"/>
-              <a:cs typeface="Avenir Light"/>
-            </a:endParaRPr>
-          </a:p>
-        </p:txBody>
-      </p:sp>
-    </p:spTree>
-    <p:extLst>
-      <p:ext uri="{BB962C8B-B14F-4D97-AF65-F5344CB8AC3E}">
-        <p14:creationId xmlns:p14="http://schemas.microsoft.com/office/powerpoint/2010/main" val="1238949746"/>
-      </p:ext>
-    </p:extLst>
-  </p:cSld>
-  <p:clrMapOvr>
-    <a:masterClrMapping/>
-  </p:clrMapOvr>
-  <p:timing>
-    <p:tnLst>
-      <p:par>
-        <p:cTn xmlns:p14="http://schemas.microsoft.com/office/powerpoint/2010/main" id="1" dur="indefinite" restart="never" nodeType="tmRoot"/>
-      </p:par>
-    </p:tnLst>
-  </p:timing>
-</p:sld>
-</file>
-
-<file path=ppt/slides/slide12.xml><?xml version="1.0" encoding="utf-8"?>
-<p:sld xmlns:a="http://schemas.openxmlformats.org/drawingml/2006/main" xmlns:r="http://schemas.openxmlformats.org/officeDocument/2006/relationships" xmlns:p="http://schemas.openxmlformats.org/presentationml/2006/main">
-  <p:cSld>
-    <p:spTree>
-      <p:nvGrpSpPr>
-        <p:cNvPr id="1" name=""/>
-        <p:cNvGrpSpPr/>
-        <p:nvPr/>
-      </p:nvGrpSpPr>
-      <p:grpSpPr>
-        <a:xfrm>
-          <a:off x="0" y="0"/>
-          <a:ext cx="0" cy="0"/>
-          <a:chOff x="0" y="0"/>
-          <a:chExt cx="0" cy="0"/>
-        </a:xfrm>
-      </p:grpSpPr>
-      <p:sp>
-        <p:nvSpPr>
-          <p:cNvPr id="2" name="Title 1"/>
-          <p:cNvSpPr>
-            <a:spLocks noGrp="1"/>
-          </p:cNvSpPr>
-          <p:nvPr>
-            <p:ph type="title"/>
-          </p:nvPr>
-        </p:nvSpPr>
-        <p:spPr/>
-        <p:txBody>
-          <a:bodyPr/>
-          <a:lstStyle/>
-          <a:p>
-            <a:r>
-              <a:rPr lang="en-US" dirty="0" smtClean="0">
-                <a:solidFill>
-                  <a:schemeClr val="bg1"/>
-                </a:solidFill>
-                <a:latin typeface="Avenir Light"/>
-                <a:cs typeface="Avenir Light"/>
-              </a:rPr>
-              <a:t>Conclusion</a:t>
-            </a:r>
-            <a:endParaRPr lang="en-US" dirty="0">
-              <a:solidFill>
-                <a:schemeClr val="bg1"/>
-              </a:solidFill>
-              <a:latin typeface="Avenir Light"/>
-              <a:cs typeface="Avenir Light"/>
-            </a:endParaRPr>
-          </a:p>
-        </p:txBody>
-      </p:sp>
-      <p:sp>
-        <p:nvSpPr>
-          <p:cNvPr id="3" name="Content Placeholder 2"/>
-          <p:cNvSpPr>
-            <a:spLocks noGrp="1"/>
-          </p:cNvSpPr>
-          <p:nvPr>
-            <p:ph idx="1"/>
-          </p:nvPr>
-        </p:nvSpPr>
-        <p:spPr/>
-        <p:txBody>
-          <a:bodyPr/>
-          <a:lstStyle/>
-          <a:p>
             <a:r>
               <a:rPr lang="en-US" dirty="0" smtClean="0">
                 <a:solidFill>
@@ -3648,85 +3482,6 @@
   <p:clrMapOvr>
     <a:masterClrMapping/>
   </p:clrMapOvr>
-</p:sld>
-</file>
-
-<file path=ppt/slides/slide13.xml><?xml version="1.0" encoding="utf-8"?>
-<p:sld xmlns:a="http://schemas.openxmlformats.org/drawingml/2006/main" xmlns:r="http://schemas.openxmlformats.org/officeDocument/2006/relationships" xmlns:p="http://schemas.openxmlformats.org/presentationml/2006/main">
-  <p:cSld>
-    <p:spTree>
-      <p:nvGrpSpPr>
-        <p:cNvPr id="1" name=""/>
-        <p:cNvGrpSpPr/>
-        <p:nvPr/>
-      </p:nvGrpSpPr>
-      <p:grpSpPr>
-        <a:xfrm>
-          <a:off x="0" y="0"/>
-          <a:ext cx="0" cy="0"/>
-          <a:chOff x="0" y="0"/>
-          <a:chExt cx="0" cy="0"/>
-        </a:xfrm>
-      </p:grpSpPr>
-      <p:sp>
-        <p:nvSpPr>
-          <p:cNvPr id="2" name="Title 1"/>
-          <p:cNvSpPr>
-            <a:spLocks noGrp="1"/>
-          </p:cNvSpPr>
-          <p:nvPr>
-            <p:ph type="title"/>
-          </p:nvPr>
-        </p:nvSpPr>
-        <p:spPr>
-          <a:xfrm>
-            <a:off x="457200" y="1995954"/>
-            <a:ext cx="8229600" cy="2457828"/>
-          </a:xfrm>
-        </p:spPr>
-        <p:txBody>
-          <a:bodyPr>
-            <a:normAutofit/>
-          </a:bodyPr>
-          <a:lstStyle/>
-          <a:p>
-            <a:r>
-              <a:rPr lang="en-US" dirty="0" smtClean="0">
-                <a:solidFill>
-                  <a:srgbClr val="FFFFFF"/>
-                </a:solidFill>
-                <a:latin typeface="Avenir Next Regular"/>
-                <a:cs typeface="Avenir Next Regular"/>
-              </a:rPr>
-              <a:t>Thank you</a:t>
-            </a:r>
-            <a:endParaRPr lang="en-US" dirty="0">
-              <a:solidFill>
-                <a:srgbClr val="FFFFFF"/>
-              </a:solidFill>
-              <a:latin typeface="Avenir Next Regular"/>
-              <a:cs typeface="Avenir Next Regular"/>
-            </a:endParaRPr>
-          </a:p>
-        </p:txBody>
-      </p:sp>
-    </p:spTree>
-    <p:extLst>
-      <p:ext uri="{BB962C8B-B14F-4D97-AF65-F5344CB8AC3E}">
-        <p14:creationId xmlns:p14="http://schemas.microsoft.com/office/powerpoint/2010/main" val="3833525325"/>
-      </p:ext>
-    </p:extLst>
-  </p:cSld>
-  <p:clrMapOvr>
-    <a:masterClrMapping/>
-  </p:clrMapOvr>
-  <p:timing>
-    <p:tnLst>
-      <p:par>
-        <p:cTn xmlns:p14="http://schemas.microsoft.com/office/powerpoint/2010/main" id="1" dur="indefinite" restart="never" nodeType="tmRoot"/>
-      </p:par>
-    </p:tnLst>
-  </p:timing>
 </p:sld>
 </file>
 

--- a/presentation_DRAFT.pptx
+++ b/presentation_DRAFT.pptx
@@ -8,14 +8,10 @@
     <p:sldId id="256" r:id="rId2"/>
     <p:sldId id="257" r:id="rId3"/>
     <p:sldId id="259" r:id="rId4"/>
-    <p:sldId id="263" r:id="rId5"/>
-    <p:sldId id="258" r:id="rId6"/>
-    <p:sldId id="264" r:id="rId7"/>
-    <p:sldId id="265" r:id="rId8"/>
-    <p:sldId id="266" r:id="rId9"/>
-    <p:sldId id="260" r:id="rId10"/>
-    <p:sldId id="268" r:id="rId11"/>
-    <p:sldId id="267" r:id="rId12"/>
+    <p:sldId id="266" r:id="rId5"/>
+    <p:sldId id="260" r:id="rId6"/>
+    <p:sldId id="268" r:id="rId7"/>
+    <p:sldId id="267" r:id="rId8"/>
   </p:sldIdLst>
   <p:sldSz cx="9144000" cy="6858000" type="screen4x3"/>
   <p:notesSz cx="6858000" cy="9144000"/>
@@ -298,7 +294,7 @@
           <a:p>
             <a:fld id="{57CFAD20-43C2-CA44-8C28-8CAD34CDE910}" type="datetimeFigureOut">
               <a:rPr lang="en-US" smtClean="0"/>
-              <a:t>5/7/13</a:t>
+              <a:t>5/8/13</a:t>
             </a:fld>
             <a:endParaRPr lang="en-US"/>
           </a:p>
@@ -468,7 +464,7 @@
           <a:p>
             <a:fld id="{57CFAD20-43C2-CA44-8C28-8CAD34CDE910}" type="datetimeFigureOut">
               <a:rPr lang="en-US" smtClean="0"/>
-              <a:t>5/7/13</a:t>
+              <a:t>5/8/13</a:t>
             </a:fld>
             <a:endParaRPr lang="en-US"/>
           </a:p>
@@ -648,7 +644,7 @@
           <a:p>
             <a:fld id="{57CFAD20-43C2-CA44-8C28-8CAD34CDE910}" type="datetimeFigureOut">
               <a:rPr lang="en-US" smtClean="0"/>
-              <a:t>5/7/13</a:t>
+              <a:t>5/8/13</a:t>
             </a:fld>
             <a:endParaRPr lang="en-US"/>
           </a:p>
@@ -818,7 +814,7 @@
           <a:p>
             <a:fld id="{57CFAD20-43C2-CA44-8C28-8CAD34CDE910}" type="datetimeFigureOut">
               <a:rPr lang="en-US" smtClean="0"/>
-              <a:t>5/7/13</a:t>
+              <a:t>5/8/13</a:t>
             </a:fld>
             <a:endParaRPr lang="en-US"/>
           </a:p>
@@ -1064,7 +1060,7 @@
           <a:p>
             <a:fld id="{57CFAD20-43C2-CA44-8C28-8CAD34CDE910}" type="datetimeFigureOut">
               <a:rPr lang="en-US" smtClean="0"/>
-              <a:t>5/7/13</a:t>
+              <a:t>5/8/13</a:t>
             </a:fld>
             <a:endParaRPr lang="en-US"/>
           </a:p>
@@ -1352,7 +1348,7 @@
           <a:p>
             <a:fld id="{57CFAD20-43C2-CA44-8C28-8CAD34CDE910}" type="datetimeFigureOut">
               <a:rPr lang="en-US" smtClean="0"/>
-              <a:t>5/7/13</a:t>
+              <a:t>5/8/13</a:t>
             </a:fld>
             <a:endParaRPr lang="en-US"/>
           </a:p>
@@ -1774,7 +1770,7 @@
           <a:p>
             <a:fld id="{57CFAD20-43C2-CA44-8C28-8CAD34CDE910}" type="datetimeFigureOut">
               <a:rPr lang="en-US" smtClean="0"/>
-              <a:t>5/7/13</a:t>
+              <a:t>5/8/13</a:t>
             </a:fld>
             <a:endParaRPr lang="en-US"/>
           </a:p>
@@ -1892,7 +1888,7 @@
           <a:p>
             <a:fld id="{57CFAD20-43C2-CA44-8C28-8CAD34CDE910}" type="datetimeFigureOut">
               <a:rPr lang="en-US" smtClean="0"/>
-              <a:t>5/7/13</a:t>
+              <a:t>5/8/13</a:t>
             </a:fld>
             <a:endParaRPr lang="en-US"/>
           </a:p>
@@ -1987,7 +1983,7 @@
           <a:p>
             <a:fld id="{57CFAD20-43C2-CA44-8C28-8CAD34CDE910}" type="datetimeFigureOut">
               <a:rPr lang="en-US" smtClean="0"/>
-              <a:t>5/7/13</a:t>
+              <a:t>5/8/13</a:t>
             </a:fld>
             <a:endParaRPr lang="en-US"/>
           </a:p>
@@ -2264,7 +2260,7 @@
           <a:p>
             <a:fld id="{57CFAD20-43C2-CA44-8C28-8CAD34CDE910}" type="datetimeFigureOut">
               <a:rPr lang="en-US" smtClean="0"/>
-              <a:t>5/7/13</a:t>
+              <a:t>5/8/13</a:t>
             </a:fld>
             <a:endParaRPr lang="en-US"/>
           </a:p>
@@ -2517,7 +2513,7 @@
           <a:p>
             <a:fld id="{57CFAD20-43C2-CA44-8C28-8CAD34CDE910}" type="datetimeFigureOut">
               <a:rPr lang="en-US" smtClean="0"/>
-              <a:t>5/7/13</a:t>
+              <a:t>5/8/13</a:t>
             </a:fld>
             <a:endParaRPr lang="en-US"/>
           </a:p>
@@ -2737,7 +2733,7 @@
           <a:p>
             <a:fld id="{57CFAD20-43C2-CA44-8C28-8CAD34CDE910}" type="datetimeFigureOut">
               <a:rPr lang="en-US" smtClean="0"/>
-              <a:t>5/7/13</a:t>
+              <a:t>5/8/13</a:t>
             </a:fld>
             <a:endParaRPr lang="en-US"/>
           </a:p>
@@ -3247,241 +3243,6 @@
       </p:par>
     </p:tnLst>
   </p:timing>
-</p:sld>
-</file>
-
-<file path=ppt/slides/slide10.xml><?xml version="1.0" encoding="utf-8"?>
-<p:sld xmlns:a="http://schemas.openxmlformats.org/drawingml/2006/main" xmlns:r="http://schemas.openxmlformats.org/officeDocument/2006/relationships" xmlns:p="http://schemas.openxmlformats.org/presentationml/2006/main">
-  <p:cSld>
-    <p:spTree>
-      <p:nvGrpSpPr>
-        <p:cNvPr id="1" name=""/>
-        <p:cNvGrpSpPr/>
-        <p:nvPr/>
-      </p:nvGrpSpPr>
-      <p:grpSpPr>
-        <a:xfrm>
-          <a:off x="0" y="0"/>
-          <a:ext cx="0" cy="0"/>
-          <a:chOff x="0" y="0"/>
-          <a:chExt cx="0" cy="0"/>
-        </a:xfrm>
-      </p:grpSpPr>
-      <p:sp>
-        <p:nvSpPr>
-          <p:cNvPr id="2" name="Title 1"/>
-          <p:cNvSpPr>
-            <a:spLocks noGrp="1"/>
-          </p:cNvSpPr>
-          <p:nvPr>
-            <p:ph type="title"/>
-          </p:nvPr>
-        </p:nvSpPr>
-        <p:spPr/>
-        <p:txBody>
-          <a:bodyPr/>
-          <a:lstStyle/>
-          <a:p>
-            <a:r>
-              <a:rPr lang="en-US" dirty="0" smtClean="0">
-                <a:solidFill>
-                  <a:schemeClr val="bg1"/>
-                </a:solidFill>
-                <a:latin typeface="Avenir Light"/>
-                <a:cs typeface="Avenir Light"/>
-              </a:rPr>
-              <a:t>Test Result cont.</a:t>
-            </a:r>
-            <a:endParaRPr lang="en-US" dirty="0">
-              <a:solidFill>
-                <a:schemeClr val="bg1"/>
-              </a:solidFill>
-              <a:latin typeface="Avenir Light"/>
-              <a:cs typeface="Avenir Light"/>
-            </a:endParaRPr>
-          </a:p>
-        </p:txBody>
-      </p:sp>
-      <p:sp>
-        <p:nvSpPr>
-          <p:cNvPr id="3" name="Content Placeholder 2"/>
-          <p:cNvSpPr>
-            <a:spLocks noGrp="1"/>
-          </p:cNvSpPr>
-          <p:nvPr>
-            <p:ph idx="1"/>
-          </p:nvPr>
-        </p:nvSpPr>
-        <p:spPr/>
-        <p:txBody>
-          <a:bodyPr/>
-          <a:lstStyle/>
-          <a:p>
-            <a:pPr marL="0" indent="0">
-              <a:buNone/>
-            </a:pPr>
-            <a:r>
-              <a:rPr lang="en-US" dirty="0">
-                <a:solidFill>
-                  <a:srgbClr val="FFFFFF"/>
-                </a:solidFill>
-                <a:latin typeface="Avenir Next Regular"/>
-                <a:cs typeface="Avenir Next Regular"/>
-              </a:rPr>
-              <a:t>//Graphs of results of different </a:t>
-            </a:r>
-            <a:r>
-              <a:rPr lang="en-US" i="1" dirty="0">
-                <a:solidFill>
-                  <a:srgbClr val="FFFFFF"/>
-                </a:solidFill>
-                <a:latin typeface="Avenir Next Regular"/>
-                <a:cs typeface="Avenir Next Regular"/>
-              </a:rPr>
-              <a:t>d</a:t>
-            </a:r>
-            <a:r>
-              <a:rPr lang="en-US" dirty="0">
-                <a:solidFill>
-                  <a:srgbClr val="FFFFFF"/>
-                </a:solidFill>
-                <a:latin typeface="Avenir Next Regular"/>
-                <a:cs typeface="Avenir Next Regular"/>
-              </a:rPr>
-              <a:t>’s for 10d, 20d, 100d with bucket and counting.</a:t>
-            </a:r>
-          </a:p>
-          <a:p>
-            <a:pPr marL="0" indent="0">
-              <a:buNone/>
-            </a:pPr>
-            <a:endParaRPr lang="en-US" dirty="0">
-              <a:solidFill>
-                <a:srgbClr val="FFFFFF"/>
-              </a:solidFill>
-              <a:latin typeface="Avenir Light"/>
-              <a:cs typeface="Avenir Light"/>
-            </a:endParaRPr>
-          </a:p>
-        </p:txBody>
-      </p:sp>
-    </p:spTree>
-    <p:extLst>
-      <p:ext uri="{BB962C8B-B14F-4D97-AF65-F5344CB8AC3E}">
-        <p14:creationId xmlns:p14="http://schemas.microsoft.com/office/powerpoint/2010/main" val="1238949746"/>
-      </p:ext>
-    </p:extLst>
-  </p:cSld>
-  <p:clrMapOvr>
-    <a:masterClrMapping/>
-  </p:clrMapOvr>
-  <p:timing>
-    <p:tnLst>
-      <p:par>
-        <p:cTn xmlns:p14="http://schemas.microsoft.com/office/powerpoint/2010/main" id="1" dur="indefinite" restart="never" nodeType="tmRoot"/>
-      </p:par>
-    </p:tnLst>
-  </p:timing>
-</p:sld>
-</file>
-
-<file path=ppt/slides/slide11.xml><?xml version="1.0" encoding="utf-8"?>
-<p:sld xmlns:a="http://schemas.openxmlformats.org/drawingml/2006/main" xmlns:r="http://schemas.openxmlformats.org/officeDocument/2006/relationships" xmlns:p="http://schemas.openxmlformats.org/presentationml/2006/main">
-  <p:cSld>
-    <p:spTree>
-      <p:nvGrpSpPr>
-        <p:cNvPr id="1" name=""/>
-        <p:cNvGrpSpPr/>
-        <p:nvPr/>
-      </p:nvGrpSpPr>
-      <p:grpSpPr>
-        <a:xfrm>
-          <a:off x="0" y="0"/>
-          <a:ext cx="0" cy="0"/>
-          <a:chOff x="0" y="0"/>
-          <a:chExt cx="0" cy="0"/>
-        </a:xfrm>
-      </p:grpSpPr>
-      <p:sp>
-        <p:nvSpPr>
-          <p:cNvPr id="2" name="Title 1"/>
-          <p:cNvSpPr>
-            <a:spLocks noGrp="1"/>
-          </p:cNvSpPr>
-          <p:nvPr>
-            <p:ph type="title"/>
-          </p:nvPr>
-        </p:nvSpPr>
-        <p:spPr/>
-        <p:txBody>
-          <a:bodyPr/>
-          <a:lstStyle/>
-          <a:p>
-            <a:r>
-              <a:rPr lang="en-US" dirty="0" smtClean="0">
-                <a:solidFill>
-                  <a:schemeClr val="bg1"/>
-                </a:solidFill>
-                <a:latin typeface="Avenir Light"/>
-                <a:cs typeface="Avenir Light"/>
-              </a:rPr>
-              <a:t>Conclusion</a:t>
-            </a:r>
-            <a:endParaRPr lang="en-US" dirty="0">
-              <a:solidFill>
-                <a:schemeClr val="bg1"/>
-              </a:solidFill>
-              <a:latin typeface="Avenir Light"/>
-              <a:cs typeface="Avenir Light"/>
-            </a:endParaRPr>
-          </a:p>
-        </p:txBody>
-      </p:sp>
-      <p:sp>
-        <p:nvSpPr>
-          <p:cNvPr id="3" name="Content Placeholder 2"/>
-          <p:cNvSpPr>
-            <a:spLocks noGrp="1"/>
-          </p:cNvSpPr>
-          <p:nvPr>
-            <p:ph idx="1"/>
-          </p:nvPr>
-        </p:nvSpPr>
-        <p:spPr/>
-        <p:txBody>
-          <a:bodyPr/>
-          <a:lstStyle/>
-          <a:p>
-            <a:r>
-              <a:rPr lang="en-US" dirty="0" smtClean="0">
-                <a:solidFill>
-                  <a:srgbClr val="FFFFFF"/>
-                </a:solidFill>
-                <a:latin typeface="Avenir Light"/>
-                <a:cs typeface="Avenir Light"/>
-              </a:rPr>
-              <a:t>//Summary of radix sort</a:t>
-            </a:r>
-            <a:endParaRPr lang="en-US" dirty="0">
-              <a:solidFill>
-                <a:srgbClr val="FFFFFF"/>
-              </a:solidFill>
-              <a:latin typeface="Avenir Light"/>
-              <a:cs typeface="Avenir Light"/>
-            </a:endParaRPr>
-          </a:p>
-        </p:txBody>
-      </p:sp>
-    </p:spTree>
-    <p:extLst>
-      <p:ext uri="{BB962C8B-B14F-4D97-AF65-F5344CB8AC3E}">
-        <p14:creationId xmlns:p14="http://schemas.microsoft.com/office/powerpoint/2010/main" val="4275949085"/>
-      </p:ext>
-    </p:extLst>
-  </p:cSld>
-  <p:clrMapOvr>
-    <a:masterClrMapping/>
-  </p:clrMapOvr>
 </p:sld>
 </file>
 
@@ -5138,15 +4899,8 @@
                 <a:latin typeface="Avenir Next Regular"/>
                 <a:cs typeface="Avenir Next Regular"/>
               </a:rPr>
-              <a:t>Sort a “digit” at a time</a:t>
-            </a:r>
-            <a:endParaRPr lang="en-US" dirty="0">
-              <a:solidFill>
-                <a:schemeClr val="bg1"/>
-              </a:solidFill>
-              <a:latin typeface="Avenir Next Regular"/>
-              <a:cs typeface="Avenir Next Regular"/>
-            </a:endParaRPr>
+              <a:t>Sorts from the LSD to MSD using another sort.</a:t>
+            </a:r>
           </a:p>
           <a:p>
             <a:pPr lvl="1"/>
@@ -5158,208 +4912,19 @@
                 <a:latin typeface="Avenir Next Regular"/>
                 <a:cs typeface="Avenir Next Regular"/>
               </a:rPr>
-              <a:t>Choosing the optimal </a:t>
-            </a:r>
-            <a:r>
-              <a:rPr lang="en-US" i="1" dirty="0" smtClean="0">
+              <a:t>Its complexity will be determined by the complexity of the </a:t>
+            </a:r>
+            <a:r>
+              <a:rPr lang="en-US" smtClean="0">
                 <a:solidFill>
                   <a:schemeClr val="bg1"/>
                 </a:solidFill>
                 <a:latin typeface="Avenir Next Regular"/>
                 <a:cs typeface="Avenir Next Regular"/>
               </a:rPr>
-              <a:t>digit</a:t>
-            </a:r>
-            <a:r>
-              <a:rPr lang="en-US" dirty="0" smtClean="0">
-                <a:solidFill>
-                  <a:schemeClr val="bg1"/>
-                </a:solidFill>
-                <a:latin typeface="Avenir Next Regular"/>
-                <a:cs typeface="Avenir Next Regular"/>
-              </a:rPr>
-              <a:t> </a:t>
-            </a:r>
-          </a:p>
-          <a:p>
-            <a:pPr lvl="1"/>
-            <a:r>
-              <a:rPr lang="en-US" i="1" dirty="0">
-                <a:solidFill>
-                  <a:schemeClr val="bg1"/>
-                </a:solidFill>
-                <a:latin typeface="Avenir Next Regular"/>
-                <a:cs typeface="Avenir Next Regular"/>
-              </a:rPr>
-              <a:t>n</a:t>
-            </a:r>
-            <a:r>
-              <a:rPr lang="en-US" dirty="0" smtClean="0">
-                <a:solidFill>
-                  <a:schemeClr val="bg1"/>
-                </a:solidFill>
-                <a:latin typeface="Avenir Next Regular"/>
-                <a:cs typeface="Avenir Next Regular"/>
-              </a:rPr>
-              <a:t> values with </a:t>
-            </a:r>
-            <a:r>
-              <a:rPr lang="en-US" i="1" dirty="0" smtClean="0">
-                <a:solidFill>
-                  <a:schemeClr val="bg1"/>
-                </a:solidFill>
-                <a:latin typeface="Avenir Next Regular"/>
-                <a:cs typeface="Avenir Next Regular"/>
-              </a:rPr>
-              <a:t>b-</a:t>
-            </a:r>
-            <a:r>
-              <a:rPr lang="en-US" dirty="0" smtClean="0">
-                <a:solidFill>
-                  <a:schemeClr val="bg1"/>
-                </a:solidFill>
-                <a:latin typeface="Avenir Next Regular"/>
-                <a:cs typeface="Avenir Next Regular"/>
-              </a:rPr>
-              <a:t>bits</a:t>
-            </a:r>
-          </a:p>
-          <a:p>
-            <a:pPr lvl="1"/>
-            <a:r>
-              <a:rPr lang="en-US" dirty="0" smtClean="0">
-                <a:solidFill>
-                  <a:schemeClr val="bg1"/>
-                </a:solidFill>
-                <a:latin typeface="Avenir Next Regular"/>
-                <a:cs typeface="Avenir Next Regular"/>
-              </a:rPr>
-              <a:t>Broke the values into </a:t>
-            </a:r>
-            <a:r>
-              <a:rPr lang="en-US" i="1" dirty="0" smtClean="0">
-                <a:solidFill>
-                  <a:schemeClr val="bg1"/>
-                </a:solidFill>
-                <a:latin typeface="Avenir Next Regular"/>
-                <a:cs typeface="Avenir Next Regular"/>
-              </a:rPr>
-              <a:t>r-</a:t>
-            </a:r>
-            <a:r>
-              <a:rPr lang="en-US" dirty="0" smtClean="0">
-                <a:solidFill>
-                  <a:schemeClr val="bg1"/>
-                </a:solidFill>
-                <a:latin typeface="Avenir Next Regular"/>
-                <a:cs typeface="Avenir Next Regular"/>
-              </a:rPr>
-              <a:t>bit digits</a:t>
-            </a:r>
-          </a:p>
-          <a:p>
-            <a:pPr lvl="2"/>
-            <a:r>
-              <a:rPr lang="en-US" i="1" dirty="0">
-                <a:solidFill>
-                  <a:schemeClr val="bg1"/>
-                </a:solidFill>
-                <a:latin typeface="Avenir Next Regular"/>
-                <a:cs typeface="Avenir Next Regular"/>
-              </a:rPr>
-              <a:t>d</a:t>
-            </a:r>
-            <a:r>
-              <a:rPr lang="en-US" i="1" dirty="0" smtClean="0">
-                <a:solidFill>
-                  <a:schemeClr val="bg1"/>
-                </a:solidFill>
-                <a:latin typeface="Avenir Next Regular"/>
-                <a:cs typeface="Avenir Next Regular"/>
-              </a:rPr>
-              <a:t>igit = </a:t>
-            </a:r>
-            <a:r>
-              <a:rPr lang="en-US" dirty="0" smtClean="0">
-                <a:solidFill>
-                  <a:schemeClr val="bg1"/>
-                </a:solidFill>
-                <a:latin typeface="Avenir Next Regular"/>
-                <a:cs typeface="Avenir Next Regular"/>
-              </a:rPr>
-              <a:t>ceiling(</a:t>
-            </a:r>
-            <a:r>
-              <a:rPr lang="en-US" i="1" dirty="0" smtClean="0">
-                <a:solidFill>
-                  <a:schemeClr val="bg1"/>
-                </a:solidFill>
-                <a:latin typeface="Avenir Next Regular"/>
-                <a:cs typeface="Avenir Next Regular"/>
-              </a:rPr>
-              <a:t>b</a:t>
-            </a:r>
-            <a:r>
-              <a:rPr lang="en-US" dirty="0" smtClean="0">
-                <a:solidFill>
-                  <a:schemeClr val="bg1"/>
-                </a:solidFill>
-                <a:latin typeface="Avenir Next Regular"/>
-                <a:cs typeface="Avenir Next Regular"/>
-              </a:rPr>
-              <a:t>/</a:t>
-            </a:r>
-            <a:r>
-              <a:rPr lang="en-US" i="1" dirty="0" smtClean="0">
-                <a:solidFill>
-                  <a:schemeClr val="bg1"/>
-                </a:solidFill>
-                <a:latin typeface="Avenir Next Regular"/>
-                <a:cs typeface="Avenir Next Regular"/>
-              </a:rPr>
-              <a:t>r</a:t>
-            </a:r>
-            <a:r>
-              <a:rPr lang="en-US" dirty="0" smtClean="0">
-                <a:solidFill>
-                  <a:schemeClr val="bg1"/>
-                </a:solidFill>
-                <a:latin typeface="Avenir Next Regular"/>
-                <a:cs typeface="Avenir Next Regular"/>
-              </a:rPr>
-              <a:t>)</a:t>
-            </a:r>
-            <a:r>
-              <a:rPr lang="en-US" i="1" dirty="0" smtClean="0">
-                <a:solidFill>
-                  <a:schemeClr val="bg1"/>
-                </a:solidFill>
-                <a:latin typeface="Avenir Next Regular"/>
-                <a:cs typeface="Avenir Next Regular"/>
-              </a:rPr>
-              <a:t>  </a:t>
-            </a:r>
-            <a:r>
-              <a:rPr lang="en-US" dirty="0" smtClean="0">
-                <a:solidFill>
-                  <a:schemeClr val="bg1"/>
-                </a:solidFill>
-                <a:latin typeface="Avenir Next Regular"/>
-                <a:cs typeface="Avenir Next Regular"/>
-              </a:rPr>
-              <a:t>//estimate for </a:t>
-            </a:r>
-            <a:r>
-              <a:rPr lang="en-US" i="1" dirty="0" smtClean="0">
-                <a:solidFill>
-                  <a:schemeClr val="bg1"/>
-                </a:solidFill>
-                <a:latin typeface="Avenir Next Regular"/>
-                <a:cs typeface="Avenir Next Regular"/>
-              </a:rPr>
-              <a:t>d</a:t>
-            </a:r>
-            <a:endParaRPr lang="en-US" i="1" dirty="0">
+              <a:t>sort it uses.</a:t>
+            </a:r>
+            <a:endParaRPr lang="en-US" dirty="0" smtClean="0">
               <a:solidFill>
                 <a:schemeClr val="bg1"/>
               </a:solidFill>
@@ -5418,30 +4983,373 @@
         </p:nvSpPr>
         <p:spPr/>
         <p:txBody>
-          <a:bodyPr/>
+          <a:bodyPr>
+            <a:normAutofit fontScale="90000"/>
+          </a:bodyPr>
           <a:lstStyle/>
           <a:p>
             <a:r>
+              <a:rPr lang="en-US" dirty="0" err="1" smtClean="0">
+                <a:solidFill>
+                  <a:schemeClr val="bg1"/>
+                </a:solidFill>
+                <a:latin typeface="Avenir Light"/>
+                <a:cs typeface="Avenir Light"/>
+              </a:rPr>
+              <a:t>Pseudocode</a:t>
+            </a:r>
+            <a:r>
               <a:rPr lang="en-US" dirty="0" smtClean="0">
                 <a:solidFill>
-                  <a:srgbClr val="FFFFFF"/>
-                </a:solidFill>
-                <a:latin typeface="Avenir Light"/>
-                <a:cs typeface="Avenir Light"/>
-              </a:rPr>
-              <a:t>Building the </a:t>
+                  <a:schemeClr val="bg1"/>
+                </a:solidFill>
+                <a:latin typeface="Avenir Light"/>
+                <a:cs typeface="Avenir Light"/>
+              </a:rPr>
+              <a:t>: </a:t>
             </a:r>
             <a:r>
               <a:rPr lang="en-US" dirty="0" err="1" smtClean="0">
                 <a:solidFill>
-                  <a:srgbClr val="FFFFFF"/>
-                </a:solidFill>
-                <a:latin typeface="Avenir Light"/>
-                <a:cs typeface="Avenir Light"/>
-              </a:rPr>
-              <a:t>Pseudocode</a:t>
+                  <a:schemeClr val="bg1"/>
+                </a:solidFill>
+                <a:latin typeface="Avenir Light"/>
+                <a:cs typeface="Avenir Light"/>
+              </a:rPr>
+              <a:t>radixSort</a:t>
+            </a:r>
+            <a:r>
+              <a:rPr lang="en-US" dirty="0" smtClean="0">
+                <a:solidFill>
+                  <a:schemeClr val="bg1"/>
+                </a:solidFill>
+                <a:latin typeface="Avenir Light"/>
+                <a:cs typeface="Avenir Light"/>
+              </a:rPr>
+              <a:t>() - counting</a:t>
             </a:r>
             <a:endParaRPr lang="en-US" dirty="0">
+              <a:solidFill>
+                <a:schemeClr val="bg1"/>
+              </a:solidFill>
+              <a:latin typeface="Avenir Light"/>
+              <a:cs typeface="Avenir Light"/>
+            </a:endParaRPr>
+          </a:p>
+        </p:txBody>
+      </p:sp>
+      <p:sp>
+        <p:nvSpPr>
+          <p:cNvPr id="3" name="Content Placeholder 2"/>
+          <p:cNvSpPr>
+            <a:spLocks noGrp="1"/>
+          </p:cNvSpPr>
+          <p:nvPr>
+            <p:ph idx="1"/>
+          </p:nvPr>
+        </p:nvSpPr>
+        <p:spPr>
+          <a:xfrm>
+            <a:off x="457200" y="1417638"/>
+            <a:ext cx="8229600" cy="5065090"/>
+          </a:xfrm>
+        </p:spPr>
+        <p:txBody>
+          <a:bodyPr>
+            <a:normAutofit fontScale="92500" lnSpcReduction="10000"/>
+          </a:bodyPr>
+          <a:lstStyle/>
+          <a:p>
+            <a:pPr marL="0" indent="0">
+              <a:buNone/>
+            </a:pPr>
+            <a:r>
+              <a:rPr lang="en-US" sz="2200" dirty="0" err="1" smtClean="0">
+                <a:solidFill>
+                  <a:srgbClr val="FFFFFF"/>
+                </a:solidFill>
+                <a:latin typeface="Avenir Light"/>
+                <a:cs typeface="Avenir Light"/>
+              </a:rPr>
+              <a:t>radixSort</a:t>
+            </a:r>
+            <a:r>
+              <a:rPr lang="en-US" sz="2200" dirty="0" smtClean="0">
+                <a:solidFill>
+                  <a:srgbClr val="FFFFFF"/>
+                </a:solidFill>
+                <a:latin typeface="Avenir Light"/>
+                <a:cs typeface="Avenir Light"/>
+              </a:rPr>
+              <a:t>(</a:t>
+            </a:r>
+            <a:r>
+              <a:rPr lang="en-US" sz="2200" i="1" dirty="0" err="1" smtClean="0">
+                <a:solidFill>
+                  <a:srgbClr val="FFFFFF"/>
+                </a:solidFill>
+                <a:latin typeface="Avenir Light"/>
+                <a:cs typeface="Avenir Light"/>
+              </a:rPr>
+              <a:t>vect</a:t>
+            </a:r>
+            <a:r>
+              <a:rPr lang="en-US" sz="2200" dirty="0" smtClean="0">
+                <a:solidFill>
+                  <a:srgbClr val="FFFFFF"/>
+                </a:solidFill>
+                <a:latin typeface="Avenir Light"/>
+                <a:cs typeface="Avenir Light"/>
+              </a:rPr>
+              <a:t>, </a:t>
+            </a:r>
+            <a:r>
+              <a:rPr lang="en-US" sz="2200" i="1" dirty="0" smtClean="0">
+                <a:solidFill>
+                  <a:srgbClr val="FFFFFF"/>
+                </a:solidFill>
+                <a:latin typeface="Avenir Light"/>
+                <a:cs typeface="Avenir Light"/>
+              </a:rPr>
+              <a:t>size</a:t>
+            </a:r>
+            <a:r>
+              <a:rPr lang="en-US" sz="2200" dirty="0" smtClean="0">
+                <a:solidFill>
+                  <a:srgbClr val="FFFFFF"/>
+                </a:solidFill>
+                <a:latin typeface="Avenir Light"/>
+                <a:cs typeface="Avenir Light"/>
+              </a:rPr>
+              <a:t>, </a:t>
+            </a:r>
+            <a:r>
+              <a:rPr lang="en-US" sz="2200" i="1" dirty="0" smtClean="0">
+                <a:solidFill>
+                  <a:srgbClr val="FFFFFF"/>
+                </a:solidFill>
+                <a:latin typeface="Avenir Light"/>
+                <a:cs typeface="Avenir Light"/>
+              </a:rPr>
+              <a:t>max</a:t>
+            </a:r>
+            <a:r>
+              <a:rPr lang="en-US" sz="2200" dirty="0" smtClean="0">
+                <a:solidFill>
+                  <a:srgbClr val="FFFFFF"/>
+                </a:solidFill>
+                <a:latin typeface="Avenir Light"/>
+                <a:cs typeface="Avenir Light"/>
+              </a:rPr>
+              <a:t>, </a:t>
+            </a:r>
+            <a:r>
+              <a:rPr lang="en-US" sz="2200" i="1" dirty="0" smtClean="0">
+                <a:solidFill>
+                  <a:srgbClr val="FFFFFF"/>
+                </a:solidFill>
+                <a:latin typeface="Avenir Light"/>
+                <a:cs typeface="Avenir Light"/>
+              </a:rPr>
+              <a:t>digits</a:t>
+            </a:r>
+            <a:r>
+              <a:rPr lang="en-US" sz="2200" dirty="0" smtClean="0">
+                <a:solidFill>
+                  <a:srgbClr val="FFFFFF"/>
+                </a:solidFill>
+                <a:latin typeface="Avenir Light"/>
+                <a:cs typeface="Avenir Light"/>
+              </a:rPr>
+              <a:t>, </a:t>
+            </a:r>
+            <a:r>
+              <a:rPr lang="en-US" sz="2200" i="1" dirty="0" smtClean="0">
+                <a:solidFill>
+                  <a:srgbClr val="FFFFFF"/>
+                </a:solidFill>
+                <a:latin typeface="Avenir Light"/>
+                <a:cs typeface="Avenir Light"/>
+              </a:rPr>
+              <a:t>k</a:t>
+            </a:r>
+            <a:r>
+              <a:rPr lang="en-US" sz="2200" dirty="0" smtClean="0">
+                <a:solidFill>
+                  <a:srgbClr val="FFFFFF"/>
+                </a:solidFill>
+                <a:latin typeface="Avenir Light"/>
+                <a:cs typeface="Avenir Light"/>
+              </a:rPr>
+              <a:t>)</a:t>
+            </a:r>
+          </a:p>
+          <a:p>
+            <a:pPr marL="0" indent="0">
+              <a:buNone/>
+            </a:pPr>
+            <a:r>
+              <a:rPr lang="en-US" sz="2200" dirty="0">
+                <a:solidFill>
+                  <a:srgbClr val="FFFFFF"/>
+                </a:solidFill>
+                <a:latin typeface="Avenir Light"/>
+                <a:cs typeface="Avenir Light"/>
+              </a:rPr>
+              <a:t>	</a:t>
+            </a:r>
+            <a:r>
+              <a:rPr lang="en-US" sz="2200" dirty="0" err="1" smtClean="0">
+                <a:solidFill>
+                  <a:schemeClr val="accent6">
+                    <a:lumMod val="40000"/>
+                    <a:lumOff val="60000"/>
+                  </a:schemeClr>
+                </a:solidFill>
+                <a:latin typeface="Avenir Light"/>
+                <a:cs typeface="Avenir Light"/>
+              </a:rPr>
+              <a:t>int</a:t>
+            </a:r>
+            <a:r>
+              <a:rPr lang="en-US" sz="2200" dirty="0" smtClean="0">
+                <a:solidFill>
+                  <a:schemeClr val="accent6">
+                    <a:lumMod val="40000"/>
+                    <a:lumOff val="60000"/>
+                  </a:schemeClr>
+                </a:solidFill>
+                <a:latin typeface="Avenir Light"/>
+                <a:cs typeface="Avenir Light"/>
+              </a:rPr>
+              <a:t> </a:t>
+            </a:r>
+            <a:r>
+              <a:rPr lang="en-US" sz="2200" i="1" dirty="0" smtClean="0">
+                <a:solidFill>
+                  <a:srgbClr val="FFFFFF"/>
+                </a:solidFill>
+                <a:latin typeface="Avenir Light"/>
+                <a:cs typeface="Avenir Light"/>
+              </a:rPr>
+              <a:t>mod</a:t>
+            </a:r>
+            <a:r>
+              <a:rPr lang="en-US" sz="2200" dirty="0">
+                <a:solidFill>
+                  <a:srgbClr val="FFFFFF"/>
+                </a:solidFill>
+                <a:latin typeface="Avenir Light"/>
+                <a:cs typeface="Avenir Light"/>
+              </a:rPr>
+              <a:t> </a:t>
+            </a:r>
+            <a:r>
+              <a:rPr lang="en-US" sz="2200" dirty="0" smtClean="0">
+                <a:solidFill>
+                  <a:srgbClr val="FFFFFF"/>
+                </a:solidFill>
+                <a:latin typeface="Avenir Light"/>
+                <a:cs typeface="Avenir Light"/>
+              </a:rPr>
+              <a:t>= </a:t>
+            </a:r>
+            <a:r>
+              <a:rPr lang="en-US" sz="2200" i="1" dirty="0" smtClean="0">
+                <a:solidFill>
+                  <a:srgbClr val="FFFFFF"/>
+                </a:solidFill>
+                <a:latin typeface="Avenir Light"/>
+                <a:cs typeface="Avenir Light"/>
+              </a:rPr>
+              <a:t>k</a:t>
+            </a:r>
+            <a:r>
+              <a:rPr lang="en-US" sz="2200" dirty="0" smtClean="0">
+                <a:solidFill>
+                  <a:srgbClr val="FFFFFF"/>
+                </a:solidFill>
+                <a:latin typeface="Avenir Light"/>
+                <a:cs typeface="Avenir Light"/>
+              </a:rPr>
+              <a:t>, </a:t>
+            </a:r>
+            <a:r>
+              <a:rPr lang="en-US" sz="2200" i="1" dirty="0" smtClean="0">
+                <a:solidFill>
+                  <a:srgbClr val="FFFFFF"/>
+                </a:solidFill>
+                <a:latin typeface="Avenir Light"/>
+                <a:cs typeface="Avenir Light"/>
+              </a:rPr>
+              <a:t>div</a:t>
+            </a:r>
+            <a:r>
+              <a:rPr lang="en-US" sz="2200" dirty="0" smtClean="0">
+                <a:solidFill>
+                  <a:srgbClr val="FFFFFF"/>
+                </a:solidFill>
+                <a:latin typeface="Avenir Light"/>
+                <a:cs typeface="Avenir Light"/>
+              </a:rPr>
+              <a:t> = 1</a:t>
+            </a:r>
+          </a:p>
+          <a:p>
+            <a:pPr marL="0" indent="0">
+              <a:buNone/>
+            </a:pPr>
+            <a:r>
+              <a:rPr lang="en-US" sz="2200" i="1" dirty="0">
+                <a:solidFill>
+                  <a:srgbClr val="FFFFFF"/>
+                </a:solidFill>
+                <a:latin typeface="Avenir Light"/>
+                <a:cs typeface="Avenir Light"/>
+              </a:rPr>
+              <a:t>	</a:t>
+            </a:r>
+            <a:r>
+              <a:rPr lang="en-US" sz="2200" dirty="0" smtClean="0">
+                <a:solidFill>
+                  <a:srgbClr val="FFFFFF"/>
+                </a:solidFill>
+                <a:latin typeface="Avenir Light"/>
+                <a:cs typeface="Avenir Light"/>
+              </a:rPr>
+              <a:t>declare </a:t>
+            </a:r>
+            <a:r>
+              <a:rPr lang="en-US" sz="2200" dirty="0" err="1" smtClean="0">
+                <a:solidFill>
+                  <a:srgbClr val="FFFFFF"/>
+                </a:solidFill>
+                <a:latin typeface="Avenir Light"/>
+                <a:cs typeface="Avenir Light"/>
+              </a:rPr>
+              <a:t>oVect</a:t>
+            </a:r>
+            <a:r>
+              <a:rPr lang="en-US" sz="2200" dirty="0" smtClean="0">
+                <a:solidFill>
+                  <a:srgbClr val="FFFFFF"/>
+                </a:solidFill>
+                <a:latin typeface="Avenir Light"/>
+                <a:cs typeface="Avenir Light"/>
+              </a:rPr>
+              <a:t>, </a:t>
+            </a:r>
+            <a:r>
+              <a:rPr lang="en-US" sz="2200" dirty="0" err="1" smtClean="0">
+                <a:solidFill>
+                  <a:srgbClr val="FFFFFF"/>
+                </a:solidFill>
+                <a:latin typeface="Avenir Light"/>
+                <a:cs typeface="Avenir Light"/>
+              </a:rPr>
+              <a:t>dVect</a:t>
+            </a:r>
+            <a:endParaRPr lang="en-US" sz="2200" dirty="0" smtClean="0">
               <a:solidFill>
                 <a:srgbClr val="FFFFFF"/>
               </a:solidFill>
@@ -5449,94 +5357,151 @@
               <a:cs typeface="Avenir Light"/>
             </a:endParaRPr>
           </a:p>
-        </p:txBody>
-      </p:sp>
-      <p:sp>
-        <p:nvSpPr>
-          <p:cNvPr id="3" name="Content Placeholder 2"/>
-          <p:cNvSpPr>
-            <a:spLocks noGrp="1"/>
-          </p:cNvSpPr>
-          <p:nvPr>
-            <p:ph idx="1"/>
-          </p:nvPr>
-        </p:nvSpPr>
-        <p:spPr/>
-        <p:txBody>
-          <a:bodyPr/>
-          <a:lstStyle/>
-          <a:p>
-            <a:r>
-              <a:rPr lang="en-US" dirty="0" smtClean="0">
-                <a:solidFill>
-                  <a:srgbClr val="FFFFFF"/>
-                </a:solidFill>
-                <a:latin typeface="Avenir Light"/>
-                <a:cs typeface="Avenir Light"/>
-              </a:rPr>
-              <a:t>We need to define </a:t>
-            </a:r>
-            <a:r>
-              <a:rPr lang="en-US" i="1" dirty="0" smtClean="0">
-                <a:solidFill>
-                  <a:srgbClr val="FFFFFF"/>
-                </a:solidFill>
-                <a:latin typeface="Avenir Light"/>
-                <a:cs typeface="Avenir Light"/>
-              </a:rPr>
-              <a:t>digits</a:t>
-            </a:r>
-            <a:r>
-              <a:rPr lang="en-US" dirty="0" smtClean="0">
-                <a:solidFill>
-                  <a:srgbClr val="FFFFFF"/>
-                </a:solidFill>
-                <a:latin typeface="Avenir Light"/>
-                <a:cs typeface="Avenir Light"/>
-              </a:rPr>
-              <a:t>, </a:t>
-            </a:r>
-            <a:r>
-              <a:rPr lang="en-US" i="1" dirty="0" smtClean="0">
-                <a:solidFill>
-                  <a:srgbClr val="FFFFFF"/>
-                </a:solidFill>
-                <a:latin typeface="Avenir Light"/>
-                <a:cs typeface="Avenir Light"/>
-              </a:rPr>
-              <a:t>r</a:t>
-            </a:r>
-            <a:r>
-              <a:rPr lang="en-US" dirty="0" smtClean="0">
-                <a:solidFill>
-                  <a:srgbClr val="FFFFFF"/>
-                </a:solidFill>
-                <a:latin typeface="Avenir Light"/>
-                <a:cs typeface="Avenir Light"/>
-              </a:rPr>
-              <a:t>, </a:t>
-            </a:r>
-            <a:r>
-              <a:rPr lang="en-US" i="1" dirty="0" smtClean="0">
-                <a:solidFill>
-                  <a:srgbClr val="FFFFFF"/>
-                </a:solidFill>
-                <a:latin typeface="Avenir Light"/>
-                <a:cs typeface="Avenir Light"/>
-              </a:rPr>
-              <a:t>k</a:t>
-            </a:r>
-            <a:r>
-              <a:rPr lang="en-US" dirty="0">
-                <a:solidFill>
-                  <a:srgbClr val="FFFFFF"/>
-                </a:solidFill>
-                <a:latin typeface="Avenir Light"/>
-                <a:cs typeface="Avenir Light"/>
-              </a:rPr>
-              <a:t> </a:t>
-            </a:r>
-            <a:endParaRPr lang="en-US" i="1" dirty="0" smtClean="0">
+          <a:p>
+            <a:pPr marL="0" indent="0">
+              <a:buNone/>
+            </a:pPr>
+            <a:r>
+              <a:rPr lang="en-US" sz="2200" i="1" dirty="0">
+                <a:solidFill>
+                  <a:srgbClr val="FFFFFF"/>
+                </a:solidFill>
+                <a:latin typeface="Avenir Light"/>
+                <a:cs typeface="Avenir Light"/>
+              </a:rPr>
+              <a:t>	</a:t>
+            </a:r>
+            <a:r>
+              <a:rPr lang="en-US" sz="2200" dirty="0" smtClean="0">
+                <a:solidFill>
+                  <a:srgbClr val="FFFFFF"/>
+                </a:solidFill>
+                <a:latin typeface="Avenir Light"/>
+                <a:cs typeface="Avenir Light"/>
+              </a:rPr>
+              <a:t>for </a:t>
+            </a:r>
+            <a:r>
+              <a:rPr lang="en-US" sz="2200" dirty="0" err="1" smtClean="0">
+                <a:solidFill>
+                  <a:srgbClr val="FFFFFF"/>
+                </a:solidFill>
+                <a:latin typeface="Avenir Light"/>
+                <a:cs typeface="Avenir Light"/>
+              </a:rPr>
+              <a:t>i</a:t>
+            </a:r>
+            <a:r>
+              <a:rPr lang="en-US" sz="2200" dirty="0" smtClean="0">
+                <a:solidFill>
+                  <a:srgbClr val="FFFFFF"/>
+                </a:solidFill>
+                <a:latin typeface="Avenir Light"/>
+                <a:cs typeface="Avenir Light"/>
+              </a:rPr>
+              <a:t> from 0 to digits</a:t>
+            </a:r>
+          </a:p>
+          <a:p>
+            <a:pPr marL="0" indent="0">
+              <a:buNone/>
+            </a:pPr>
+            <a:r>
+              <a:rPr lang="en-US" sz="2200" i="1" dirty="0">
+                <a:solidFill>
+                  <a:srgbClr val="FFFFFF"/>
+                </a:solidFill>
+                <a:latin typeface="Avenir Light"/>
+                <a:cs typeface="Avenir Light"/>
+              </a:rPr>
+              <a:t>	</a:t>
+            </a:r>
+            <a:r>
+              <a:rPr lang="en-US" sz="2200" i="1" dirty="0" smtClean="0">
+                <a:solidFill>
+                  <a:srgbClr val="FFFFFF"/>
+                </a:solidFill>
+                <a:latin typeface="Avenir Light"/>
+                <a:cs typeface="Avenir Light"/>
+              </a:rPr>
+              <a:t> 	</a:t>
+            </a:r>
+            <a:r>
+              <a:rPr lang="en-US" sz="2200" dirty="0" smtClean="0">
+                <a:solidFill>
+                  <a:srgbClr val="FFFFFF"/>
+                </a:solidFill>
+                <a:latin typeface="Avenir Light"/>
+                <a:cs typeface="Avenir Light"/>
+              </a:rPr>
+              <a:t>for j from 1 to size</a:t>
+            </a:r>
+          </a:p>
+          <a:p>
+            <a:pPr marL="0" indent="0">
+              <a:buNone/>
+            </a:pPr>
+            <a:r>
+              <a:rPr lang="en-US" sz="2200" i="1" dirty="0">
+                <a:solidFill>
+                  <a:srgbClr val="FFFFFF"/>
+                </a:solidFill>
+                <a:latin typeface="Avenir Light"/>
+                <a:cs typeface="Avenir Light"/>
+              </a:rPr>
+              <a:t>		</a:t>
+            </a:r>
+            <a:r>
+              <a:rPr lang="en-US" sz="2200" i="1" dirty="0" smtClean="0">
+                <a:solidFill>
+                  <a:srgbClr val="FFFFFF"/>
+                </a:solidFill>
+                <a:latin typeface="Avenir Light"/>
+                <a:cs typeface="Avenir Light"/>
+              </a:rPr>
+              <a:t> 	 	</a:t>
+            </a:r>
+            <a:r>
+              <a:rPr lang="en-US" sz="2200" dirty="0" err="1" smtClean="0">
+                <a:solidFill>
+                  <a:srgbClr val="FFFFFF"/>
+                </a:solidFill>
+                <a:latin typeface="Avenir Light"/>
+                <a:cs typeface="Avenir Light"/>
+              </a:rPr>
+              <a:t>dVect</a:t>
+            </a:r>
+            <a:r>
+              <a:rPr lang="en-US" sz="2200" dirty="0" smtClean="0">
+                <a:solidFill>
+                  <a:srgbClr val="FFFFFF"/>
+                </a:solidFill>
+                <a:latin typeface="Avenir Light"/>
+                <a:cs typeface="Avenir Light"/>
+              </a:rPr>
+              <a:t>[ j ] = </a:t>
+            </a:r>
+            <a:r>
+              <a:rPr lang="en-US" sz="2200" dirty="0" err="1" smtClean="0">
+                <a:solidFill>
+                  <a:srgbClr val="FFFFFF"/>
+                </a:solidFill>
+                <a:latin typeface="Avenir Light"/>
+                <a:cs typeface="Avenir Light"/>
+              </a:rPr>
+              <a:t>vect</a:t>
+            </a:r>
+            <a:r>
+              <a:rPr lang="en-US" sz="2200" dirty="0" smtClean="0">
+                <a:solidFill>
+                  <a:srgbClr val="FFFFFF"/>
+                </a:solidFill>
+                <a:latin typeface="Avenir Light"/>
+                <a:cs typeface="Avenir Light"/>
+              </a:rPr>
+              <a:t>[ j ]/div</a:t>
+            </a:r>
+            <a:endParaRPr lang="en-US" sz="2200" i="1" dirty="0">
               <a:solidFill>
                 <a:srgbClr val="FFFFFF"/>
               </a:solidFill>
@@ -5545,196 +5510,598 @@
             </a:endParaRPr>
           </a:p>
           <a:p>
-            <a:r>
-              <a:rPr lang="en-US" i="1" dirty="0" smtClean="0">
-                <a:solidFill>
-                  <a:srgbClr val="FFFFFF"/>
-                </a:solidFill>
-                <a:latin typeface="Avenir Light"/>
-                <a:cs typeface="Avenir Light"/>
-              </a:rPr>
-              <a:t>digits</a:t>
-            </a:r>
-            <a:r>
-              <a:rPr lang="en-US" dirty="0" smtClean="0">
-                <a:solidFill>
-                  <a:srgbClr val="FFFFFF"/>
-                </a:solidFill>
-                <a:latin typeface="Avenir Light"/>
-                <a:cs typeface="Avenir Light"/>
-              </a:rPr>
-              <a:t> = </a:t>
-            </a:r>
-            <a:r>
-              <a:rPr lang="en-US" dirty="0" smtClean="0">
-                <a:solidFill>
-                  <a:srgbClr val="FFFFFF"/>
-                </a:solidFill>
-                <a:latin typeface="Avenir Light"/>
-                <a:cs typeface="Avenir Light"/>
-                <a:sym typeface="Symbol"/>
-              </a:rPr>
-              <a:t></a:t>
-            </a:r>
-            <a:r>
-              <a:rPr lang="en-US" i="1" dirty="0" smtClean="0">
-                <a:solidFill>
-                  <a:srgbClr val="FFFFFF"/>
-                </a:solidFill>
-                <a:latin typeface="Avenir Light"/>
-                <a:cs typeface="Avenir Light"/>
-                <a:sym typeface="Symbol"/>
-              </a:rPr>
-              <a:t>b</a:t>
-            </a:r>
-            <a:r>
-              <a:rPr lang="en-US" dirty="0" smtClean="0">
-                <a:solidFill>
-                  <a:srgbClr val="FFFFFF"/>
-                </a:solidFill>
-                <a:latin typeface="Avenir Light"/>
-                <a:cs typeface="Avenir Light"/>
-                <a:sym typeface="Symbol"/>
-              </a:rPr>
-              <a:t>/log(</a:t>
-            </a:r>
-            <a:r>
-              <a:rPr lang="en-US" i="1" dirty="0" smtClean="0">
-                <a:solidFill>
-                  <a:srgbClr val="FFFFFF"/>
-                </a:solidFill>
-                <a:latin typeface="Avenir Light"/>
-                <a:cs typeface="Avenir Light"/>
-                <a:sym typeface="Symbol"/>
-              </a:rPr>
-              <a:t>size</a:t>
-            </a:r>
-            <a:r>
-              <a:rPr lang="en-US" dirty="0" smtClean="0">
-                <a:solidFill>
-                  <a:srgbClr val="FFFFFF"/>
-                </a:solidFill>
-                <a:latin typeface="Avenir Light"/>
-                <a:cs typeface="Avenir Light"/>
-                <a:sym typeface="Symbol"/>
-              </a:rPr>
-              <a:t>)</a:t>
-            </a:r>
-          </a:p>
-          <a:p>
-            <a:r>
-              <a:rPr lang="en-US" i="1" dirty="0" smtClean="0">
-                <a:solidFill>
-                  <a:srgbClr val="FFFFFF"/>
-                </a:solidFill>
-                <a:latin typeface="Avenir Light"/>
-                <a:cs typeface="Avenir Light"/>
-                <a:sym typeface="Symbol"/>
-              </a:rPr>
-              <a:t>r </a:t>
-            </a:r>
-            <a:r>
-              <a:rPr lang="en-US" dirty="0" smtClean="0">
-                <a:solidFill>
-                  <a:srgbClr val="FFFFFF"/>
-                </a:solidFill>
-                <a:latin typeface="Avenir Light"/>
-                <a:cs typeface="Avenir Light"/>
-                <a:sym typeface="Symbol"/>
-              </a:rPr>
-              <a:t>= </a:t>
-            </a:r>
-            <a:r>
-              <a:rPr lang="en-US" i="1" dirty="0" smtClean="0">
-                <a:solidFill>
-                  <a:srgbClr val="FFFFFF"/>
-                </a:solidFill>
-                <a:latin typeface="Avenir Light"/>
-                <a:cs typeface="Avenir Light"/>
-                <a:sym typeface="Symbol"/>
-              </a:rPr>
-              <a:t>b</a:t>
-            </a:r>
-            <a:r>
-              <a:rPr lang="en-US" dirty="0" smtClean="0">
-                <a:solidFill>
-                  <a:srgbClr val="FFFFFF"/>
-                </a:solidFill>
-                <a:latin typeface="Avenir Light"/>
-                <a:cs typeface="Avenir Light"/>
-                <a:sym typeface="Symbol"/>
-              </a:rPr>
-              <a:t>/</a:t>
-            </a:r>
-            <a:r>
-              <a:rPr lang="en-US" i="1" dirty="0" smtClean="0">
-                <a:solidFill>
-                  <a:srgbClr val="FFFFFF"/>
-                </a:solidFill>
-                <a:latin typeface="Avenir Light"/>
-                <a:cs typeface="Avenir Light"/>
-                <a:sym typeface="Symbol"/>
-              </a:rPr>
-              <a:t>digits</a:t>
-            </a:r>
-            <a:r>
-              <a:rPr lang="en-US" dirty="0" smtClean="0">
-                <a:solidFill>
-                  <a:srgbClr val="FFFFFF"/>
-                </a:solidFill>
-                <a:latin typeface="Avenir Light"/>
-                <a:cs typeface="Avenir Light"/>
-                <a:sym typeface="Symbol"/>
-              </a:rPr>
-              <a:t></a:t>
-            </a:r>
-          </a:p>
-          <a:p>
-            <a:r>
-              <a:rPr lang="en-US" i="1" dirty="0" smtClean="0">
-                <a:solidFill>
-                  <a:srgbClr val="FFFFFF"/>
-                </a:solidFill>
-                <a:latin typeface="Avenir Light"/>
-                <a:cs typeface="Avenir Light"/>
-                <a:sym typeface="Symbol"/>
-              </a:rPr>
-              <a:t>k </a:t>
-            </a:r>
-            <a:r>
-              <a:rPr lang="en-US" dirty="0" smtClean="0">
-                <a:solidFill>
-                  <a:srgbClr val="FFFFFF"/>
-                </a:solidFill>
-                <a:latin typeface="Avenir Light"/>
-                <a:cs typeface="Avenir Light"/>
-                <a:sym typeface="Symbol"/>
-              </a:rPr>
-              <a:t>= 2</a:t>
-            </a:r>
-            <a:r>
-              <a:rPr lang="en-US" i="1" baseline="30000" dirty="0" smtClean="0">
-                <a:solidFill>
-                  <a:srgbClr val="FFFFFF"/>
-                </a:solidFill>
-                <a:latin typeface="Avenir Light"/>
-                <a:cs typeface="Avenir Light"/>
-                <a:sym typeface="Symbol"/>
-              </a:rPr>
-              <a:t>r</a:t>
-            </a:r>
-            <a:r>
-              <a:rPr lang="en-US" dirty="0" smtClean="0">
-                <a:solidFill>
-                  <a:srgbClr val="FFFFFF"/>
-                </a:solidFill>
-                <a:latin typeface="Avenir Light"/>
-                <a:cs typeface="Avenir Light"/>
-                <a:sym typeface="Symbol"/>
+            <a:pPr marL="0" indent="0">
+              <a:buNone/>
+            </a:pPr>
+            <a:r>
+              <a:rPr lang="en-US" sz="2200" i="1" dirty="0">
+                <a:solidFill>
+                  <a:srgbClr val="FFFFFF"/>
+                </a:solidFill>
+                <a:latin typeface="Avenir Light"/>
+                <a:cs typeface="Avenir Light"/>
+              </a:rPr>
+              <a:t>	</a:t>
+            </a:r>
+            <a:r>
+              <a:rPr lang="en-US" sz="2200" i="1" dirty="0" smtClean="0">
+                <a:solidFill>
+                  <a:srgbClr val="FFFFFF"/>
+                </a:solidFill>
+                <a:latin typeface="Avenir Light"/>
+                <a:cs typeface="Avenir Light"/>
+              </a:rPr>
+              <a:t> 	 </a:t>
+            </a:r>
+            <a:r>
+              <a:rPr lang="en-US" sz="2200" dirty="0" smtClean="0">
+                <a:solidFill>
+                  <a:srgbClr val="FFFFFF"/>
+                </a:solidFill>
+                <a:latin typeface="Avenir Light"/>
+                <a:cs typeface="Avenir Light"/>
+              </a:rPr>
+              <a:t>for j from 1 to size</a:t>
+            </a:r>
+          </a:p>
+          <a:p>
+            <a:pPr marL="0" indent="0">
+              <a:buNone/>
+            </a:pPr>
+            <a:r>
+              <a:rPr lang="en-US" sz="2200" dirty="0">
+                <a:solidFill>
+                  <a:srgbClr val="FFFFFF"/>
+                </a:solidFill>
+                <a:latin typeface="Avenir Light"/>
+                <a:cs typeface="Avenir Light"/>
+              </a:rPr>
+              <a:t>	</a:t>
+            </a:r>
+            <a:r>
+              <a:rPr lang="en-US" sz="2200" dirty="0" smtClean="0">
+                <a:solidFill>
+                  <a:srgbClr val="FFFFFF"/>
+                </a:solidFill>
+                <a:latin typeface="Avenir Light"/>
+                <a:cs typeface="Avenir Light"/>
+              </a:rPr>
+              <a:t> 	 	</a:t>
+            </a:r>
+            <a:r>
+              <a:rPr lang="en-US" sz="2200" dirty="0" err="1" smtClean="0">
+                <a:solidFill>
+                  <a:srgbClr val="FFFFFF"/>
+                </a:solidFill>
+                <a:latin typeface="Avenir Light"/>
+                <a:cs typeface="Avenir Light"/>
+              </a:rPr>
+              <a:t>oVect</a:t>
+            </a:r>
+            <a:r>
+              <a:rPr lang="en-US" sz="2200" dirty="0" smtClean="0">
+                <a:solidFill>
+                  <a:srgbClr val="FFFFFF"/>
+                </a:solidFill>
+                <a:latin typeface="Avenir Light"/>
+                <a:cs typeface="Avenir Light"/>
+              </a:rPr>
+              <a:t>[ </a:t>
+            </a:r>
+            <a:r>
+              <a:rPr lang="en-US" sz="2200" dirty="0" err="1" smtClean="0">
+                <a:solidFill>
+                  <a:srgbClr val="FFFFFF"/>
+                </a:solidFill>
+                <a:latin typeface="Avenir Light"/>
+                <a:cs typeface="Avenir Light"/>
+              </a:rPr>
+              <a:t>dVect</a:t>
+            </a:r>
+            <a:r>
+              <a:rPr lang="en-US" sz="2200" dirty="0" smtClean="0">
+                <a:solidFill>
+                  <a:srgbClr val="FFFFFF"/>
+                </a:solidFill>
+                <a:latin typeface="Avenir Light"/>
+                <a:cs typeface="Avenir Light"/>
+              </a:rPr>
+              <a:t>[ j ] ] = </a:t>
+            </a:r>
+            <a:r>
+              <a:rPr lang="en-US" sz="2200" dirty="0" err="1" smtClean="0">
+                <a:solidFill>
+                  <a:srgbClr val="FFFFFF"/>
+                </a:solidFill>
+                <a:latin typeface="Avenir Light"/>
+                <a:cs typeface="Avenir Light"/>
+              </a:rPr>
+              <a:t>oVect</a:t>
+            </a:r>
+            <a:r>
+              <a:rPr lang="en-US" sz="2200" dirty="0" smtClean="0">
+                <a:solidFill>
+                  <a:srgbClr val="FFFFFF"/>
+                </a:solidFill>
+                <a:latin typeface="Avenir Light"/>
+                <a:cs typeface="Avenir Light"/>
+              </a:rPr>
+              <a:t>[ </a:t>
+            </a:r>
+            <a:r>
+              <a:rPr lang="en-US" sz="2200" dirty="0" err="1" smtClean="0">
+                <a:solidFill>
+                  <a:srgbClr val="FFFFFF"/>
+                </a:solidFill>
+                <a:latin typeface="Avenir Light"/>
+                <a:cs typeface="Avenir Light"/>
+              </a:rPr>
+              <a:t>dVect</a:t>
+            </a:r>
+            <a:r>
+              <a:rPr lang="en-US" sz="2200" dirty="0" smtClean="0">
+                <a:solidFill>
+                  <a:srgbClr val="FFFFFF"/>
+                </a:solidFill>
+                <a:latin typeface="Avenir Light"/>
+                <a:cs typeface="Avenir Light"/>
+              </a:rPr>
+              <a:t>[ j ] ] + 1</a:t>
+            </a:r>
+          </a:p>
+          <a:p>
+            <a:pPr marL="0" indent="0">
+              <a:buNone/>
+            </a:pPr>
+            <a:r>
+              <a:rPr lang="en-US" sz="2200" dirty="0">
+                <a:solidFill>
+                  <a:srgbClr val="FFFFFF"/>
+                </a:solidFill>
+                <a:latin typeface="Avenir Light"/>
+                <a:cs typeface="Avenir Light"/>
+              </a:rPr>
+              <a:t>	</a:t>
+            </a:r>
+            <a:r>
+              <a:rPr lang="en-US" sz="2200" dirty="0" smtClean="0">
+                <a:solidFill>
+                  <a:srgbClr val="FFFFFF"/>
+                </a:solidFill>
+                <a:latin typeface="Avenir Light"/>
+                <a:cs typeface="Avenir Light"/>
+              </a:rPr>
+              <a:t> 	 for j from 1 to k</a:t>
+            </a:r>
+          </a:p>
+          <a:p>
+            <a:pPr marL="0" indent="0">
+              <a:buNone/>
+            </a:pPr>
+            <a:r>
+              <a:rPr lang="en-US" sz="2200" dirty="0">
+                <a:solidFill>
+                  <a:srgbClr val="FFFFFF"/>
+                </a:solidFill>
+                <a:latin typeface="Avenir Light"/>
+                <a:cs typeface="Avenir Light"/>
+              </a:rPr>
+              <a:t>	</a:t>
+            </a:r>
+            <a:r>
+              <a:rPr lang="en-US" sz="2200" dirty="0" smtClean="0">
+                <a:solidFill>
+                  <a:srgbClr val="FFFFFF"/>
+                </a:solidFill>
+                <a:latin typeface="Avenir Light"/>
+                <a:cs typeface="Avenir Light"/>
+              </a:rPr>
+              <a:t> 	 	</a:t>
+            </a:r>
+            <a:r>
+              <a:rPr lang="en-US" sz="2200" dirty="0" err="1" smtClean="0">
+                <a:solidFill>
+                  <a:srgbClr val="FFFFFF"/>
+                </a:solidFill>
+                <a:latin typeface="Avenir Light"/>
+                <a:cs typeface="Avenir Light"/>
+              </a:rPr>
+              <a:t>oVect</a:t>
+            </a:r>
+            <a:r>
+              <a:rPr lang="en-US" sz="2200" dirty="0" smtClean="0">
+                <a:solidFill>
+                  <a:srgbClr val="FFFFFF"/>
+                </a:solidFill>
+                <a:latin typeface="Avenir Light"/>
+                <a:cs typeface="Avenir Light"/>
+              </a:rPr>
+              <a:t>[ j ] = </a:t>
+            </a:r>
+            <a:r>
+              <a:rPr lang="en-US" sz="2200" dirty="0" err="1" smtClean="0">
+                <a:solidFill>
+                  <a:srgbClr val="FFFFFF"/>
+                </a:solidFill>
+                <a:latin typeface="Avenir Light"/>
+                <a:cs typeface="Avenir Light"/>
+              </a:rPr>
+              <a:t>oVect</a:t>
+            </a:r>
+            <a:r>
+              <a:rPr lang="en-US" sz="2200" dirty="0" smtClean="0">
+                <a:solidFill>
+                  <a:srgbClr val="FFFFFF"/>
+                </a:solidFill>
+                <a:latin typeface="Avenir Light"/>
+                <a:cs typeface="Avenir Light"/>
+              </a:rPr>
+              <a:t> [ j ] + </a:t>
+            </a:r>
+            <a:r>
+              <a:rPr lang="en-US" sz="2200" dirty="0" err="1" smtClean="0">
+                <a:solidFill>
+                  <a:srgbClr val="FFFFFF"/>
+                </a:solidFill>
+                <a:latin typeface="Avenir Light"/>
+                <a:cs typeface="Avenir Light"/>
+              </a:rPr>
+              <a:t>oVect</a:t>
+            </a:r>
+            <a:r>
+              <a:rPr lang="en-US" sz="2200" dirty="0" smtClean="0">
+                <a:solidFill>
+                  <a:srgbClr val="FFFFFF"/>
+                </a:solidFill>
+                <a:latin typeface="Avenir Light"/>
+                <a:cs typeface="Avenir Light"/>
+              </a:rPr>
+              <a:t>[ j-1 ]</a:t>
+            </a:r>
+          </a:p>
+          <a:p>
+            <a:pPr marL="0" indent="0">
+              <a:buNone/>
+            </a:pPr>
+            <a:r>
+              <a:rPr lang="en-US" sz="2200" dirty="0">
+                <a:solidFill>
+                  <a:srgbClr val="FFFFFF"/>
+                </a:solidFill>
+                <a:latin typeface="Avenir Light"/>
+                <a:cs typeface="Avenir Light"/>
+              </a:rPr>
+              <a:t>	 </a:t>
+            </a:r>
+            <a:r>
+              <a:rPr lang="en-US" sz="2200" dirty="0" smtClean="0">
+                <a:solidFill>
+                  <a:srgbClr val="FFFFFF"/>
+                </a:solidFill>
+                <a:latin typeface="Avenir Light"/>
+                <a:cs typeface="Avenir Light"/>
+              </a:rPr>
+              <a:t>	for j from size down to 1</a:t>
+            </a:r>
+          </a:p>
+          <a:p>
+            <a:pPr marL="0" indent="0">
+              <a:buNone/>
+            </a:pPr>
+            <a:r>
+              <a:rPr lang="en-US" sz="2200" dirty="0">
+                <a:solidFill>
+                  <a:srgbClr val="FFFFFF"/>
+                </a:solidFill>
+                <a:latin typeface="Avenir Light"/>
+                <a:cs typeface="Avenir Light"/>
+              </a:rPr>
+              <a:t>	</a:t>
+            </a:r>
+            <a:r>
+              <a:rPr lang="en-US" sz="2200" dirty="0" smtClean="0">
+                <a:solidFill>
+                  <a:srgbClr val="FFFFFF"/>
+                </a:solidFill>
+                <a:latin typeface="Avenir Light"/>
+                <a:cs typeface="Avenir Light"/>
+              </a:rPr>
+              <a:t> 	 	</a:t>
+            </a:r>
+            <a:r>
+              <a:rPr lang="en-US" sz="2200" dirty="0" err="1" smtClean="0">
+                <a:solidFill>
+                  <a:srgbClr val="FFFFFF"/>
+                </a:solidFill>
+                <a:latin typeface="Avenir Light"/>
+                <a:cs typeface="Avenir Light"/>
+              </a:rPr>
+              <a:t>sVect</a:t>
+            </a:r>
+            <a:r>
+              <a:rPr lang="en-US" sz="2200" dirty="0" smtClean="0">
+                <a:solidFill>
+                  <a:srgbClr val="FFFFFF"/>
+                </a:solidFill>
+                <a:latin typeface="Avenir Light"/>
+                <a:cs typeface="Avenir Light"/>
+              </a:rPr>
+              <a:t>[ </a:t>
+            </a:r>
+            <a:r>
+              <a:rPr lang="en-US" sz="2200" dirty="0" err="1" smtClean="0">
+                <a:solidFill>
+                  <a:srgbClr val="FFFFFF"/>
+                </a:solidFill>
+                <a:latin typeface="Avenir Light"/>
+                <a:cs typeface="Avenir Light"/>
+              </a:rPr>
+              <a:t>oVect</a:t>
+            </a:r>
+            <a:r>
+              <a:rPr lang="en-US" sz="2200" dirty="0" smtClean="0">
+                <a:solidFill>
+                  <a:srgbClr val="FFFFFF"/>
+                </a:solidFill>
+                <a:latin typeface="Avenir Light"/>
+                <a:cs typeface="Avenir Light"/>
+              </a:rPr>
+              <a:t>[ </a:t>
+            </a:r>
+            <a:r>
+              <a:rPr lang="en-US" sz="2200" dirty="0" err="1" smtClean="0">
+                <a:solidFill>
+                  <a:srgbClr val="FFFFFF"/>
+                </a:solidFill>
+                <a:latin typeface="Avenir Light"/>
+                <a:cs typeface="Avenir Light"/>
+              </a:rPr>
+              <a:t>dVect</a:t>
+            </a:r>
+            <a:r>
+              <a:rPr lang="en-US" sz="2200" dirty="0" smtClean="0">
+                <a:solidFill>
+                  <a:srgbClr val="FFFFFF"/>
+                </a:solidFill>
+                <a:latin typeface="Avenir Light"/>
+                <a:cs typeface="Avenir Light"/>
+              </a:rPr>
+              <a:t>[ j ] ] ] = </a:t>
+            </a:r>
+            <a:r>
+              <a:rPr lang="en-US" sz="2200" dirty="0" err="1" smtClean="0">
+                <a:solidFill>
+                  <a:srgbClr val="FFFFFF"/>
+                </a:solidFill>
+                <a:latin typeface="Avenir Light"/>
+                <a:cs typeface="Avenir Light"/>
+              </a:rPr>
+              <a:t>vect</a:t>
+            </a:r>
+            <a:r>
+              <a:rPr lang="en-US" sz="2200" dirty="0" smtClean="0">
+                <a:solidFill>
+                  <a:srgbClr val="FFFFFF"/>
+                </a:solidFill>
+                <a:latin typeface="Avenir Light"/>
+                <a:cs typeface="Avenir Light"/>
+              </a:rPr>
+              <a:t>[ j ]</a:t>
+            </a:r>
+          </a:p>
+          <a:p>
+            <a:pPr marL="0" indent="0">
+              <a:buNone/>
+            </a:pPr>
+            <a:r>
+              <a:rPr lang="en-US" sz="2200" dirty="0">
+                <a:solidFill>
+                  <a:srgbClr val="FFFFFF"/>
+                </a:solidFill>
+                <a:latin typeface="Avenir Light"/>
+                <a:cs typeface="Avenir Light"/>
+              </a:rPr>
+              <a:t>	</a:t>
+            </a:r>
+            <a:r>
+              <a:rPr lang="en-US" sz="2200" dirty="0" smtClean="0">
+                <a:solidFill>
+                  <a:srgbClr val="FFFFFF"/>
+                </a:solidFill>
+                <a:latin typeface="Avenir Light"/>
+                <a:cs typeface="Avenir Light"/>
+              </a:rPr>
+              <a:t> 	 	</a:t>
+            </a:r>
+            <a:r>
+              <a:rPr lang="en-US" sz="2200" dirty="0" err="1" smtClean="0">
+                <a:solidFill>
+                  <a:srgbClr val="FFFFFF"/>
+                </a:solidFill>
+                <a:latin typeface="Avenir Light"/>
+                <a:cs typeface="Avenir Light"/>
+              </a:rPr>
+              <a:t>oVect</a:t>
+            </a:r>
+            <a:r>
+              <a:rPr lang="en-US" sz="2200" dirty="0" smtClean="0">
+                <a:solidFill>
+                  <a:srgbClr val="FFFFFF"/>
+                </a:solidFill>
+                <a:latin typeface="Avenir Light"/>
+                <a:cs typeface="Avenir Light"/>
+              </a:rPr>
+              <a:t>[ </a:t>
+            </a:r>
+            <a:r>
+              <a:rPr lang="en-US" sz="2200" dirty="0" err="1" smtClean="0">
+                <a:solidFill>
+                  <a:srgbClr val="FFFFFF"/>
+                </a:solidFill>
+                <a:latin typeface="Avenir Light"/>
+                <a:cs typeface="Avenir Light"/>
+              </a:rPr>
+              <a:t>dVect</a:t>
+            </a:r>
+            <a:r>
+              <a:rPr lang="en-US" sz="2200" dirty="0" smtClean="0">
+                <a:solidFill>
+                  <a:srgbClr val="FFFFFF"/>
+                </a:solidFill>
+                <a:latin typeface="Avenir Light"/>
+                <a:cs typeface="Avenir Light"/>
+              </a:rPr>
+              <a:t>[ j ] ] = </a:t>
+            </a:r>
+            <a:r>
+              <a:rPr lang="en-US" sz="2200" dirty="0" err="1" smtClean="0">
+                <a:solidFill>
+                  <a:srgbClr val="FFFFFF"/>
+                </a:solidFill>
+                <a:latin typeface="Avenir Light"/>
+                <a:cs typeface="Avenir Light"/>
+              </a:rPr>
+              <a:t>oVect</a:t>
+            </a:r>
+            <a:r>
+              <a:rPr lang="en-US" sz="2200" dirty="0" smtClean="0">
+                <a:solidFill>
+                  <a:srgbClr val="FFFFFF"/>
+                </a:solidFill>
+                <a:latin typeface="Avenir Light"/>
+                <a:cs typeface="Avenir Light"/>
+              </a:rPr>
+              <a:t>[ </a:t>
+            </a:r>
+            <a:r>
+              <a:rPr lang="en-US" sz="2200" dirty="0" err="1" smtClean="0">
+                <a:solidFill>
+                  <a:srgbClr val="FFFFFF"/>
+                </a:solidFill>
+                <a:latin typeface="Avenir Light"/>
+                <a:cs typeface="Avenir Light"/>
+              </a:rPr>
+              <a:t>dVect</a:t>
+            </a:r>
+            <a:r>
+              <a:rPr lang="en-US" sz="2200" dirty="0" smtClean="0">
+                <a:solidFill>
+                  <a:srgbClr val="FFFFFF"/>
+                </a:solidFill>
+                <a:latin typeface="Avenir Light"/>
+                <a:cs typeface="Avenir Light"/>
+              </a:rPr>
+              <a:t>[ j ] ] – 1</a:t>
+            </a:r>
+          </a:p>
+          <a:p>
+            <a:pPr marL="0" indent="0">
+              <a:buNone/>
+            </a:pPr>
+            <a:r>
+              <a:rPr lang="en-US" sz="2200" dirty="0">
+                <a:solidFill>
+                  <a:srgbClr val="FFFFFF"/>
+                </a:solidFill>
+                <a:latin typeface="Avenir Light"/>
+                <a:cs typeface="Avenir Light"/>
+              </a:rPr>
+              <a:t>	</a:t>
+            </a:r>
+            <a:r>
+              <a:rPr lang="en-US" sz="2200" dirty="0">
+                <a:solidFill>
+                  <a:schemeClr val="tx2">
+                    <a:lumMod val="20000"/>
+                    <a:lumOff val="80000"/>
+                  </a:schemeClr>
+                </a:solidFill>
+                <a:latin typeface="Avenir Light"/>
+                <a:cs typeface="Avenir Light"/>
+              </a:rPr>
+              <a:t>update</a:t>
+            </a:r>
+            <a:r>
+              <a:rPr lang="en-US" sz="2200" dirty="0">
+                <a:solidFill>
+                  <a:srgbClr val="FFFFFF"/>
+                </a:solidFill>
+                <a:latin typeface="Avenir Light"/>
+                <a:cs typeface="Avenir Light"/>
               </a:rPr>
               <a:t> </a:t>
             </a:r>
-            <a:endParaRPr lang="en-US" i="1" dirty="0">
+            <a:r>
+              <a:rPr lang="en-US" sz="2200" i="1" dirty="0">
+                <a:solidFill>
+                  <a:srgbClr val="FFFFFF"/>
+                </a:solidFill>
+                <a:latin typeface="Avenir Light"/>
+                <a:cs typeface="Avenir Light"/>
+              </a:rPr>
+              <a:t>mod</a:t>
+            </a:r>
+            <a:r>
+              <a:rPr lang="en-US" sz="2200" dirty="0">
+                <a:solidFill>
+                  <a:srgbClr val="FFFFFF"/>
+                </a:solidFill>
+                <a:latin typeface="Avenir Light"/>
+                <a:cs typeface="Avenir Light"/>
+              </a:rPr>
+              <a:t>, </a:t>
+            </a:r>
+            <a:r>
+              <a:rPr lang="en-US" sz="2200" i="1" dirty="0" smtClean="0">
+                <a:solidFill>
+                  <a:srgbClr val="FFFFFF"/>
+                </a:solidFill>
+                <a:latin typeface="Avenir Light"/>
+                <a:cs typeface="Avenir Light"/>
+              </a:rPr>
+              <a:t>div, </a:t>
+            </a:r>
+            <a:r>
+              <a:rPr lang="en-US" sz="2200" dirty="0" smtClean="0">
+                <a:solidFill>
+                  <a:srgbClr val="FFFFFF"/>
+                </a:solidFill>
+                <a:latin typeface="Avenir Light"/>
+                <a:cs typeface="Avenir Light"/>
+              </a:rPr>
+              <a:t> and </a:t>
+            </a:r>
+            <a:r>
+              <a:rPr lang="en-US" sz="2200" dirty="0" err="1" smtClean="0">
+                <a:solidFill>
+                  <a:srgbClr val="FFFFFF"/>
+                </a:solidFill>
+                <a:latin typeface="Avenir Light"/>
+                <a:cs typeface="Avenir Light"/>
+              </a:rPr>
+              <a:t>vect</a:t>
+            </a:r>
+            <a:r>
+              <a:rPr lang="en-US" sz="2200" dirty="0" smtClean="0">
+                <a:solidFill>
+                  <a:srgbClr val="FFFFFF"/>
+                </a:solidFill>
+                <a:latin typeface="Avenir Light"/>
+                <a:cs typeface="Avenir Light"/>
+              </a:rPr>
+              <a:t> with </a:t>
+            </a:r>
+            <a:r>
+              <a:rPr lang="en-US" sz="2200" dirty="0" err="1" smtClean="0">
+                <a:solidFill>
+                  <a:srgbClr val="FFFFFF"/>
+                </a:solidFill>
+                <a:latin typeface="Avenir Light"/>
+                <a:cs typeface="Avenir Light"/>
+              </a:rPr>
+              <a:t>sVect</a:t>
+            </a:r>
+            <a:endParaRPr lang="en-US" sz="2200" i="1" dirty="0">
               <a:solidFill>
                 <a:srgbClr val="FFFFFF"/>
               </a:solidFill>
@@ -5742,60 +6109,24 @@
               <a:cs typeface="Avenir Light"/>
             </a:endParaRPr>
           </a:p>
-        </p:txBody>
-      </p:sp>
-      <p:pic>
-        <p:nvPicPr>
-          <p:cNvPr id="4" name="Picture 3"/>
-          <p:cNvPicPr>
-            <a:picLocks noChangeAspect="1"/>
-          </p:cNvPicPr>
-          <p:nvPr/>
-        </p:nvPicPr>
-        <p:blipFill>
-          <a:blip r:embed="rId2"/>
-          <a:stretch>
-            <a:fillRect/>
-          </a:stretch>
-        </p:blipFill>
-        <p:spPr>
-          <a:xfrm>
-            <a:off x="3975100" y="3187700"/>
-            <a:ext cx="1181100" cy="469900"/>
-          </a:xfrm>
-          <a:prstGeom prst="rect">
-            <a:avLst/>
-          </a:prstGeom>
-        </p:spPr>
-      </p:pic>
-      <p:pic>
-        <p:nvPicPr>
-          <p:cNvPr id="5" name="Picture 4"/>
-          <p:cNvPicPr>
-            <a:picLocks noChangeAspect="1"/>
-          </p:cNvPicPr>
-          <p:nvPr/>
-        </p:nvPicPr>
-        <p:blipFill>
-          <a:blip r:embed="rId3"/>
-          <a:stretch>
-            <a:fillRect/>
-          </a:stretch>
-        </p:blipFill>
-        <p:spPr>
-          <a:xfrm>
-            <a:off x="3975100" y="3187700"/>
-            <a:ext cx="1181100" cy="469900"/>
-          </a:xfrm>
-          <a:prstGeom prst="rect">
-            <a:avLst/>
-          </a:prstGeom>
-        </p:spPr>
-      </p:pic>
+          <a:p>
+            <a:pPr marL="0" indent="0">
+              <a:buNone/>
+            </a:pPr>
+            <a:endParaRPr lang="en-US" sz="2200" dirty="0" smtClean="0">
+              <a:solidFill>
+                <a:srgbClr val="FFFFFF"/>
+              </a:solidFill>
+              <a:latin typeface="Avenir Light"/>
+              <a:cs typeface="Avenir Light"/>
+            </a:endParaRPr>
+          </a:p>
+        </p:txBody>
+      </p:sp>
     </p:spTree>
     <p:extLst>
       <p:ext uri="{BB962C8B-B14F-4D97-AF65-F5344CB8AC3E}">
-        <p14:creationId xmlns:p14="http://schemas.microsoft.com/office/powerpoint/2010/main" val="1892514808"/>
+        <p14:creationId xmlns:p14="http://schemas.microsoft.com/office/powerpoint/2010/main" val="45503604"/>
       </p:ext>
     </p:extLst>
   </p:cSld>
@@ -5841,54 +6172,22 @@
         </p:nvSpPr>
         <p:spPr/>
         <p:txBody>
-          <a:bodyPr>
-            <a:normAutofit fontScale="90000"/>
-          </a:bodyPr>
+          <a:bodyPr/>
           <a:lstStyle/>
           <a:p>
             <a:r>
-              <a:rPr lang="en-US" dirty="0" err="1" smtClean="0">
-                <a:solidFill>
-                  <a:schemeClr val="bg1"/>
+              <a:rPr lang="en-US" dirty="0" smtClean="0">
+                <a:solidFill>
+                  <a:srgbClr val="FFFFFF"/>
                 </a:solidFill>
                 <a:latin typeface="Avenir Next Regular"/>
                 <a:cs typeface="Avenir Next Regular"/>
               </a:rPr>
-              <a:t>Pseudocode</a:t>
-            </a:r>
-            <a:r>
-              <a:rPr lang="en-US" dirty="0" smtClean="0">
-                <a:solidFill>
-                  <a:schemeClr val="bg1"/>
-                </a:solidFill>
-                <a:latin typeface="Avenir Next Regular"/>
-                <a:cs typeface="Avenir Next Regular"/>
-              </a:rPr>
-              <a:t>: </a:t>
-            </a:r>
-            <a:r>
-              <a:rPr lang="en-US" dirty="0" err="1" smtClean="0">
-                <a:solidFill>
-                  <a:schemeClr val="bg1"/>
-                </a:solidFill>
-                <a:latin typeface="Avenir Next Regular"/>
-                <a:cs typeface="Avenir Next Regular"/>
-              </a:rPr>
-              <a:t>radixSort</a:t>
-            </a:r>
-            <a:r>
-              <a:rPr lang="en-US" dirty="0" smtClean="0">
-                <a:solidFill>
-                  <a:schemeClr val="bg1"/>
-                </a:solidFill>
-                <a:latin typeface="Avenir Next Regular"/>
-                <a:cs typeface="Avenir Next Regular"/>
-              </a:rPr>
-              <a:t>() - bucket</a:t>
+              <a:t>Complexity</a:t>
             </a:r>
             <a:endParaRPr lang="en-US" dirty="0">
               <a:solidFill>
-                <a:schemeClr val="bg1"/>
+                <a:srgbClr val="FFFFFF"/>
               </a:solidFill>
               <a:latin typeface="Avenir Next Regular"/>
               <a:cs typeface="Avenir Next Regular"/>
@@ -5906,98 +6205,46 @@
             <p:ph idx="1"/>
           </p:nvPr>
         </p:nvSpPr>
-        <p:spPr>
-          <a:xfrm>
-            <a:off x="457200" y="1417638"/>
-            <a:ext cx="8229600" cy="5213549"/>
-          </a:xfrm>
-        </p:spPr>
-        <p:txBody>
-          <a:bodyPr>
-            <a:normAutofit fontScale="92500" lnSpcReduction="20000"/>
-          </a:bodyPr>
+        <p:spPr/>
+        <p:txBody>
+          <a:bodyPr/>
           <a:lstStyle/>
           <a:p>
-            <a:pPr marL="0" indent="0">
-              <a:lnSpc>
-                <a:spcPct val="150000"/>
-              </a:lnSpc>
-              <a:buNone/>
-            </a:pPr>
-            <a:r>
-              <a:rPr lang="en-US" sz="2400" dirty="0" err="1" smtClean="0">
-                <a:solidFill>
-                  <a:schemeClr val="bg1">
-                    <a:lumMod val="95000"/>
-                  </a:schemeClr>
-                </a:solidFill>
-                <a:latin typeface="Avenir Light"/>
-                <a:cs typeface="Avenir Light"/>
-              </a:rPr>
-              <a:t>radixSort</a:t>
-            </a:r>
-            <a:r>
-              <a:rPr lang="en-US" sz="2400" dirty="0" smtClean="0">
-                <a:solidFill>
-                  <a:srgbClr val="FFFFFF"/>
-                </a:solidFill>
-                <a:latin typeface="Avenir Light"/>
-                <a:cs typeface="Avenir Light"/>
-              </a:rPr>
-              <a:t>(</a:t>
-            </a:r>
-            <a:r>
-              <a:rPr lang="en-US" sz="2400" i="1" dirty="0" smtClean="0">
-                <a:solidFill>
-                  <a:srgbClr val="FFFFFF"/>
-                </a:solidFill>
-                <a:latin typeface="Avenir Light"/>
-                <a:cs typeface="Avenir Light"/>
-              </a:rPr>
-              <a:t>array, size, </a:t>
-            </a:r>
-            <a:r>
-              <a:rPr lang="en-US" sz="2400" i="1" dirty="0" err="1" smtClean="0">
-                <a:solidFill>
-                  <a:srgbClr val="FFFFFF"/>
-                </a:solidFill>
-                <a:latin typeface="Avenir Light"/>
-                <a:cs typeface="Avenir Light"/>
-              </a:rPr>
-              <a:t>maxLength</a:t>
-            </a:r>
-            <a:r>
-              <a:rPr lang="en-US" sz="2400" i="1" dirty="0" smtClean="0">
-                <a:solidFill>
-                  <a:srgbClr val="FFFFFF"/>
-                </a:solidFill>
-                <a:latin typeface="Avenir Light"/>
-                <a:cs typeface="Avenir Light"/>
-              </a:rPr>
-              <a:t>, digits, r</a:t>
-            </a:r>
-            <a:r>
-              <a:rPr lang="en-US" sz="2400" dirty="0" smtClean="0">
-                <a:solidFill>
-                  <a:srgbClr val="FFFFFF"/>
-                </a:solidFill>
-                <a:latin typeface="Avenir Light"/>
-                <a:cs typeface="Avenir Light"/>
-              </a:rPr>
-              <a:t>, </a:t>
-            </a:r>
-            <a:r>
-              <a:rPr lang="en-US" sz="2400" i="1" dirty="0" smtClean="0">
-                <a:solidFill>
-                  <a:srgbClr val="FFFFFF"/>
-                </a:solidFill>
-                <a:latin typeface="Avenir Light"/>
-                <a:cs typeface="Avenir Light"/>
-              </a:rPr>
-              <a:t>k</a:t>
-            </a:r>
-            <a:r>
-              <a:rPr lang="en-US" sz="2400" dirty="0" smtClean="0">
+            <a:r>
+              <a:rPr lang="en-US" dirty="0" smtClean="0">
+                <a:solidFill>
+                  <a:srgbClr val="FFFFFF"/>
+                </a:solidFill>
+                <a:latin typeface="Avenir Light"/>
+                <a:cs typeface="Avenir Light"/>
+              </a:rPr>
+              <a:t>Radix sort using buckets</a:t>
+            </a:r>
+          </a:p>
+          <a:p>
+            <a:pPr lvl="1"/>
+            <a:r>
+              <a:rPr lang="en-US" dirty="0" smtClean="0">
+                <a:solidFill>
+                  <a:srgbClr val="FFFFFF"/>
+                </a:solidFill>
+                <a:latin typeface="Avenir Light"/>
+                <a:cs typeface="Avenir Light"/>
+              </a:rPr>
+              <a:t>O(</a:t>
+            </a:r>
+            <a:r>
+              <a:rPr lang="en-US" dirty="0" err="1" smtClean="0">
+                <a:solidFill>
+                  <a:srgbClr val="FFFFFF"/>
+                </a:solidFill>
+                <a:latin typeface="Avenir Light"/>
+                <a:cs typeface="Avenir Light"/>
+              </a:rPr>
+              <a:t>kn</a:t>
+            </a:r>
+            <a:r>
+              <a:rPr lang="en-US" dirty="0" smtClean="0">
                 <a:solidFill>
                   <a:srgbClr val="FFFFFF"/>
                 </a:solidFill>
@@ -6008,280 +6255,74 @@
             </a:r>
           </a:p>
           <a:p>
-            <a:pPr marL="0" indent="0">
-              <a:lnSpc>
-                <a:spcPct val="150000"/>
-              </a:lnSpc>
-              <a:buNone/>
-            </a:pPr>
-            <a:r>
-              <a:rPr lang="en-US" sz="2400" dirty="0">
-                <a:solidFill>
-                  <a:srgbClr val="FFFFFF"/>
-                </a:solidFill>
-                <a:latin typeface="Avenir Light"/>
-                <a:cs typeface="Avenir Light"/>
-              </a:rPr>
-              <a:t>	</a:t>
-            </a:r>
-            <a:r>
-              <a:rPr lang="en-US" sz="2400" dirty="0" err="1" smtClean="0">
-                <a:solidFill>
-                  <a:schemeClr val="accent6">
-                    <a:lumMod val="60000"/>
-                    <a:lumOff val="40000"/>
-                  </a:schemeClr>
-                </a:solidFill>
-                <a:latin typeface="Avenir Light"/>
-                <a:cs typeface="Avenir Light"/>
-              </a:rPr>
-              <a:t>int</a:t>
-            </a:r>
-            <a:r>
-              <a:rPr lang="en-US" sz="2400" dirty="0" smtClean="0">
-                <a:solidFill>
-                  <a:schemeClr val="accent6">
-                    <a:lumMod val="60000"/>
-                    <a:lumOff val="40000"/>
-                  </a:schemeClr>
-                </a:solidFill>
-                <a:latin typeface="Avenir Light"/>
-                <a:cs typeface="Avenir Light"/>
-              </a:rPr>
-              <a:t> </a:t>
-            </a:r>
-            <a:r>
-              <a:rPr lang="en-US" sz="2400" i="1" dirty="0" smtClean="0">
-                <a:solidFill>
-                  <a:srgbClr val="FFFFFF"/>
-                </a:solidFill>
-                <a:latin typeface="Avenir Light"/>
-                <a:cs typeface="Avenir Light"/>
-              </a:rPr>
-              <a:t>mod</a:t>
-            </a:r>
-            <a:r>
-              <a:rPr lang="en-US" sz="2400" dirty="0" smtClean="0">
-                <a:solidFill>
-                  <a:srgbClr val="FFFFFF"/>
-                </a:solidFill>
-                <a:latin typeface="Avenir Light"/>
-                <a:cs typeface="Avenir Light"/>
-              </a:rPr>
-              <a:t> = </a:t>
-            </a:r>
-            <a:r>
-              <a:rPr lang="en-US" sz="2400" i="1" dirty="0" smtClean="0">
-                <a:solidFill>
-                  <a:srgbClr val="FFFFFF"/>
-                </a:solidFill>
-                <a:latin typeface="Avenir Light"/>
-                <a:cs typeface="Avenir Light"/>
-              </a:rPr>
-              <a:t>k</a:t>
-            </a:r>
-            <a:r>
-              <a:rPr lang="en-US" sz="2400" dirty="0" smtClean="0">
-                <a:solidFill>
-                  <a:srgbClr val="FFFFFF"/>
-                </a:solidFill>
-                <a:latin typeface="Avenir Light"/>
-                <a:cs typeface="Avenir Light"/>
-              </a:rPr>
-              <a:t>, </a:t>
-            </a:r>
-            <a:r>
-              <a:rPr lang="en-US" sz="2400" i="1" dirty="0" smtClean="0">
-                <a:solidFill>
-                  <a:srgbClr val="FFFFFF"/>
-                </a:solidFill>
-                <a:latin typeface="Avenir Light"/>
-                <a:cs typeface="Avenir Light"/>
-              </a:rPr>
-              <a:t>div</a:t>
-            </a:r>
-            <a:r>
-              <a:rPr lang="en-US" sz="2400" dirty="0" smtClean="0">
-                <a:solidFill>
-                  <a:srgbClr val="FFFFFF"/>
-                </a:solidFill>
-                <a:latin typeface="Avenir Light"/>
-                <a:cs typeface="Avenir Light"/>
-              </a:rPr>
-              <a:t> = </a:t>
-            </a:r>
-            <a:r>
-              <a:rPr lang="en-US" sz="2400" dirty="0" smtClean="0">
-                <a:solidFill>
-                  <a:schemeClr val="accent2">
-                    <a:lumMod val="60000"/>
-                    <a:lumOff val="40000"/>
-                  </a:schemeClr>
-                </a:solidFill>
-                <a:latin typeface="Avenir Light"/>
-                <a:cs typeface="Avenir Light"/>
-              </a:rPr>
-              <a:t>1</a:t>
-            </a:r>
-          </a:p>
-          <a:p>
-            <a:pPr marL="0" indent="0">
-              <a:lnSpc>
-                <a:spcPct val="150000"/>
-              </a:lnSpc>
-              <a:buNone/>
-            </a:pPr>
-            <a:r>
-              <a:rPr lang="en-US" sz="2400" dirty="0">
-                <a:solidFill>
-                  <a:srgbClr val="FFFFFF"/>
-                </a:solidFill>
-                <a:latin typeface="Avenir Light"/>
-                <a:cs typeface="Avenir Light"/>
-              </a:rPr>
-              <a:t>	</a:t>
-            </a:r>
-            <a:r>
-              <a:rPr lang="en-US" sz="2400" dirty="0" smtClean="0">
-                <a:solidFill>
-                  <a:schemeClr val="tx2">
-                    <a:lumMod val="40000"/>
-                    <a:lumOff val="60000"/>
-                  </a:schemeClr>
-                </a:solidFill>
-                <a:latin typeface="Avenir Light"/>
-                <a:cs typeface="Avenir Light"/>
-              </a:rPr>
-              <a:t>for </a:t>
-            </a:r>
-            <a:r>
-              <a:rPr lang="en-US" sz="2400" i="1" dirty="0" err="1" smtClean="0">
-                <a:solidFill>
-                  <a:srgbClr val="FFFFFF"/>
-                </a:solidFill>
-                <a:latin typeface="Avenir Light"/>
-                <a:cs typeface="Avenir Light"/>
-              </a:rPr>
-              <a:t>i</a:t>
-            </a:r>
-            <a:r>
-              <a:rPr lang="en-US" sz="2400" dirty="0" smtClean="0">
-                <a:solidFill>
-                  <a:srgbClr val="FFFFFF"/>
-                </a:solidFill>
-                <a:latin typeface="Avenir Light"/>
-                <a:cs typeface="Avenir Light"/>
-              </a:rPr>
-              <a:t> </a:t>
-            </a:r>
-            <a:r>
-              <a:rPr lang="en-US" sz="2400" dirty="0" smtClean="0">
-                <a:solidFill>
-                  <a:schemeClr val="tx2">
-                    <a:lumMod val="20000"/>
-                    <a:lumOff val="80000"/>
-                  </a:schemeClr>
-                </a:solidFill>
-                <a:latin typeface="Avenir Light"/>
-                <a:cs typeface="Avenir Light"/>
-              </a:rPr>
-              <a:t>from </a:t>
-            </a:r>
-            <a:r>
-              <a:rPr lang="en-US" sz="2400" dirty="0" smtClean="0">
-                <a:solidFill>
-                  <a:schemeClr val="accent2">
-                    <a:lumMod val="60000"/>
-                    <a:lumOff val="40000"/>
-                  </a:schemeClr>
-                </a:solidFill>
-                <a:latin typeface="Avenir Light"/>
-                <a:cs typeface="Avenir Light"/>
-              </a:rPr>
-              <a:t>0</a:t>
-            </a:r>
-            <a:r>
-              <a:rPr lang="en-US" sz="2400" dirty="0" smtClean="0">
-                <a:solidFill>
-                  <a:srgbClr val="FFFFFF"/>
-                </a:solidFill>
-                <a:latin typeface="Avenir Light"/>
-                <a:cs typeface="Avenir Light"/>
-              </a:rPr>
-              <a:t> </a:t>
-            </a:r>
-            <a:r>
-              <a:rPr lang="en-US" sz="2400" dirty="0" smtClean="0">
-                <a:solidFill>
-                  <a:srgbClr val="C6D9F1"/>
-                </a:solidFill>
-                <a:latin typeface="Avenir Light"/>
-                <a:cs typeface="Avenir Light"/>
-              </a:rPr>
-              <a:t>through </a:t>
-            </a:r>
-            <a:r>
-              <a:rPr lang="en-US" sz="2400" i="1" dirty="0" smtClean="0">
-                <a:solidFill>
-                  <a:srgbClr val="FFFFFF"/>
-                </a:solidFill>
-                <a:latin typeface="Avenir Light"/>
-                <a:cs typeface="Avenir Light"/>
-              </a:rPr>
-              <a:t>digits</a:t>
-            </a:r>
-          </a:p>
-          <a:p>
-            <a:pPr marL="0" indent="0">
-              <a:lnSpc>
-                <a:spcPct val="150000"/>
-              </a:lnSpc>
-              <a:buNone/>
-            </a:pPr>
-            <a:r>
-              <a:rPr lang="en-US" sz="2400" dirty="0">
-                <a:solidFill>
-                  <a:srgbClr val="FFFFFF"/>
-                </a:solidFill>
-                <a:latin typeface="Avenir Light"/>
-                <a:cs typeface="Avenir Light"/>
-              </a:rPr>
-              <a:t>	</a:t>
-            </a:r>
-            <a:r>
-              <a:rPr lang="en-US" sz="2400" dirty="0" smtClean="0">
-                <a:solidFill>
-                  <a:srgbClr val="FFFFFF"/>
-                </a:solidFill>
-                <a:latin typeface="Avenir Light"/>
-                <a:cs typeface="Avenir Light"/>
-              </a:rPr>
-              <a:t>	 	create </a:t>
-            </a:r>
-            <a:r>
-              <a:rPr lang="en-US" sz="2400" dirty="0" smtClean="0">
-                <a:solidFill>
-                  <a:schemeClr val="tx2">
-                    <a:lumMod val="40000"/>
-                    <a:lumOff val="60000"/>
-                  </a:schemeClr>
-                </a:solidFill>
-                <a:latin typeface="Avenir Light"/>
-                <a:cs typeface="Avenir Light"/>
-              </a:rPr>
-              <a:t>new </a:t>
-            </a:r>
-            <a:r>
-              <a:rPr lang="en-US" sz="2400" i="1" dirty="0" err="1" smtClean="0">
-                <a:solidFill>
-                  <a:srgbClr val="FFFFFF"/>
-                </a:solidFill>
-                <a:latin typeface="Avenir Light"/>
-                <a:cs typeface="Avenir Light"/>
-              </a:rPr>
-              <a:t>adjList</a:t>
-            </a:r>
-            <a:endParaRPr lang="en-US" sz="2400" i="1" dirty="0" smtClean="0">
+            <a:r>
+              <a:rPr lang="en-US" dirty="0" smtClean="0">
+                <a:solidFill>
+                  <a:srgbClr val="FFFFFF"/>
+                </a:solidFill>
+                <a:latin typeface="Avenir Light"/>
+                <a:cs typeface="Avenir Light"/>
+              </a:rPr>
+              <a:t>Radix sort using counting sort</a:t>
+            </a:r>
+          </a:p>
+          <a:p>
+            <a:pPr lvl="1"/>
+            <a:r>
+              <a:rPr lang="en-US" dirty="0" smtClean="0">
+                <a:solidFill>
+                  <a:srgbClr val="FFFFFF"/>
+                </a:solidFill>
+                <a:latin typeface="Avenir Light"/>
+                <a:cs typeface="Avenir Light"/>
+              </a:rPr>
+              <a:t>Total time is </a:t>
+            </a:r>
+            <a:r>
+              <a:rPr lang="en-US" dirty="0" err="1" smtClean="0">
+                <a:solidFill>
+                  <a:srgbClr val="FFFFFF"/>
+                </a:solidFill>
+                <a:latin typeface="Avenir Light"/>
+                <a:ea typeface="Lucida Grande"/>
+                <a:cs typeface="Avenir Light"/>
+              </a:rPr>
+              <a:t>Θ</a:t>
+            </a:r>
+            <a:r>
+              <a:rPr lang="en-US" dirty="0" smtClean="0">
+                <a:solidFill>
+                  <a:srgbClr val="FFFFFF"/>
+                </a:solidFill>
+                <a:latin typeface="Avenir Light"/>
+                <a:ea typeface="Lucida Grande"/>
+                <a:cs typeface="Avenir Light"/>
+              </a:rPr>
+              <a:t>(2n+2*</a:t>
+            </a:r>
+            <a:r>
+              <a:rPr lang="en-US" i="1" dirty="0" smtClean="0">
+                <a:solidFill>
+                  <a:srgbClr val="FFFFFF"/>
+                </a:solidFill>
+                <a:latin typeface="Avenir Light"/>
+                <a:ea typeface="Lucida Grande"/>
+                <a:cs typeface="Avenir Light"/>
+              </a:rPr>
+              <a:t>max</a:t>
+            </a:r>
+            <a:r>
+              <a:rPr lang="en-US" dirty="0" smtClean="0">
+                <a:solidFill>
+                  <a:srgbClr val="FFFFFF"/>
+                </a:solidFill>
+                <a:latin typeface="Avenir Light"/>
+                <a:ea typeface="Lucida Grande"/>
+                <a:cs typeface="Avenir Light"/>
+              </a:rPr>
+              <a:t>)</a:t>
+            </a:r>
+            <a:endParaRPr lang="en-US" dirty="0" smtClean="0">
               <a:solidFill>
                 <a:srgbClr val="FFFFFF"/>
               </a:solidFill>
@@ -6290,570 +6331,94 @@
             </a:endParaRPr>
           </a:p>
           <a:p>
-            <a:pPr marL="0" indent="0">
-              <a:lnSpc>
-                <a:spcPct val="150000"/>
-              </a:lnSpc>
-              <a:buNone/>
-            </a:pPr>
-            <a:r>
-              <a:rPr lang="en-US" sz="2400" i="1" dirty="0">
-                <a:solidFill>
-                  <a:srgbClr val="FFFFFF"/>
-                </a:solidFill>
-                <a:latin typeface="Avenir Light"/>
-                <a:cs typeface="Avenir Light"/>
-              </a:rPr>
-              <a:t>	</a:t>
-            </a:r>
-            <a:r>
-              <a:rPr lang="en-US" sz="2400" i="1" dirty="0" smtClean="0">
-                <a:solidFill>
-                  <a:srgbClr val="FFFFFF"/>
-                </a:solidFill>
-                <a:latin typeface="Avenir Light"/>
-                <a:cs typeface="Avenir Light"/>
-              </a:rPr>
-              <a:t>	 	</a:t>
-            </a:r>
-            <a:r>
-              <a:rPr lang="en-US" sz="2400" dirty="0" smtClean="0">
-                <a:solidFill>
-                  <a:schemeClr val="tx2">
-                    <a:lumMod val="40000"/>
-                    <a:lumOff val="60000"/>
-                  </a:schemeClr>
-                </a:solidFill>
-                <a:latin typeface="Avenir Light"/>
-                <a:cs typeface="Avenir Light"/>
-              </a:rPr>
-              <a:t>for</a:t>
-            </a:r>
-            <a:r>
-              <a:rPr lang="en-US" sz="2400" dirty="0" smtClean="0">
-                <a:solidFill>
-                  <a:srgbClr val="FFFFFF"/>
-                </a:solidFill>
-                <a:latin typeface="Avenir Light"/>
-                <a:cs typeface="Avenir Light"/>
-              </a:rPr>
-              <a:t> j </a:t>
-            </a:r>
-            <a:r>
-              <a:rPr lang="en-US" sz="2400" dirty="0" smtClean="0">
-                <a:solidFill>
-                  <a:schemeClr val="tx2">
-                    <a:lumMod val="20000"/>
-                    <a:lumOff val="80000"/>
-                  </a:schemeClr>
-                </a:solidFill>
-                <a:latin typeface="Avenir Light"/>
-                <a:cs typeface="Avenir Light"/>
-              </a:rPr>
-              <a:t>from</a:t>
-            </a:r>
-            <a:r>
-              <a:rPr lang="en-US" sz="2400" dirty="0" smtClean="0">
-                <a:solidFill>
-                  <a:srgbClr val="FFFFFF"/>
-                </a:solidFill>
-                <a:latin typeface="Avenir Light"/>
-                <a:cs typeface="Avenir Light"/>
-              </a:rPr>
-              <a:t> </a:t>
-            </a:r>
-            <a:r>
-              <a:rPr lang="en-US" sz="2400" dirty="0" smtClean="0">
-                <a:solidFill>
-                  <a:srgbClr val="D99694"/>
-                </a:solidFill>
-                <a:latin typeface="Avenir Light"/>
-                <a:cs typeface="Avenir Light"/>
-              </a:rPr>
-              <a:t>0</a:t>
-            </a:r>
-            <a:r>
-              <a:rPr lang="en-US" sz="2400" dirty="0" smtClean="0">
-                <a:solidFill>
-                  <a:srgbClr val="FFFFFF"/>
-                </a:solidFill>
-                <a:latin typeface="Avenir Light"/>
-                <a:cs typeface="Avenir Light"/>
-              </a:rPr>
-              <a:t> </a:t>
-            </a:r>
-            <a:r>
-              <a:rPr lang="en-US" sz="2400" dirty="0" smtClean="0">
-                <a:solidFill>
-                  <a:srgbClr val="C6D9F1"/>
-                </a:solidFill>
-                <a:latin typeface="Avenir Light"/>
-                <a:cs typeface="Avenir Light"/>
-              </a:rPr>
-              <a:t>through</a:t>
-            </a:r>
-            <a:r>
-              <a:rPr lang="en-US" sz="2400" dirty="0" smtClean="0">
-                <a:solidFill>
-                  <a:srgbClr val="FFFFFF"/>
-                </a:solidFill>
-                <a:latin typeface="Avenir Light"/>
-                <a:cs typeface="Avenir Light"/>
-              </a:rPr>
-              <a:t> </a:t>
-            </a:r>
-            <a:r>
-              <a:rPr lang="en-US" sz="2400" i="1" dirty="0" smtClean="0">
-                <a:solidFill>
-                  <a:srgbClr val="FFFFFF"/>
-                </a:solidFill>
-                <a:latin typeface="Avenir Light"/>
-                <a:cs typeface="Avenir Light"/>
-              </a:rPr>
-              <a:t>k</a:t>
-            </a:r>
-          </a:p>
-          <a:p>
-            <a:pPr marL="0" indent="0">
-              <a:lnSpc>
-                <a:spcPct val="150000"/>
-              </a:lnSpc>
-              <a:buNone/>
-            </a:pPr>
-            <a:r>
-              <a:rPr lang="en-US" sz="2400" i="1" dirty="0">
-                <a:solidFill>
-                  <a:srgbClr val="FFFFFF"/>
-                </a:solidFill>
-                <a:latin typeface="Avenir Light"/>
-                <a:cs typeface="Avenir Light"/>
-              </a:rPr>
-              <a:t>	</a:t>
-            </a:r>
-            <a:r>
-              <a:rPr lang="en-US" sz="2400" i="1" dirty="0" smtClean="0">
-                <a:solidFill>
-                  <a:srgbClr val="FFFFFF"/>
-                </a:solidFill>
-                <a:latin typeface="Avenir Light"/>
-                <a:cs typeface="Avenir Light"/>
-              </a:rPr>
-              <a:t>			 	 	</a:t>
-            </a:r>
-            <a:r>
-              <a:rPr lang="en-US" sz="2400" dirty="0" smtClean="0">
-                <a:solidFill>
-                  <a:srgbClr val="FFFFFF"/>
-                </a:solidFill>
-                <a:latin typeface="Avenir Light"/>
-                <a:cs typeface="Avenir Light"/>
-              </a:rPr>
-              <a:t>create </a:t>
-            </a:r>
-            <a:r>
-              <a:rPr lang="en-US" sz="2400" dirty="0" smtClean="0">
-                <a:solidFill>
-                  <a:schemeClr val="tx2">
-                    <a:lumMod val="40000"/>
-                    <a:lumOff val="60000"/>
-                  </a:schemeClr>
-                </a:solidFill>
-                <a:latin typeface="Avenir Light"/>
-                <a:cs typeface="Avenir Light"/>
-              </a:rPr>
-              <a:t>new </a:t>
-            </a:r>
-            <a:r>
-              <a:rPr lang="en-US" sz="2400" dirty="0" smtClean="0">
-                <a:solidFill>
-                  <a:schemeClr val="bg1"/>
-                </a:solidFill>
-                <a:latin typeface="Avenir Light"/>
-                <a:cs typeface="Avenir Light"/>
-              </a:rPr>
-              <a:t>empty </a:t>
-            </a:r>
-            <a:r>
-              <a:rPr lang="en-US" sz="2400" i="1" dirty="0" smtClean="0">
-                <a:solidFill>
-                  <a:srgbClr val="FFFFFF"/>
-                </a:solidFill>
-                <a:latin typeface="Avenir Light"/>
-                <a:cs typeface="Avenir Light"/>
-              </a:rPr>
-              <a:t>list </a:t>
-            </a:r>
-            <a:r>
-              <a:rPr lang="en-US" sz="2400" dirty="0" smtClean="0">
-                <a:solidFill>
-                  <a:srgbClr val="FFFFFF"/>
-                </a:solidFill>
-                <a:latin typeface="Avenir Light"/>
-                <a:cs typeface="Avenir Light"/>
-              </a:rPr>
-              <a:t>at </a:t>
-            </a:r>
-            <a:r>
-              <a:rPr lang="en-US" sz="2400" i="1" dirty="0" err="1" smtClean="0">
-                <a:solidFill>
-                  <a:srgbClr val="FFFFFF"/>
-                </a:solidFill>
-                <a:latin typeface="Avenir Light"/>
-                <a:cs typeface="Avenir Light"/>
-              </a:rPr>
-              <a:t>adjList</a:t>
-            </a:r>
-            <a:r>
-              <a:rPr lang="en-US" sz="2400" dirty="0" smtClean="0">
-                <a:solidFill>
-                  <a:srgbClr val="FFFFFF"/>
-                </a:solidFill>
-                <a:latin typeface="Avenir Light"/>
-                <a:cs typeface="Avenir Light"/>
-              </a:rPr>
-              <a:t>[ </a:t>
-            </a:r>
-            <a:r>
-              <a:rPr lang="en-US" sz="2400" i="1" dirty="0" smtClean="0">
-                <a:solidFill>
-                  <a:srgbClr val="FFFFFF"/>
-                </a:solidFill>
-                <a:latin typeface="Avenir Light"/>
-                <a:cs typeface="Avenir Light"/>
-              </a:rPr>
-              <a:t>j </a:t>
-            </a:r>
-            <a:r>
-              <a:rPr lang="en-US" sz="2400" dirty="0" smtClean="0">
-                <a:solidFill>
-                  <a:srgbClr val="FFFFFF"/>
-                </a:solidFill>
-                <a:latin typeface="Avenir Light"/>
-                <a:cs typeface="Avenir Light"/>
-              </a:rPr>
-              <a:t>]</a:t>
-            </a:r>
-            <a:endParaRPr lang="en-US" sz="2400" i="1" dirty="0" smtClean="0">
-              <a:solidFill>
-                <a:srgbClr val="FFFFFF"/>
-              </a:solidFill>
-              <a:latin typeface="Avenir Light"/>
-              <a:cs typeface="Avenir Light"/>
-            </a:endParaRPr>
-          </a:p>
-          <a:p>
-            <a:pPr marL="0" indent="0">
-              <a:lnSpc>
-                <a:spcPct val="150000"/>
-              </a:lnSpc>
-              <a:buNone/>
-            </a:pPr>
-            <a:r>
-              <a:rPr lang="en-US" sz="2400" i="1" dirty="0">
-                <a:solidFill>
-                  <a:srgbClr val="FFFFFF"/>
-                </a:solidFill>
-                <a:latin typeface="Avenir Light"/>
-                <a:cs typeface="Avenir Light"/>
-              </a:rPr>
-              <a:t>	</a:t>
-            </a:r>
-            <a:r>
-              <a:rPr lang="en-US" sz="2400" i="1" dirty="0" smtClean="0">
-                <a:solidFill>
-                  <a:srgbClr val="FFFFFF"/>
-                </a:solidFill>
-                <a:latin typeface="Avenir Light"/>
-                <a:cs typeface="Avenir Light"/>
-              </a:rPr>
-              <a:t>	 	</a:t>
-            </a:r>
-            <a:r>
-              <a:rPr lang="en-US" sz="2400" dirty="0" smtClean="0">
-                <a:solidFill>
-                  <a:srgbClr val="FFFFFF"/>
-                </a:solidFill>
-                <a:latin typeface="Avenir Light"/>
-                <a:cs typeface="Avenir Light"/>
-              </a:rPr>
-              <a:t>populate </a:t>
-            </a:r>
-            <a:r>
-              <a:rPr lang="en-US" sz="2400" i="1" dirty="0" err="1" smtClean="0">
-                <a:solidFill>
-                  <a:srgbClr val="FFFFFF"/>
-                </a:solidFill>
-                <a:latin typeface="Avenir Light"/>
-                <a:cs typeface="Avenir Light"/>
-              </a:rPr>
-              <a:t>adjList</a:t>
-            </a:r>
-            <a:r>
-              <a:rPr lang="en-US" sz="2400" i="1" dirty="0" smtClean="0">
-                <a:solidFill>
-                  <a:srgbClr val="FFFFFF"/>
-                </a:solidFill>
-                <a:latin typeface="Avenir Light"/>
-                <a:cs typeface="Avenir Light"/>
-              </a:rPr>
-              <a:t>		 						 	 	 		 	 	</a:t>
-            </a:r>
-            <a:r>
-              <a:rPr lang="en-US" sz="2400" dirty="0" smtClean="0">
-                <a:solidFill>
-                  <a:srgbClr val="FFFFFF"/>
-                </a:solidFill>
-                <a:latin typeface="Avenir Light"/>
-                <a:cs typeface="Avenir Light"/>
-              </a:rPr>
-              <a:t>//call </a:t>
-            </a:r>
-            <a:r>
-              <a:rPr lang="en-US" sz="2400" dirty="0" err="1" smtClean="0">
-                <a:solidFill>
-                  <a:srgbClr val="FFFFFF"/>
-                </a:solidFill>
-                <a:latin typeface="Avenir Light"/>
-                <a:cs typeface="Avenir Light"/>
-              </a:rPr>
-              <a:t>popAdjList</a:t>
-            </a:r>
-            <a:r>
-              <a:rPr lang="en-US" sz="2400" dirty="0" smtClean="0">
-                <a:solidFill>
-                  <a:srgbClr val="FFFFFF"/>
-                </a:solidFill>
-                <a:latin typeface="Avenir Light"/>
-                <a:cs typeface="Avenir Light"/>
-              </a:rPr>
-              <a:t>()</a:t>
-            </a:r>
-          </a:p>
-          <a:p>
-            <a:pPr marL="0" indent="0">
-              <a:lnSpc>
-                <a:spcPct val="150000"/>
-              </a:lnSpc>
-              <a:buNone/>
-            </a:pPr>
-            <a:r>
-              <a:rPr lang="en-US" sz="2400" i="1" dirty="0">
-                <a:solidFill>
-                  <a:srgbClr val="FFFFFF"/>
-                </a:solidFill>
-                <a:latin typeface="Avenir Light"/>
-                <a:cs typeface="Avenir Light"/>
-              </a:rPr>
-              <a:t>	</a:t>
-            </a:r>
-            <a:r>
-              <a:rPr lang="en-US" sz="2400" i="1" dirty="0" smtClean="0">
-                <a:solidFill>
-                  <a:srgbClr val="FFFFFF"/>
-                </a:solidFill>
-                <a:latin typeface="Avenir Light"/>
-                <a:cs typeface="Avenir Light"/>
-              </a:rPr>
-              <a:t>	 	</a:t>
-            </a:r>
-            <a:r>
-              <a:rPr lang="en-US" sz="2400" dirty="0" smtClean="0">
-                <a:solidFill>
-                  <a:srgbClr val="FFFFFF"/>
-                </a:solidFill>
-                <a:latin typeface="Avenir Light"/>
-                <a:cs typeface="Avenir Light"/>
-              </a:rPr>
-              <a:t>repopulate </a:t>
-            </a:r>
-            <a:r>
-              <a:rPr lang="en-US" sz="2400" i="1" dirty="0" smtClean="0">
-                <a:solidFill>
-                  <a:srgbClr val="FFFFFF"/>
-                </a:solidFill>
-                <a:latin typeface="Avenir Light"/>
-                <a:cs typeface="Avenir Light"/>
-              </a:rPr>
-              <a:t>array</a:t>
-            </a:r>
-            <a:r>
-              <a:rPr lang="en-US" sz="2400" dirty="0" smtClean="0">
-                <a:solidFill>
-                  <a:srgbClr val="FFFFFF"/>
-                </a:solidFill>
-                <a:latin typeface="Avenir Light"/>
-                <a:cs typeface="Avenir Light"/>
-              </a:rPr>
-              <a:t> 	 	 	 	 	 	 							//call </a:t>
-            </a:r>
-            <a:r>
-              <a:rPr lang="en-US" sz="2400" dirty="0" err="1" smtClean="0">
-                <a:solidFill>
-                  <a:srgbClr val="FFFFFF"/>
-                </a:solidFill>
-                <a:latin typeface="Avenir Light"/>
-                <a:cs typeface="Avenir Light"/>
-              </a:rPr>
-              <a:t>repopArray</a:t>
-            </a:r>
-            <a:r>
-              <a:rPr lang="en-US" sz="2400" dirty="0" smtClean="0">
-                <a:solidFill>
-                  <a:srgbClr val="FFFFFF"/>
-                </a:solidFill>
-                <a:latin typeface="Avenir Light"/>
-                <a:cs typeface="Avenir Light"/>
-              </a:rPr>
-              <a:t>()</a:t>
-            </a:r>
-          </a:p>
-          <a:p>
-            <a:pPr marL="0" indent="0">
-              <a:lnSpc>
-                <a:spcPct val="150000"/>
-              </a:lnSpc>
-              <a:buNone/>
-            </a:pPr>
-            <a:r>
-              <a:rPr lang="en-US" sz="2400" i="1" dirty="0">
-                <a:solidFill>
-                  <a:srgbClr val="FFFFFF"/>
-                </a:solidFill>
-                <a:latin typeface="Avenir Light"/>
-                <a:cs typeface="Avenir Light"/>
-              </a:rPr>
-              <a:t>	</a:t>
-            </a:r>
-            <a:r>
-              <a:rPr lang="en-US" sz="2400" i="1" dirty="0" smtClean="0">
-                <a:solidFill>
-                  <a:srgbClr val="FFFFFF"/>
-                </a:solidFill>
-                <a:latin typeface="Avenir Light"/>
-                <a:cs typeface="Avenir Light"/>
-              </a:rPr>
-              <a:t>	 	</a:t>
-            </a:r>
-            <a:r>
-              <a:rPr lang="en-US" sz="2400" dirty="0" smtClean="0">
-                <a:solidFill>
-                  <a:schemeClr val="tx2">
-                    <a:lumMod val="40000"/>
-                    <a:lumOff val="60000"/>
-                  </a:schemeClr>
-                </a:solidFill>
-                <a:latin typeface="Avenir Light"/>
-                <a:cs typeface="Avenir Light"/>
-              </a:rPr>
-              <a:t>delete</a:t>
-            </a:r>
-            <a:r>
-              <a:rPr lang="en-US" sz="2400" dirty="0" smtClean="0">
-                <a:solidFill>
-                  <a:srgbClr val="FFFFFF"/>
-                </a:solidFill>
-                <a:latin typeface="Avenir Light"/>
-                <a:cs typeface="Avenir Light"/>
-              </a:rPr>
-              <a:t> </a:t>
-            </a:r>
-            <a:r>
-              <a:rPr lang="en-US" sz="2400" i="1" dirty="0" err="1" smtClean="0">
-                <a:solidFill>
-                  <a:srgbClr val="FFFFFF"/>
-                </a:solidFill>
-                <a:latin typeface="Avenir Light"/>
-                <a:cs typeface="Avenir Light"/>
-              </a:rPr>
-              <a:t>adjList</a:t>
-            </a:r>
-            <a:endParaRPr lang="en-US" sz="2400" i="1" dirty="0" smtClean="0">
-              <a:solidFill>
-                <a:srgbClr val="FFFFFF"/>
-              </a:solidFill>
-              <a:latin typeface="Avenir Light"/>
-              <a:cs typeface="Avenir Light"/>
-            </a:endParaRPr>
-          </a:p>
-          <a:p>
-            <a:pPr marL="0" indent="0">
-              <a:lnSpc>
-                <a:spcPct val="150000"/>
-              </a:lnSpc>
-              <a:buNone/>
-            </a:pPr>
-            <a:r>
-              <a:rPr lang="en-US" sz="2400" i="1" dirty="0">
-                <a:solidFill>
-                  <a:srgbClr val="FFFFFF"/>
-                </a:solidFill>
-                <a:latin typeface="Avenir Light"/>
-                <a:cs typeface="Avenir Light"/>
-              </a:rPr>
-              <a:t>	</a:t>
-            </a:r>
-            <a:r>
-              <a:rPr lang="en-US" sz="2400" i="1" dirty="0" smtClean="0">
-                <a:solidFill>
-                  <a:srgbClr val="FFFFFF"/>
-                </a:solidFill>
-                <a:latin typeface="Avenir Light"/>
-                <a:cs typeface="Avenir Light"/>
-              </a:rPr>
-              <a:t>	 	</a:t>
-            </a:r>
-            <a:r>
-              <a:rPr lang="en-US" sz="2400" dirty="0" smtClean="0">
-                <a:solidFill>
-                  <a:schemeClr val="tx2">
-                    <a:lumMod val="20000"/>
-                    <a:lumOff val="80000"/>
-                  </a:schemeClr>
-                </a:solidFill>
-                <a:latin typeface="Avenir Light"/>
-                <a:cs typeface="Avenir Light"/>
-              </a:rPr>
-              <a:t>update</a:t>
-            </a:r>
-            <a:r>
-              <a:rPr lang="en-US" sz="2400" dirty="0" smtClean="0">
-                <a:solidFill>
-                  <a:srgbClr val="FFFFFF"/>
-                </a:solidFill>
-                <a:latin typeface="Avenir Light"/>
-                <a:cs typeface="Avenir Light"/>
-              </a:rPr>
-              <a:t> </a:t>
-            </a:r>
-            <a:r>
-              <a:rPr lang="en-US" sz="2400" i="1" dirty="0" smtClean="0">
-                <a:solidFill>
-                  <a:srgbClr val="FFFFFF"/>
-                </a:solidFill>
-                <a:latin typeface="Avenir Light"/>
-                <a:cs typeface="Avenir Light"/>
-              </a:rPr>
-              <a:t>mod</a:t>
-            </a:r>
-            <a:r>
-              <a:rPr lang="en-US" sz="2400" dirty="0" smtClean="0">
-                <a:solidFill>
-                  <a:srgbClr val="FFFFFF"/>
-                </a:solidFill>
-                <a:latin typeface="Avenir Light"/>
-                <a:cs typeface="Avenir Light"/>
-              </a:rPr>
-              <a:t>, </a:t>
-            </a:r>
-            <a:r>
-              <a:rPr lang="en-US" sz="2400" i="1" dirty="0" smtClean="0">
-                <a:solidFill>
-                  <a:srgbClr val="FFFFFF"/>
-                </a:solidFill>
-                <a:latin typeface="Avenir Light"/>
-                <a:cs typeface="Avenir Light"/>
-              </a:rPr>
-              <a:t>div</a:t>
+            <a:pPr lvl="1"/>
+            <a:r>
+              <a:rPr lang="en-US" dirty="0" err="1" smtClean="0">
+                <a:solidFill>
+                  <a:srgbClr val="FFFFFF"/>
+                </a:solidFill>
+                <a:latin typeface="Avenir Light"/>
+                <a:ea typeface="Lucida Grande"/>
+                <a:cs typeface="Avenir Light"/>
+              </a:rPr>
+              <a:t>Θ</a:t>
+            </a:r>
+            <a:r>
+              <a:rPr lang="en-US" dirty="0" smtClean="0">
+                <a:solidFill>
+                  <a:srgbClr val="FFFFFF"/>
+                </a:solidFill>
+                <a:latin typeface="Avenir Light"/>
+                <a:ea typeface="Lucida Grande"/>
+                <a:cs typeface="Avenir Light"/>
+              </a:rPr>
+              <a:t>(n) when </a:t>
+            </a:r>
+            <a:r>
+              <a:rPr lang="en-US" i="1" dirty="0" smtClean="0">
+                <a:solidFill>
+                  <a:srgbClr val="FFFFFF"/>
+                </a:solidFill>
+                <a:latin typeface="Avenir Light"/>
+                <a:ea typeface="Lucida Grande"/>
+                <a:cs typeface="Avenir Light"/>
+              </a:rPr>
+              <a:t>max</a:t>
+            </a:r>
+            <a:r>
+              <a:rPr lang="en-US" dirty="0" smtClean="0">
+                <a:solidFill>
+                  <a:srgbClr val="FFFFFF"/>
+                </a:solidFill>
+                <a:latin typeface="Avenir Light"/>
+                <a:ea typeface="Lucida Grande"/>
+                <a:cs typeface="Avenir Light"/>
+              </a:rPr>
+              <a:t> = O(n) and </a:t>
+            </a:r>
+            <a:r>
+              <a:rPr lang="en-US" i="1" dirty="0" smtClean="0">
+                <a:solidFill>
+                  <a:srgbClr val="FFFFFF"/>
+                </a:solidFill>
+                <a:latin typeface="Avenir Light"/>
+                <a:ea typeface="Lucida Grande"/>
+                <a:cs typeface="Avenir Light"/>
+              </a:rPr>
+              <a:t>b</a:t>
+            </a:r>
+            <a:r>
+              <a:rPr lang="en-US" dirty="0" smtClean="0">
+                <a:solidFill>
+                  <a:srgbClr val="FFFFFF"/>
+                </a:solidFill>
+                <a:latin typeface="Avenir Light"/>
+                <a:ea typeface="Lucida Grande"/>
+                <a:cs typeface="Avenir Light"/>
+              </a:rPr>
+              <a:t> = O(</a:t>
+            </a:r>
+            <a:r>
+              <a:rPr lang="en-US" dirty="0" err="1" smtClean="0">
+                <a:solidFill>
+                  <a:srgbClr val="FFFFFF"/>
+                </a:solidFill>
+                <a:latin typeface="Avenir Light"/>
+                <a:ea typeface="Lucida Grande"/>
+                <a:cs typeface="Avenir Light"/>
+              </a:rPr>
+              <a:t>lg</a:t>
+            </a:r>
+            <a:r>
+              <a:rPr lang="en-US" dirty="0" smtClean="0">
+                <a:solidFill>
+                  <a:srgbClr val="FFFFFF"/>
+                </a:solidFill>
+                <a:latin typeface="Avenir Light"/>
+                <a:ea typeface="Lucida Grande"/>
+                <a:cs typeface="Avenir Light"/>
+              </a:rPr>
+              <a:t>(n))</a:t>
             </a:r>
           </a:p>
         </p:txBody>
@@ -6861,7 +6426,7 @@
     </p:spTree>
     <p:extLst>
       <p:ext uri="{BB962C8B-B14F-4D97-AF65-F5344CB8AC3E}">
-        <p14:creationId xmlns:p14="http://schemas.microsoft.com/office/powerpoint/2010/main" val="2510278604"/>
+        <p14:creationId xmlns:p14="http://schemas.microsoft.com/office/powerpoint/2010/main" val="2098785998"/>
       </p:ext>
     </p:extLst>
   </p:cSld>
@@ -6911,45 +6476,78 @@
           <a:lstStyle/>
           <a:p>
             <a:r>
-              <a:rPr lang="en-US" dirty="0" err="1" smtClean="0">
-                <a:solidFill>
-                  <a:srgbClr val="FFFFFF"/>
-                </a:solidFill>
-                <a:latin typeface="Avenir Light"/>
-                <a:cs typeface="Avenir Light"/>
-              </a:rPr>
-              <a:t>Pseudocode</a:t>
-            </a:r>
-            <a:r>
               <a:rPr lang="en-US" dirty="0" smtClean="0">
                 <a:solidFill>
-                  <a:srgbClr val="FFFFFF"/>
-                </a:solidFill>
-                <a:latin typeface="Avenir Light"/>
-                <a:cs typeface="Avenir Light"/>
-              </a:rPr>
-              <a:t>: </a:t>
-            </a:r>
-            <a:r>
-              <a:rPr lang="en-US" dirty="0" err="1" smtClean="0">
-                <a:solidFill>
-                  <a:srgbClr val="FFFFFF"/>
-                </a:solidFill>
-                <a:latin typeface="Avenir Light"/>
-                <a:cs typeface="Avenir Light"/>
-              </a:rPr>
-              <a:t>popAdjList</a:t>
-            </a:r>
-            <a:r>
-              <a:rPr lang="en-US" dirty="0" smtClean="0">
-                <a:solidFill>
-                  <a:srgbClr val="FFFFFF"/>
-                </a:solidFill>
-                <a:latin typeface="Avenir Light"/>
-                <a:cs typeface="Avenir Light"/>
-              </a:rPr>
-              <a:t>()</a:t>
-            </a:r>
+                  <a:schemeClr val="bg1"/>
+                </a:solidFill>
+                <a:latin typeface="Avenir Light"/>
+                <a:cs typeface="Avenir Light"/>
+              </a:rPr>
+              <a:t>Test Result cont.</a:t>
+            </a:r>
+            <a:endParaRPr lang="en-US" dirty="0">
+              <a:solidFill>
+                <a:schemeClr val="bg1"/>
+              </a:solidFill>
+              <a:latin typeface="Avenir Light"/>
+              <a:cs typeface="Avenir Light"/>
+            </a:endParaRPr>
+          </a:p>
+        </p:txBody>
+      </p:sp>
+      <p:sp>
+        <p:nvSpPr>
+          <p:cNvPr id="3" name="Content Placeholder 2"/>
+          <p:cNvSpPr>
+            <a:spLocks noGrp="1"/>
+          </p:cNvSpPr>
+          <p:nvPr>
+            <p:ph idx="1"/>
+          </p:nvPr>
+        </p:nvSpPr>
+        <p:spPr/>
+        <p:txBody>
+          <a:bodyPr/>
+          <a:lstStyle/>
+          <a:p>
+            <a:pPr marL="0" indent="0">
+              <a:buNone/>
+            </a:pPr>
+            <a:r>
+              <a:rPr lang="en-US" dirty="0">
+                <a:solidFill>
+                  <a:srgbClr val="FFFFFF"/>
+                </a:solidFill>
+                <a:latin typeface="Avenir Next Regular"/>
+                <a:cs typeface="Avenir Next Regular"/>
+              </a:rPr>
+              <a:t>//Graphs of results of different </a:t>
+            </a:r>
+            <a:r>
+              <a:rPr lang="en-US" i="1" dirty="0">
+                <a:solidFill>
+                  <a:srgbClr val="FFFFFF"/>
+                </a:solidFill>
+                <a:latin typeface="Avenir Next Regular"/>
+                <a:cs typeface="Avenir Next Regular"/>
+              </a:rPr>
+              <a:t>d</a:t>
+            </a:r>
+            <a:r>
+              <a:rPr lang="en-US" dirty="0">
+                <a:solidFill>
+                  <a:srgbClr val="FFFFFF"/>
+                </a:solidFill>
+                <a:latin typeface="Avenir Next Regular"/>
+                <a:cs typeface="Avenir Next Regular"/>
+              </a:rPr>
+              <a:t>’s for 10d, 20d, 100d with bucket and counting.</a:t>
+            </a:r>
+          </a:p>
+          <a:p>
+            <a:pPr marL="0" indent="0">
+              <a:buNone/>
+            </a:pPr>
             <a:endParaRPr lang="en-US" dirty="0">
               <a:solidFill>
                 <a:srgbClr val="FFFFFF"/>
@@ -6960,702 +6558,10 @@
           </a:p>
         </p:txBody>
       </p:sp>
-      <p:sp>
-        <p:nvSpPr>
-          <p:cNvPr id="3" name="Content Placeholder 2"/>
-          <p:cNvSpPr>
-            <a:spLocks noGrp="1"/>
-          </p:cNvSpPr>
-          <p:nvPr>
-            <p:ph idx="1"/>
-          </p:nvPr>
-        </p:nvSpPr>
-        <p:spPr/>
-        <p:txBody>
-          <a:bodyPr>
-            <a:normAutofit/>
-          </a:bodyPr>
-          <a:lstStyle/>
-          <a:p>
-            <a:pPr marL="0" indent="0">
-              <a:buNone/>
-            </a:pPr>
-            <a:r>
-              <a:rPr lang="en-US" sz="2200" dirty="0" err="1" smtClean="0">
-                <a:solidFill>
-                  <a:srgbClr val="FFFFFF"/>
-                </a:solidFill>
-                <a:latin typeface="Avenir Light"/>
-                <a:cs typeface="Avenir Light"/>
-              </a:rPr>
-              <a:t>popAdjList</a:t>
-            </a:r>
-            <a:r>
-              <a:rPr lang="en-US" sz="2200" dirty="0" smtClean="0">
-                <a:solidFill>
-                  <a:srgbClr val="FFFFFF"/>
-                </a:solidFill>
-                <a:latin typeface="Avenir Light"/>
-                <a:cs typeface="Avenir Light"/>
-              </a:rPr>
-              <a:t>(</a:t>
-            </a:r>
-            <a:r>
-              <a:rPr lang="en-US" sz="2200" i="1" dirty="0" err="1" smtClean="0">
-                <a:solidFill>
-                  <a:srgbClr val="FFFFFF"/>
-                </a:solidFill>
-                <a:latin typeface="Avenir Light"/>
-                <a:cs typeface="Avenir Light"/>
-              </a:rPr>
-              <a:t>adjList</a:t>
-            </a:r>
-            <a:r>
-              <a:rPr lang="en-US" sz="2200" dirty="0" smtClean="0">
-                <a:solidFill>
-                  <a:srgbClr val="FFFFFF"/>
-                </a:solidFill>
-                <a:latin typeface="Avenir Light"/>
-                <a:cs typeface="Avenir Light"/>
-              </a:rPr>
-              <a:t>, </a:t>
-            </a:r>
-            <a:r>
-              <a:rPr lang="en-US" sz="2200" i="1" dirty="0" smtClean="0">
-                <a:solidFill>
-                  <a:srgbClr val="FFFFFF"/>
-                </a:solidFill>
-                <a:latin typeface="Avenir Light"/>
-                <a:cs typeface="Avenir Light"/>
-              </a:rPr>
-              <a:t>array</a:t>
-            </a:r>
-            <a:r>
-              <a:rPr lang="en-US" sz="2200" dirty="0" smtClean="0">
-                <a:solidFill>
-                  <a:srgbClr val="FFFFFF"/>
-                </a:solidFill>
-                <a:latin typeface="Avenir Light"/>
-                <a:cs typeface="Avenir Light"/>
-              </a:rPr>
-              <a:t>, </a:t>
-            </a:r>
-            <a:r>
-              <a:rPr lang="en-US" sz="2200" i="1" dirty="0" smtClean="0">
-                <a:solidFill>
-                  <a:srgbClr val="FFFFFF"/>
-                </a:solidFill>
-                <a:latin typeface="Avenir Light"/>
-                <a:cs typeface="Avenir Light"/>
-              </a:rPr>
-              <a:t>size</a:t>
-            </a:r>
-            <a:r>
-              <a:rPr lang="en-US" sz="2200" dirty="0" smtClean="0">
-                <a:solidFill>
-                  <a:srgbClr val="FFFFFF"/>
-                </a:solidFill>
-                <a:latin typeface="Avenir Light"/>
-                <a:cs typeface="Avenir Light"/>
-              </a:rPr>
-              <a:t>, </a:t>
-            </a:r>
-            <a:r>
-              <a:rPr lang="en-US" sz="2200" i="1" dirty="0" smtClean="0">
-                <a:solidFill>
-                  <a:srgbClr val="FFFFFF"/>
-                </a:solidFill>
-                <a:latin typeface="Avenir Light"/>
-                <a:cs typeface="Avenir Light"/>
-              </a:rPr>
-              <a:t>mod</a:t>
-            </a:r>
-            <a:r>
-              <a:rPr lang="en-US" sz="2200" dirty="0" smtClean="0">
-                <a:solidFill>
-                  <a:srgbClr val="FFFFFF"/>
-                </a:solidFill>
-                <a:latin typeface="Avenir Light"/>
-                <a:cs typeface="Avenir Light"/>
-              </a:rPr>
-              <a:t>, </a:t>
-            </a:r>
-            <a:r>
-              <a:rPr lang="en-US" sz="2200" i="1" dirty="0" smtClean="0">
-                <a:solidFill>
-                  <a:srgbClr val="FFFFFF"/>
-                </a:solidFill>
-                <a:latin typeface="Avenir Light"/>
-                <a:cs typeface="Avenir Light"/>
-              </a:rPr>
-              <a:t>div)</a:t>
-            </a:r>
-          </a:p>
-          <a:p>
-            <a:pPr marL="0" indent="0">
-              <a:buNone/>
-            </a:pPr>
-            <a:r>
-              <a:rPr lang="en-US" sz="2200" i="1" dirty="0">
-                <a:solidFill>
-                  <a:srgbClr val="FFFFFF"/>
-                </a:solidFill>
-                <a:latin typeface="Avenir Light"/>
-                <a:cs typeface="Avenir Light"/>
-              </a:rPr>
-              <a:t>	</a:t>
-            </a:r>
-            <a:r>
-              <a:rPr lang="en-US" sz="2200" dirty="0" err="1" smtClean="0">
-                <a:solidFill>
-                  <a:schemeClr val="accent6">
-                    <a:lumMod val="60000"/>
-                    <a:lumOff val="40000"/>
-                  </a:schemeClr>
-                </a:solidFill>
-                <a:latin typeface="Avenir Light"/>
-                <a:cs typeface="Avenir Light"/>
-              </a:rPr>
-              <a:t>int</a:t>
-            </a:r>
-            <a:r>
-              <a:rPr lang="en-US" sz="2200" dirty="0" smtClean="0">
-                <a:solidFill>
-                  <a:schemeClr val="accent6">
-                    <a:lumMod val="60000"/>
-                    <a:lumOff val="40000"/>
-                  </a:schemeClr>
-                </a:solidFill>
-                <a:latin typeface="Avenir Light"/>
-                <a:cs typeface="Avenir Light"/>
-              </a:rPr>
-              <a:t> </a:t>
-            </a:r>
-            <a:r>
-              <a:rPr lang="en-US" sz="2200" i="1" dirty="0" smtClean="0">
-                <a:solidFill>
-                  <a:srgbClr val="FFFFFF"/>
-                </a:solidFill>
-                <a:latin typeface="Avenir Light"/>
-                <a:cs typeface="Avenir Light"/>
-              </a:rPr>
-              <a:t>temp</a:t>
-            </a:r>
-            <a:r>
-              <a:rPr lang="en-US" sz="2200" dirty="0">
-                <a:solidFill>
-                  <a:srgbClr val="FFFFFF"/>
-                </a:solidFill>
-                <a:latin typeface="Avenir Light"/>
-                <a:cs typeface="Avenir Light"/>
-              </a:rPr>
-              <a:t>,</a:t>
-            </a:r>
-            <a:r>
-              <a:rPr lang="en-US" sz="2200" i="1" dirty="0" smtClean="0">
-                <a:solidFill>
-                  <a:srgbClr val="FFFFFF"/>
-                </a:solidFill>
-                <a:latin typeface="Avenir Light"/>
-                <a:cs typeface="Avenir Light"/>
-              </a:rPr>
-              <a:t> empty</a:t>
-            </a:r>
-          </a:p>
-          <a:p>
-            <a:pPr marL="0" indent="0">
-              <a:buNone/>
-            </a:pPr>
-            <a:r>
-              <a:rPr lang="en-US" sz="2200" i="1" dirty="0">
-                <a:solidFill>
-                  <a:srgbClr val="FFFFFF"/>
-                </a:solidFill>
-                <a:latin typeface="Avenir Light"/>
-                <a:cs typeface="Avenir Light"/>
-              </a:rPr>
-              <a:t>	</a:t>
-            </a:r>
-            <a:r>
-              <a:rPr lang="en-US" sz="2200" dirty="0" smtClean="0">
-                <a:solidFill>
-                  <a:schemeClr val="tx2">
-                    <a:lumMod val="40000"/>
-                    <a:lumOff val="60000"/>
-                  </a:schemeClr>
-                </a:solidFill>
-                <a:latin typeface="Avenir Light"/>
-                <a:cs typeface="Avenir Light"/>
-              </a:rPr>
-              <a:t>for</a:t>
-            </a:r>
-            <a:r>
-              <a:rPr lang="en-US" sz="2200" dirty="0" smtClean="0">
-                <a:solidFill>
-                  <a:srgbClr val="FFFFFF"/>
-                </a:solidFill>
-                <a:latin typeface="Avenir Light"/>
-                <a:cs typeface="Avenir Light"/>
-              </a:rPr>
-              <a:t> </a:t>
-            </a:r>
-            <a:r>
-              <a:rPr lang="en-US" sz="2200" i="1" dirty="0" err="1" smtClean="0">
-                <a:solidFill>
-                  <a:srgbClr val="FFFFFF"/>
-                </a:solidFill>
-                <a:latin typeface="Avenir Light"/>
-                <a:cs typeface="Avenir Light"/>
-              </a:rPr>
-              <a:t>i</a:t>
-            </a:r>
-            <a:r>
-              <a:rPr lang="en-US" sz="2200" dirty="0" smtClean="0">
-                <a:solidFill>
-                  <a:srgbClr val="FFFFFF"/>
-                </a:solidFill>
-                <a:latin typeface="Avenir Light"/>
-                <a:cs typeface="Avenir Light"/>
-              </a:rPr>
-              <a:t> </a:t>
-            </a:r>
-            <a:r>
-              <a:rPr lang="en-US" sz="2200" dirty="0" smtClean="0">
-                <a:solidFill>
-                  <a:schemeClr val="accent1">
-                    <a:lumMod val="20000"/>
-                    <a:lumOff val="80000"/>
-                  </a:schemeClr>
-                </a:solidFill>
-                <a:latin typeface="Avenir Light"/>
-                <a:cs typeface="Avenir Light"/>
-              </a:rPr>
-              <a:t>from</a:t>
-            </a:r>
-            <a:r>
-              <a:rPr lang="en-US" sz="2200" dirty="0" smtClean="0">
-                <a:solidFill>
-                  <a:srgbClr val="FFFFFF"/>
-                </a:solidFill>
-                <a:latin typeface="Avenir Light"/>
-                <a:cs typeface="Avenir Light"/>
-              </a:rPr>
-              <a:t> </a:t>
-            </a:r>
-            <a:r>
-              <a:rPr lang="en-US" sz="2200" dirty="0" smtClean="0">
-                <a:solidFill>
-                  <a:schemeClr val="accent2">
-                    <a:lumMod val="60000"/>
-                    <a:lumOff val="40000"/>
-                  </a:schemeClr>
-                </a:solidFill>
-                <a:latin typeface="Avenir Light"/>
-                <a:cs typeface="Avenir Light"/>
-              </a:rPr>
-              <a:t>0</a:t>
-            </a:r>
-            <a:r>
-              <a:rPr lang="en-US" sz="2200" dirty="0" smtClean="0">
-                <a:solidFill>
-                  <a:srgbClr val="FFFFFF"/>
-                </a:solidFill>
-                <a:latin typeface="Avenir Light"/>
-                <a:cs typeface="Avenir Light"/>
-              </a:rPr>
-              <a:t> </a:t>
-            </a:r>
-            <a:r>
-              <a:rPr lang="en-US" sz="2200" dirty="0" smtClean="0">
-                <a:solidFill>
-                  <a:srgbClr val="DCE6F2"/>
-                </a:solidFill>
-                <a:latin typeface="Avenir Light"/>
-                <a:cs typeface="Avenir Light"/>
-              </a:rPr>
-              <a:t>to</a:t>
-            </a:r>
-            <a:r>
-              <a:rPr lang="en-US" sz="2200" dirty="0" smtClean="0">
-                <a:solidFill>
-                  <a:srgbClr val="FFFFFF"/>
-                </a:solidFill>
-                <a:latin typeface="Avenir Light"/>
-                <a:cs typeface="Avenir Light"/>
-              </a:rPr>
-              <a:t> size</a:t>
-            </a:r>
-          </a:p>
-          <a:p>
-            <a:pPr marL="0" indent="0">
-              <a:buNone/>
-            </a:pPr>
-            <a:r>
-              <a:rPr lang="en-US" sz="2200" dirty="0">
-                <a:solidFill>
-                  <a:srgbClr val="FFFFFF"/>
-                </a:solidFill>
-                <a:latin typeface="Avenir Light"/>
-                <a:cs typeface="Avenir Light"/>
-              </a:rPr>
-              <a:t>	</a:t>
-            </a:r>
-            <a:r>
-              <a:rPr lang="en-US" sz="2200" dirty="0" smtClean="0">
-                <a:solidFill>
-                  <a:srgbClr val="FFFFFF"/>
-                </a:solidFill>
-                <a:latin typeface="Avenir Light"/>
-                <a:cs typeface="Avenir Light"/>
-              </a:rPr>
-              <a:t> 	</a:t>
-            </a:r>
-            <a:r>
-              <a:rPr lang="en-US" sz="2200" i="1" dirty="0" smtClean="0">
-                <a:solidFill>
-                  <a:srgbClr val="FFFFFF"/>
-                </a:solidFill>
-                <a:latin typeface="Avenir Light"/>
-                <a:cs typeface="Avenir Light"/>
-              </a:rPr>
-              <a:t>temp</a:t>
-            </a:r>
-            <a:r>
-              <a:rPr lang="en-US" sz="2200" dirty="0" smtClean="0">
-                <a:solidFill>
-                  <a:srgbClr val="FFFFFF"/>
-                </a:solidFill>
-                <a:latin typeface="Avenir Light"/>
-                <a:cs typeface="Avenir Light"/>
-              </a:rPr>
-              <a:t> = </a:t>
-            </a:r>
-            <a:r>
-              <a:rPr lang="en-US" sz="2200" i="1" dirty="0" smtClean="0">
-                <a:solidFill>
-                  <a:srgbClr val="FFFFFF"/>
-                </a:solidFill>
-                <a:latin typeface="Avenir Light"/>
-                <a:cs typeface="Avenir Light"/>
-              </a:rPr>
-              <a:t>array</a:t>
-            </a:r>
-            <a:r>
-              <a:rPr lang="en-US" sz="2200" dirty="0" smtClean="0">
-                <a:solidFill>
-                  <a:srgbClr val="FFFFFF"/>
-                </a:solidFill>
-                <a:latin typeface="Avenir Light"/>
-                <a:cs typeface="Avenir Light"/>
-              </a:rPr>
-              <a:t>[ </a:t>
-            </a:r>
-            <a:r>
-              <a:rPr lang="en-US" sz="2200" i="1" dirty="0" err="1" smtClean="0">
-                <a:solidFill>
-                  <a:srgbClr val="FFFFFF"/>
-                </a:solidFill>
-                <a:latin typeface="Avenir Light"/>
-                <a:cs typeface="Avenir Light"/>
-              </a:rPr>
-              <a:t>i</a:t>
-            </a:r>
-            <a:r>
-              <a:rPr lang="en-US" sz="2200" dirty="0" smtClean="0">
-                <a:solidFill>
-                  <a:srgbClr val="FFFFFF"/>
-                </a:solidFill>
-                <a:latin typeface="Avenir Light"/>
-                <a:cs typeface="Avenir Light"/>
-              </a:rPr>
-              <a:t> ]</a:t>
-            </a:r>
-          </a:p>
-          <a:p>
-            <a:pPr marL="0" indent="0">
-              <a:buNone/>
-            </a:pPr>
-            <a:r>
-              <a:rPr lang="en-US" sz="2200" dirty="0">
-                <a:solidFill>
-                  <a:srgbClr val="FFFFFF"/>
-                </a:solidFill>
-                <a:latin typeface="Avenir Light"/>
-                <a:cs typeface="Avenir Light"/>
-              </a:rPr>
-              <a:t>	</a:t>
-            </a:r>
-            <a:r>
-              <a:rPr lang="en-US" sz="2200" dirty="0" smtClean="0">
-                <a:solidFill>
-                  <a:srgbClr val="FFFFFF"/>
-                </a:solidFill>
-                <a:latin typeface="Avenir Light"/>
-                <a:cs typeface="Avenir Light"/>
-              </a:rPr>
-              <a:t> 	</a:t>
-            </a:r>
-            <a:r>
-              <a:rPr lang="en-US" sz="2200" i="1" dirty="0" smtClean="0">
-                <a:solidFill>
-                  <a:srgbClr val="FFFFFF"/>
-                </a:solidFill>
-                <a:latin typeface="Avenir Light"/>
-                <a:cs typeface="Avenir Light"/>
-              </a:rPr>
-              <a:t>temp </a:t>
-            </a:r>
-            <a:r>
-              <a:rPr lang="en-US" sz="2200" dirty="0" smtClean="0">
-                <a:solidFill>
-                  <a:srgbClr val="FFFFFF"/>
-                </a:solidFill>
-                <a:latin typeface="Avenir Light"/>
-                <a:cs typeface="Avenir Light"/>
-              </a:rPr>
-              <a:t>/ </a:t>
-            </a:r>
-            <a:r>
-              <a:rPr lang="en-US" sz="2200" i="1" dirty="0" smtClean="0">
-                <a:solidFill>
-                  <a:srgbClr val="FFFFFF"/>
-                </a:solidFill>
-                <a:latin typeface="Avenir Light"/>
-                <a:cs typeface="Avenir Light"/>
-              </a:rPr>
-              <a:t>mod</a:t>
-            </a:r>
-            <a:r>
-              <a:rPr lang="en-US" sz="2200" dirty="0" smtClean="0">
-                <a:solidFill>
-                  <a:srgbClr val="FFFFFF"/>
-                </a:solidFill>
-                <a:latin typeface="Avenir Light"/>
-                <a:cs typeface="Avenir Light"/>
-              </a:rPr>
-              <a:t> = empty</a:t>
-            </a:r>
-          </a:p>
-          <a:p>
-            <a:pPr marL="0" indent="0">
-              <a:buNone/>
-            </a:pPr>
-            <a:r>
-              <a:rPr lang="en-US" sz="2200" dirty="0">
-                <a:solidFill>
-                  <a:srgbClr val="FFFFFF"/>
-                </a:solidFill>
-                <a:latin typeface="Avenir Light"/>
-                <a:cs typeface="Avenir Light"/>
-              </a:rPr>
-              <a:t>	</a:t>
-            </a:r>
-            <a:r>
-              <a:rPr lang="en-US" sz="2200" dirty="0" smtClean="0">
-                <a:solidFill>
-                  <a:srgbClr val="FFFFFF"/>
-                </a:solidFill>
-                <a:latin typeface="Avenir Light"/>
-                <a:cs typeface="Avenir Light"/>
-              </a:rPr>
-              <a:t> 	</a:t>
-            </a:r>
-            <a:r>
-              <a:rPr lang="en-US" sz="2200" i="1" dirty="0" smtClean="0">
-                <a:solidFill>
-                  <a:srgbClr val="FFFFFF"/>
-                </a:solidFill>
-                <a:latin typeface="Avenir Light"/>
-                <a:cs typeface="Avenir Light"/>
-              </a:rPr>
-              <a:t>temp %= mod</a:t>
-            </a:r>
-            <a:endParaRPr lang="en-US" sz="2200" dirty="0" smtClean="0">
-              <a:solidFill>
-                <a:srgbClr val="FFFFFF"/>
-              </a:solidFill>
-              <a:latin typeface="Avenir Light"/>
-              <a:cs typeface="Avenir Light"/>
-            </a:endParaRPr>
-          </a:p>
-          <a:p>
-            <a:pPr marL="0" indent="0">
-              <a:buNone/>
-            </a:pPr>
-            <a:r>
-              <a:rPr lang="en-US" sz="2200" dirty="0" smtClean="0">
-                <a:solidFill>
-                  <a:srgbClr val="FFFFFF"/>
-                </a:solidFill>
-                <a:latin typeface="Avenir Light"/>
-                <a:cs typeface="Avenir Light"/>
-              </a:rPr>
-              <a:t> 		 </a:t>
-            </a:r>
-            <a:r>
-              <a:rPr lang="en-US" sz="2200" dirty="0">
-                <a:solidFill>
-                  <a:srgbClr val="FFFFFF"/>
-                </a:solidFill>
-                <a:latin typeface="Avenir Light"/>
-                <a:cs typeface="Avenir Light"/>
-              </a:rPr>
-              <a:t>	</a:t>
-            </a:r>
-            <a:r>
-              <a:rPr lang="en-US" sz="2200" dirty="0" smtClean="0">
-                <a:solidFill>
-                  <a:srgbClr val="DCE6F2"/>
-                </a:solidFill>
-                <a:latin typeface="Avenir Light"/>
-                <a:cs typeface="Avenir Light"/>
-              </a:rPr>
-              <a:t>append</a:t>
-            </a:r>
-            <a:r>
-              <a:rPr lang="en-US" sz="2200" dirty="0" smtClean="0">
-                <a:solidFill>
-                  <a:srgbClr val="FFFFFF"/>
-                </a:solidFill>
-                <a:latin typeface="Avenir Light"/>
-                <a:cs typeface="Avenir Light"/>
-              </a:rPr>
-              <a:t> </a:t>
-            </a:r>
-            <a:r>
-              <a:rPr lang="en-US" sz="2200" i="1" dirty="0" smtClean="0">
-                <a:solidFill>
-                  <a:srgbClr val="FFFFFF"/>
-                </a:solidFill>
-                <a:latin typeface="Avenir Light"/>
-                <a:cs typeface="Avenir Light"/>
-              </a:rPr>
-              <a:t>array</a:t>
-            </a:r>
-            <a:r>
-              <a:rPr lang="en-US" sz="2200" dirty="0" smtClean="0">
-                <a:solidFill>
-                  <a:srgbClr val="FFFFFF"/>
-                </a:solidFill>
-                <a:latin typeface="Avenir Light"/>
-                <a:cs typeface="Avenir Light"/>
-              </a:rPr>
-              <a:t>[ </a:t>
-            </a:r>
-            <a:r>
-              <a:rPr lang="en-US" sz="2200" i="1" dirty="0" err="1">
-                <a:solidFill>
-                  <a:srgbClr val="FFFFFF"/>
-                </a:solidFill>
-                <a:latin typeface="Avenir Light"/>
-                <a:cs typeface="Avenir Light"/>
-              </a:rPr>
-              <a:t>i</a:t>
-            </a:r>
-            <a:r>
-              <a:rPr lang="en-US" sz="2200" dirty="0" smtClean="0">
-                <a:solidFill>
-                  <a:srgbClr val="FFFFFF"/>
-                </a:solidFill>
-                <a:latin typeface="Avenir Light"/>
-                <a:cs typeface="Avenir Light"/>
-              </a:rPr>
-              <a:t> ] </a:t>
-            </a:r>
-            <a:r>
-              <a:rPr lang="en-US" sz="2200" dirty="0" smtClean="0">
-                <a:solidFill>
-                  <a:srgbClr val="DCE6F2"/>
-                </a:solidFill>
-                <a:latin typeface="Avenir Light"/>
-                <a:cs typeface="Avenir Light"/>
-              </a:rPr>
-              <a:t>to</a:t>
-            </a:r>
-            <a:r>
-              <a:rPr lang="en-US" sz="2200" dirty="0" smtClean="0">
-                <a:solidFill>
-                  <a:srgbClr val="FFFFFF"/>
-                </a:solidFill>
-                <a:latin typeface="Avenir Light"/>
-                <a:cs typeface="Avenir Light"/>
-              </a:rPr>
-              <a:t> </a:t>
-            </a:r>
-            <a:r>
-              <a:rPr lang="en-US" sz="2200" i="1" dirty="0" err="1" smtClean="0">
-                <a:solidFill>
-                  <a:srgbClr val="FFFFFF"/>
-                </a:solidFill>
-                <a:latin typeface="Avenir Light"/>
-                <a:cs typeface="Avenir Light"/>
-              </a:rPr>
-              <a:t>adjList</a:t>
-            </a:r>
-            <a:r>
-              <a:rPr lang="en-US" sz="2200" dirty="0" smtClean="0">
-                <a:solidFill>
-                  <a:srgbClr val="FFFFFF"/>
-                </a:solidFill>
-                <a:latin typeface="Avenir Light"/>
-                <a:cs typeface="Avenir Light"/>
-              </a:rPr>
-              <a:t>[(</a:t>
-            </a:r>
-            <a:r>
-              <a:rPr lang="en-US" sz="2200" i="1" dirty="0" smtClean="0">
-                <a:solidFill>
-                  <a:srgbClr val="FFFFFF"/>
-                </a:solidFill>
-                <a:latin typeface="Avenir Light"/>
-                <a:cs typeface="Avenir Light"/>
-              </a:rPr>
-              <a:t>temp</a:t>
-            </a:r>
-            <a:r>
-              <a:rPr lang="en-US" sz="2200" dirty="0" smtClean="0">
-                <a:solidFill>
-                  <a:srgbClr val="FFFFFF"/>
-                </a:solidFill>
-                <a:latin typeface="Avenir Light"/>
-                <a:cs typeface="Avenir Light"/>
-              </a:rPr>
-              <a:t>/</a:t>
-            </a:r>
-            <a:r>
-              <a:rPr lang="en-US" sz="2200" i="1" dirty="0" smtClean="0">
-                <a:solidFill>
-                  <a:srgbClr val="FFFFFF"/>
-                </a:solidFill>
-                <a:latin typeface="Avenir Light"/>
-                <a:cs typeface="Avenir Light"/>
-              </a:rPr>
-              <a:t>div</a:t>
-            </a:r>
-            <a:r>
-              <a:rPr lang="en-US" sz="2200" dirty="0" smtClean="0">
-                <a:solidFill>
-                  <a:srgbClr val="FFFFFF"/>
-                </a:solidFill>
-                <a:latin typeface="Avenir Light"/>
-                <a:cs typeface="Avenir Light"/>
-              </a:rPr>
-              <a:t>)]</a:t>
-            </a:r>
-            <a:endParaRPr lang="en-US" sz="2200" i="1" dirty="0" smtClean="0">
-              <a:solidFill>
-                <a:srgbClr val="FFFFFF"/>
-              </a:solidFill>
-              <a:latin typeface="Avenir Light"/>
-              <a:cs typeface="Avenir Light"/>
-            </a:endParaRPr>
-          </a:p>
-        </p:txBody>
-      </p:sp>
     </p:spTree>
     <p:extLst>
       <p:ext uri="{BB962C8B-B14F-4D97-AF65-F5344CB8AC3E}">
-        <p14:creationId xmlns:p14="http://schemas.microsoft.com/office/powerpoint/2010/main" val="3666630167"/>
+        <p14:creationId xmlns:p14="http://schemas.microsoft.com/office/powerpoint/2010/main" val="1238949746"/>
       </p:ext>
     </p:extLst>
   </p:cSld>
@@ -7705,44 +6611,14 @@
           <a:lstStyle/>
           <a:p>
             <a:r>
-              <a:rPr lang="en-US" dirty="0" err="1" smtClean="0">
+              <a:rPr lang="en-US" dirty="0" smtClean="0">
                 <a:solidFill>
                   <a:schemeClr val="bg1"/>
                 </a:solidFill>
                 <a:latin typeface="Avenir Light"/>
                 <a:cs typeface="Avenir Light"/>
               </a:rPr>
-              <a:t>Pseudocode</a:t>
-            </a:r>
-            <a:r>
-              <a:rPr lang="en-US" dirty="0" smtClean="0">
-                <a:solidFill>
-                  <a:schemeClr val="bg1"/>
-                </a:solidFill>
-                <a:latin typeface="Avenir Light"/>
-                <a:cs typeface="Avenir Light"/>
-              </a:rPr>
-              <a:t>: </a:t>
-            </a:r>
-            <a:r>
-              <a:rPr lang="en-US" dirty="0" err="1" smtClean="0">
-                <a:solidFill>
-                  <a:schemeClr val="bg1"/>
-                </a:solidFill>
-                <a:latin typeface="Avenir Light"/>
-                <a:cs typeface="Avenir Light"/>
-              </a:rPr>
-              <a:t>repopArray</a:t>
-            </a:r>
-            <a:r>
-              <a:rPr lang="en-US" dirty="0" smtClean="0">
-                <a:solidFill>
-                  <a:schemeClr val="bg1"/>
-                </a:solidFill>
-                <a:latin typeface="Avenir Light"/>
-                <a:cs typeface="Avenir Light"/>
-              </a:rPr>
-              <a:t>()</a:t>
+              <a:t>Conclusion</a:t>
             </a:r>
             <a:endParaRPr lang="en-US" dirty="0">
               <a:solidFill>
@@ -7766,718 +6642,20 @@
         </p:nvSpPr>
         <p:spPr/>
         <p:txBody>
-          <a:bodyPr>
-            <a:normAutofit/>
-          </a:bodyPr>
+          <a:bodyPr/>
           <a:lstStyle/>
           <a:p>
-            <a:pPr marL="0" indent="0">
-              <a:buNone/>
-            </a:pPr>
-            <a:r>
-              <a:rPr lang="en-US" sz="2200" dirty="0" err="1" smtClean="0">
-                <a:solidFill>
-                  <a:srgbClr val="FFFFFF"/>
-                </a:solidFill>
-                <a:latin typeface="Avenir Light"/>
-                <a:cs typeface="Avenir Light"/>
-              </a:rPr>
-              <a:t>repopArray</a:t>
-            </a:r>
-            <a:r>
-              <a:rPr lang="en-US" sz="2200" dirty="0" smtClean="0">
-                <a:solidFill>
-                  <a:srgbClr val="FFFFFF"/>
-                </a:solidFill>
-                <a:latin typeface="Avenir Light"/>
-                <a:cs typeface="Avenir Light"/>
-              </a:rPr>
-              <a:t>(</a:t>
-            </a:r>
-            <a:r>
-              <a:rPr lang="en-US" sz="2200" i="1" dirty="0" err="1" smtClean="0">
-                <a:solidFill>
-                  <a:srgbClr val="FFFFFF"/>
-                </a:solidFill>
-                <a:latin typeface="Avenir Light"/>
-                <a:cs typeface="Avenir Light"/>
-              </a:rPr>
-              <a:t>adjList</a:t>
-            </a:r>
-            <a:r>
-              <a:rPr lang="en-US" sz="2200" dirty="0" smtClean="0">
-                <a:solidFill>
-                  <a:srgbClr val="FFFFFF"/>
-                </a:solidFill>
-                <a:latin typeface="Avenir Light"/>
-                <a:cs typeface="Avenir Light"/>
-              </a:rPr>
-              <a:t>, </a:t>
-            </a:r>
-            <a:r>
-              <a:rPr lang="en-US" sz="2200" i="1" dirty="0" smtClean="0">
-                <a:solidFill>
-                  <a:srgbClr val="FFFFFF"/>
-                </a:solidFill>
-                <a:latin typeface="Avenir Light"/>
-                <a:cs typeface="Avenir Light"/>
-              </a:rPr>
-              <a:t>array</a:t>
-            </a:r>
-            <a:r>
-              <a:rPr lang="en-US" sz="2200" dirty="0" smtClean="0">
-                <a:solidFill>
-                  <a:srgbClr val="FFFFFF"/>
-                </a:solidFill>
-                <a:latin typeface="Avenir Light"/>
-                <a:cs typeface="Avenir Light"/>
-              </a:rPr>
-              <a:t>, </a:t>
-            </a:r>
-            <a:r>
-              <a:rPr lang="en-US" sz="2200" i="1" dirty="0" smtClean="0">
-                <a:solidFill>
-                  <a:srgbClr val="FFFFFF"/>
-                </a:solidFill>
-                <a:latin typeface="Avenir Light"/>
-                <a:cs typeface="Avenir Light"/>
-              </a:rPr>
-              <a:t>k</a:t>
-            </a:r>
-            <a:r>
-              <a:rPr lang="en-US" sz="2200" dirty="0" smtClean="0">
-                <a:solidFill>
-                  <a:srgbClr val="FFFFFF"/>
-                </a:solidFill>
-                <a:latin typeface="Avenir Light"/>
-                <a:cs typeface="Avenir Light"/>
-              </a:rPr>
-              <a:t>)</a:t>
-            </a:r>
-          </a:p>
-          <a:p>
-            <a:pPr marL="0" indent="0">
-              <a:buNone/>
-            </a:pPr>
-            <a:r>
-              <a:rPr lang="en-US" sz="2200" dirty="0">
-                <a:solidFill>
-                  <a:srgbClr val="FFFFFF"/>
-                </a:solidFill>
-                <a:latin typeface="Avenir Light"/>
-                <a:cs typeface="Avenir Light"/>
-              </a:rPr>
-              <a:t>	</a:t>
-            </a:r>
-            <a:r>
-              <a:rPr lang="en-US" sz="2200" dirty="0" smtClean="0">
-                <a:solidFill>
-                  <a:srgbClr val="FFFFFF"/>
-                </a:solidFill>
-                <a:latin typeface="Avenir Light"/>
-                <a:cs typeface="Avenir Light"/>
-              </a:rPr>
-              <a:t>Node *</a:t>
-            </a:r>
-            <a:r>
-              <a:rPr lang="en-US" sz="2200" i="1" dirty="0" smtClean="0">
-                <a:solidFill>
-                  <a:srgbClr val="FFFFFF"/>
-                </a:solidFill>
-                <a:latin typeface="Avenir Light"/>
-                <a:cs typeface="Avenir Light"/>
-              </a:rPr>
-              <a:t>temp</a:t>
-            </a:r>
-          </a:p>
-          <a:p>
-            <a:pPr marL="0" indent="0">
-              <a:buNone/>
-            </a:pPr>
-            <a:r>
-              <a:rPr lang="en-US" sz="2200" i="1" dirty="0">
-                <a:solidFill>
-                  <a:srgbClr val="FFFFFF"/>
-                </a:solidFill>
-                <a:latin typeface="Avenir Light"/>
-                <a:cs typeface="Avenir Light"/>
-              </a:rPr>
-              <a:t>	</a:t>
-            </a:r>
-            <a:r>
-              <a:rPr lang="en-US" sz="2200" dirty="0" err="1" smtClean="0">
-                <a:solidFill>
-                  <a:schemeClr val="accent6">
-                    <a:lumMod val="60000"/>
-                    <a:lumOff val="40000"/>
-                  </a:schemeClr>
-                </a:solidFill>
-                <a:latin typeface="Avenir Light"/>
-                <a:cs typeface="Avenir Light"/>
-              </a:rPr>
-              <a:t>int</a:t>
-            </a:r>
-            <a:r>
-              <a:rPr lang="en-US" sz="2200" dirty="0" smtClean="0">
-                <a:solidFill>
-                  <a:schemeClr val="accent6">
-                    <a:lumMod val="60000"/>
-                    <a:lumOff val="40000"/>
-                  </a:schemeClr>
-                </a:solidFill>
-                <a:latin typeface="Avenir Light"/>
-                <a:cs typeface="Avenir Light"/>
-              </a:rPr>
-              <a:t> </a:t>
-            </a:r>
-            <a:r>
-              <a:rPr lang="en-US" sz="2200" i="1" dirty="0" smtClean="0">
-                <a:solidFill>
-                  <a:srgbClr val="FFFFFF"/>
-                </a:solidFill>
-                <a:latin typeface="Avenir Light"/>
-                <a:cs typeface="Avenir Light"/>
-              </a:rPr>
-              <a:t>count</a:t>
-            </a:r>
-            <a:r>
-              <a:rPr lang="en-US" sz="2200" dirty="0" smtClean="0">
-                <a:solidFill>
-                  <a:srgbClr val="FFFFFF"/>
-                </a:solidFill>
-                <a:latin typeface="Avenir Light"/>
-                <a:cs typeface="Avenir Light"/>
-              </a:rPr>
-              <a:t> = </a:t>
-            </a:r>
-            <a:r>
-              <a:rPr lang="en-US" sz="2200" dirty="0" smtClean="0">
-                <a:solidFill>
-                  <a:srgbClr val="D99694"/>
-                </a:solidFill>
-                <a:latin typeface="Avenir Light"/>
-                <a:cs typeface="Avenir Light"/>
-              </a:rPr>
-              <a:t>0</a:t>
-            </a:r>
-          </a:p>
-          <a:p>
-            <a:pPr marL="0" indent="0">
-              <a:buNone/>
-            </a:pPr>
-            <a:r>
-              <a:rPr lang="en-US" sz="2200" dirty="0">
-                <a:solidFill>
-                  <a:srgbClr val="FFFFFF"/>
-                </a:solidFill>
-                <a:latin typeface="Avenir Light"/>
-                <a:cs typeface="Avenir Light"/>
-              </a:rPr>
-              <a:t>	</a:t>
-            </a:r>
-            <a:r>
-              <a:rPr lang="en-US" sz="2200" dirty="0" smtClean="0">
-                <a:solidFill>
-                  <a:schemeClr val="tx2">
-                    <a:lumMod val="40000"/>
-                    <a:lumOff val="60000"/>
-                  </a:schemeClr>
-                </a:solidFill>
-                <a:latin typeface="Avenir Light"/>
-                <a:cs typeface="Avenir Light"/>
-              </a:rPr>
-              <a:t>for</a:t>
-            </a:r>
-            <a:r>
-              <a:rPr lang="en-US" sz="2200" dirty="0" smtClean="0">
-                <a:solidFill>
-                  <a:srgbClr val="FFFFFF"/>
-                </a:solidFill>
-                <a:latin typeface="Avenir Light"/>
-                <a:cs typeface="Avenir Light"/>
-              </a:rPr>
-              <a:t> </a:t>
-            </a:r>
-            <a:r>
-              <a:rPr lang="en-US" sz="2200" i="1" dirty="0" err="1" smtClean="0">
-                <a:solidFill>
-                  <a:srgbClr val="FFFFFF"/>
-                </a:solidFill>
-                <a:latin typeface="Avenir Light"/>
-                <a:cs typeface="Avenir Light"/>
-              </a:rPr>
-              <a:t>i</a:t>
-            </a:r>
-            <a:r>
-              <a:rPr lang="en-US" sz="2200" dirty="0" smtClean="0">
-                <a:solidFill>
-                  <a:srgbClr val="FFFFFF"/>
-                </a:solidFill>
-                <a:latin typeface="Avenir Light"/>
-                <a:cs typeface="Avenir Light"/>
-              </a:rPr>
-              <a:t>  </a:t>
-            </a:r>
-            <a:r>
-              <a:rPr lang="en-US" sz="2200" dirty="0" smtClean="0">
-                <a:solidFill>
-                  <a:schemeClr val="tx2">
-                    <a:lumMod val="20000"/>
-                    <a:lumOff val="80000"/>
-                  </a:schemeClr>
-                </a:solidFill>
-                <a:latin typeface="Avenir Light"/>
-                <a:cs typeface="Avenir Light"/>
-              </a:rPr>
-              <a:t>from</a:t>
-            </a:r>
-            <a:r>
-              <a:rPr lang="en-US" sz="2200" dirty="0" smtClean="0">
-                <a:solidFill>
-                  <a:srgbClr val="FFFFFF"/>
-                </a:solidFill>
-                <a:latin typeface="Avenir Light"/>
-                <a:cs typeface="Avenir Light"/>
-              </a:rPr>
-              <a:t> </a:t>
-            </a:r>
-            <a:r>
-              <a:rPr lang="en-US" sz="2200" dirty="0" smtClean="0">
-                <a:solidFill>
-                  <a:srgbClr val="D99694"/>
-                </a:solidFill>
-                <a:latin typeface="Avenir Light"/>
-                <a:cs typeface="Avenir Light"/>
-              </a:rPr>
-              <a:t>0</a:t>
-            </a:r>
-            <a:r>
-              <a:rPr lang="en-US" sz="2200" dirty="0" smtClean="0">
-                <a:solidFill>
-                  <a:srgbClr val="FFFFFF"/>
-                </a:solidFill>
-                <a:latin typeface="Avenir Light"/>
-                <a:cs typeface="Avenir Light"/>
-              </a:rPr>
-              <a:t> </a:t>
-            </a:r>
-            <a:r>
-              <a:rPr lang="en-US" sz="2200" dirty="0" smtClean="0">
-                <a:solidFill>
-                  <a:srgbClr val="C6D9F1"/>
-                </a:solidFill>
-                <a:latin typeface="Avenir Light"/>
-                <a:cs typeface="Avenir Light"/>
-              </a:rPr>
-              <a:t>to</a:t>
-            </a:r>
-            <a:r>
-              <a:rPr lang="en-US" sz="2200" dirty="0" smtClean="0">
-                <a:solidFill>
-                  <a:srgbClr val="FFFFFF"/>
-                </a:solidFill>
-                <a:latin typeface="Avenir Light"/>
-                <a:cs typeface="Avenir Light"/>
-              </a:rPr>
-              <a:t> </a:t>
-            </a:r>
-            <a:r>
-              <a:rPr lang="en-US" sz="2200" i="1" dirty="0" smtClean="0">
-                <a:solidFill>
-                  <a:srgbClr val="FFFFFF"/>
-                </a:solidFill>
-                <a:latin typeface="Avenir Light"/>
-                <a:cs typeface="Avenir Light"/>
-              </a:rPr>
-              <a:t>k</a:t>
-            </a:r>
-          </a:p>
-          <a:p>
-            <a:pPr marL="0" indent="0">
-              <a:buNone/>
-            </a:pPr>
-            <a:r>
-              <a:rPr lang="en-US" sz="2200" dirty="0">
-                <a:solidFill>
-                  <a:srgbClr val="FFFFFF"/>
-                </a:solidFill>
-                <a:latin typeface="Avenir Light"/>
-                <a:cs typeface="Avenir Light"/>
-              </a:rPr>
-              <a:t>	</a:t>
-            </a:r>
-            <a:r>
-              <a:rPr lang="en-US" sz="2200" dirty="0" smtClean="0">
-                <a:solidFill>
-                  <a:srgbClr val="FFFFFF"/>
-                </a:solidFill>
-                <a:latin typeface="Avenir Light"/>
-                <a:cs typeface="Avenir Light"/>
-              </a:rPr>
-              <a:t>	 	</a:t>
-            </a:r>
-            <a:r>
-              <a:rPr lang="en-US" sz="2200" dirty="0" smtClean="0">
-                <a:solidFill>
-                  <a:srgbClr val="8EB4E3"/>
-                </a:solidFill>
-                <a:latin typeface="Avenir Light"/>
-                <a:cs typeface="Avenir Light"/>
-              </a:rPr>
-              <a:t>if</a:t>
-            </a:r>
-            <a:r>
-              <a:rPr lang="en-US" sz="2200" dirty="0" smtClean="0">
-                <a:solidFill>
-                  <a:srgbClr val="FFFFFF"/>
-                </a:solidFill>
-                <a:latin typeface="Avenir Light"/>
-                <a:cs typeface="Avenir Light"/>
-              </a:rPr>
-              <a:t> </a:t>
-            </a:r>
-            <a:r>
-              <a:rPr lang="en-US" sz="2200" dirty="0" err="1" smtClean="0">
-                <a:solidFill>
-                  <a:srgbClr val="FFFFFF"/>
-                </a:solidFill>
-                <a:latin typeface="Avenir Light"/>
-                <a:cs typeface="Avenir Light"/>
-              </a:rPr>
-              <a:t>adjList</a:t>
-            </a:r>
-            <a:r>
-              <a:rPr lang="en-US" sz="2200" dirty="0" smtClean="0">
-                <a:solidFill>
-                  <a:srgbClr val="FFFFFF"/>
-                </a:solidFill>
-                <a:latin typeface="Avenir Light"/>
-                <a:cs typeface="Avenir Light"/>
-              </a:rPr>
-              <a:t>[ </a:t>
-            </a:r>
-            <a:r>
-              <a:rPr lang="en-US" sz="2200" i="1" dirty="0" err="1" smtClean="0">
-                <a:solidFill>
-                  <a:srgbClr val="FFFFFF"/>
-                </a:solidFill>
-                <a:latin typeface="Avenir Light"/>
-                <a:cs typeface="Avenir Light"/>
-              </a:rPr>
-              <a:t>i</a:t>
-            </a:r>
-            <a:r>
-              <a:rPr lang="en-US" sz="2200" dirty="0" smtClean="0">
-                <a:solidFill>
-                  <a:srgbClr val="FFFFFF"/>
-                </a:solidFill>
-                <a:latin typeface="Avenir Light"/>
-                <a:cs typeface="Avenir Light"/>
-              </a:rPr>
-              <a:t> ] </a:t>
-            </a:r>
-            <a:r>
-              <a:rPr lang="en-US" sz="2200" dirty="0" smtClean="0">
-                <a:solidFill>
-                  <a:srgbClr val="C6D9F1"/>
-                </a:solidFill>
-                <a:latin typeface="Avenir Light"/>
-                <a:cs typeface="Avenir Light"/>
-              </a:rPr>
-              <a:t>is not </a:t>
-            </a:r>
-            <a:r>
-              <a:rPr lang="en-US" sz="2200" dirty="0" smtClean="0">
-                <a:solidFill>
-                  <a:schemeClr val="accent2">
-                    <a:lumMod val="60000"/>
-                    <a:lumOff val="40000"/>
-                  </a:schemeClr>
-                </a:solidFill>
-                <a:latin typeface="Avenir Light"/>
-                <a:cs typeface="Avenir Light"/>
-              </a:rPr>
-              <a:t>NULL</a:t>
-            </a:r>
-          </a:p>
-          <a:p>
-            <a:pPr marL="0" indent="0">
-              <a:buNone/>
-            </a:pPr>
-            <a:r>
-              <a:rPr lang="en-US" sz="2200" dirty="0">
-                <a:solidFill>
-                  <a:srgbClr val="FFFFFF"/>
-                </a:solidFill>
-                <a:latin typeface="Avenir Light"/>
-                <a:cs typeface="Avenir Light"/>
-              </a:rPr>
-              <a:t>	</a:t>
-            </a:r>
-            <a:r>
-              <a:rPr lang="en-US" sz="2200" dirty="0" smtClean="0">
-                <a:solidFill>
-                  <a:srgbClr val="FFFFFF"/>
-                </a:solidFill>
-                <a:latin typeface="Avenir Light"/>
-                <a:cs typeface="Avenir Light"/>
-              </a:rPr>
-              <a:t> 	 	temp = </a:t>
-            </a:r>
-            <a:r>
-              <a:rPr lang="en-US" sz="2200" dirty="0" err="1" smtClean="0">
-                <a:solidFill>
-                  <a:srgbClr val="FFFFFF"/>
-                </a:solidFill>
-                <a:latin typeface="Avenir Light"/>
-                <a:cs typeface="Avenir Light"/>
-              </a:rPr>
-              <a:t>adjList</a:t>
-            </a:r>
-            <a:r>
-              <a:rPr lang="en-US" sz="2200" dirty="0" smtClean="0">
-                <a:solidFill>
-                  <a:srgbClr val="FFFFFF"/>
-                </a:solidFill>
-                <a:latin typeface="Avenir Light"/>
-                <a:cs typeface="Avenir Light"/>
-              </a:rPr>
-              <a:t>[ </a:t>
-            </a:r>
-            <a:r>
-              <a:rPr lang="en-US" sz="2200" i="1" dirty="0" err="1" smtClean="0">
-                <a:solidFill>
-                  <a:srgbClr val="FFFFFF"/>
-                </a:solidFill>
-                <a:latin typeface="Avenir Light"/>
-                <a:cs typeface="Avenir Light"/>
-              </a:rPr>
-              <a:t>i</a:t>
-            </a:r>
-            <a:r>
-              <a:rPr lang="en-US" sz="2200" dirty="0" smtClean="0">
-                <a:solidFill>
-                  <a:srgbClr val="FFFFFF"/>
-                </a:solidFill>
-                <a:latin typeface="Avenir Light"/>
-                <a:cs typeface="Avenir Light"/>
-              </a:rPr>
-              <a:t> ]</a:t>
-            </a:r>
-          </a:p>
-          <a:p>
-            <a:pPr marL="0" indent="0">
-              <a:buNone/>
-            </a:pPr>
-            <a:r>
-              <a:rPr lang="en-US" sz="2200" i="1" dirty="0">
-                <a:solidFill>
-                  <a:srgbClr val="FFFFFF"/>
-                </a:solidFill>
-                <a:latin typeface="Avenir Light"/>
-                <a:cs typeface="Avenir Light"/>
-              </a:rPr>
-              <a:t>	</a:t>
-            </a:r>
-            <a:r>
-              <a:rPr lang="en-US" sz="2200" i="1" dirty="0" smtClean="0">
-                <a:solidFill>
-                  <a:srgbClr val="FFFFFF"/>
-                </a:solidFill>
-                <a:latin typeface="Avenir Light"/>
-                <a:cs typeface="Avenir Light"/>
-              </a:rPr>
-              <a:t> 	 	</a:t>
-            </a:r>
-            <a:r>
-              <a:rPr lang="en-US" sz="2200" dirty="0" smtClean="0">
-                <a:solidFill>
-                  <a:srgbClr val="8EB4E3"/>
-                </a:solidFill>
-                <a:latin typeface="Avenir Light"/>
-                <a:cs typeface="Avenir Light"/>
-              </a:rPr>
-              <a:t>while</a:t>
-            </a:r>
-            <a:r>
-              <a:rPr lang="en-US" sz="2200" dirty="0" smtClean="0">
-                <a:solidFill>
-                  <a:srgbClr val="FFFFFF"/>
-                </a:solidFill>
-                <a:latin typeface="Avenir Light"/>
-                <a:cs typeface="Avenir Light"/>
-              </a:rPr>
-              <a:t> </a:t>
-            </a:r>
-            <a:r>
-              <a:rPr lang="en-US" sz="2200" i="1" dirty="0" smtClean="0">
-                <a:solidFill>
-                  <a:srgbClr val="FFFFFF"/>
-                </a:solidFill>
-                <a:latin typeface="Avenir Light"/>
-                <a:cs typeface="Avenir Light"/>
-              </a:rPr>
-              <a:t>temp</a:t>
-            </a:r>
-            <a:r>
-              <a:rPr lang="en-US" sz="2200" dirty="0" smtClean="0">
-                <a:solidFill>
-                  <a:srgbClr val="FFFFFF"/>
-                </a:solidFill>
-                <a:latin typeface="Avenir Light"/>
-                <a:cs typeface="Avenir Light"/>
-              </a:rPr>
-              <a:t> </a:t>
-            </a:r>
-            <a:r>
-              <a:rPr lang="en-US" sz="2200" dirty="0" smtClean="0">
-                <a:solidFill>
-                  <a:srgbClr val="C6D9F1"/>
-                </a:solidFill>
-                <a:latin typeface="Avenir Light"/>
-                <a:cs typeface="Avenir Light"/>
-              </a:rPr>
-              <a:t>is not </a:t>
-            </a:r>
-            <a:r>
-              <a:rPr lang="en-US" sz="2200" dirty="0" smtClean="0">
-                <a:solidFill>
-                  <a:schemeClr val="accent2">
-                    <a:lumMod val="60000"/>
-                    <a:lumOff val="40000"/>
-                  </a:schemeClr>
-                </a:solidFill>
-                <a:latin typeface="Avenir Light"/>
-                <a:cs typeface="Avenir Light"/>
-              </a:rPr>
-              <a:t>NULL</a:t>
-            </a:r>
-          </a:p>
-          <a:p>
-            <a:pPr marL="0" indent="0">
-              <a:buNone/>
-            </a:pPr>
-            <a:r>
-              <a:rPr lang="en-US" sz="2200" i="1" dirty="0">
-                <a:solidFill>
-                  <a:srgbClr val="FFFFFF"/>
-                </a:solidFill>
-                <a:latin typeface="Avenir Light"/>
-                <a:cs typeface="Avenir Light"/>
-              </a:rPr>
-              <a:t>	</a:t>
-            </a:r>
-            <a:r>
-              <a:rPr lang="en-US" sz="2200" i="1" dirty="0" smtClean="0">
-                <a:solidFill>
-                  <a:srgbClr val="FFFFFF"/>
-                </a:solidFill>
-                <a:latin typeface="Avenir Light"/>
-                <a:cs typeface="Avenir Light"/>
-              </a:rPr>
-              <a:t>		 	 	 	array</a:t>
-            </a:r>
-            <a:r>
-              <a:rPr lang="en-US" sz="2200" dirty="0" smtClean="0">
-                <a:solidFill>
-                  <a:srgbClr val="FFFFFF"/>
-                </a:solidFill>
-                <a:latin typeface="Avenir Light"/>
-                <a:cs typeface="Avenir Light"/>
-              </a:rPr>
-              <a:t>[</a:t>
-            </a:r>
-            <a:r>
-              <a:rPr lang="en-US" sz="2200" i="1" dirty="0" smtClean="0">
-                <a:solidFill>
-                  <a:srgbClr val="FFFFFF"/>
-                </a:solidFill>
-                <a:latin typeface="Avenir Light"/>
-                <a:cs typeface="Avenir Light"/>
-              </a:rPr>
-              <a:t>count</a:t>
-            </a:r>
-            <a:r>
-              <a:rPr lang="en-US" sz="2200" dirty="0" smtClean="0">
-                <a:solidFill>
-                  <a:srgbClr val="FFFFFF"/>
-                </a:solidFill>
-                <a:latin typeface="Avenir Light"/>
-                <a:cs typeface="Avenir Light"/>
-              </a:rPr>
-              <a:t>]</a:t>
-            </a:r>
-          </a:p>
-          <a:p>
-            <a:pPr marL="0" indent="0">
-              <a:buNone/>
-            </a:pPr>
-            <a:r>
-              <a:rPr lang="en-US" sz="2200" i="1" dirty="0">
-                <a:solidFill>
-                  <a:srgbClr val="FFFFFF"/>
-                </a:solidFill>
-                <a:latin typeface="Avenir Light"/>
-                <a:cs typeface="Avenir Light"/>
-              </a:rPr>
-              <a:t>	</a:t>
-            </a:r>
-            <a:r>
-              <a:rPr lang="en-US" sz="2200" i="1" dirty="0" smtClean="0">
-                <a:solidFill>
-                  <a:srgbClr val="FFFFFF"/>
-                </a:solidFill>
-                <a:latin typeface="Avenir Light"/>
-                <a:cs typeface="Avenir Light"/>
-              </a:rPr>
-              <a:t>				 	 	 	count</a:t>
-            </a:r>
-            <a:r>
-              <a:rPr lang="en-US" sz="2200" dirty="0" smtClean="0">
-                <a:solidFill>
-                  <a:srgbClr val="FFFFFF"/>
-                </a:solidFill>
-                <a:latin typeface="Avenir Light"/>
-                <a:cs typeface="Avenir Light"/>
-              </a:rPr>
-              <a:t>++</a:t>
-            </a:r>
-          </a:p>
-          <a:p>
-            <a:pPr marL="0" indent="0">
-              <a:buNone/>
-            </a:pPr>
-            <a:r>
-              <a:rPr lang="en-US" sz="2200" i="1" dirty="0">
-                <a:solidFill>
-                  <a:srgbClr val="FFFFFF"/>
-                </a:solidFill>
-                <a:latin typeface="Avenir Light"/>
-                <a:cs typeface="Avenir Light"/>
-              </a:rPr>
-              <a:t>	</a:t>
-            </a:r>
-            <a:r>
-              <a:rPr lang="en-US" sz="2200" i="1" dirty="0" smtClean="0">
-                <a:solidFill>
-                  <a:srgbClr val="FFFFFF"/>
-                </a:solidFill>
-                <a:latin typeface="Avenir Light"/>
-                <a:cs typeface="Avenir Light"/>
-              </a:rPr>
-              <a:t>	 	 	 	temp = temp-&gt;</a:t>
-            </a:r>
-            <a:r>
-              <a:rPr lang="en-US" sz="2200" i="1" dirty="0" err="1" smtClean="0">
-                <a:solidFill>
-                  <a:srgbClr val="FFFFFF"/>
-                </a:solidFill>
-                <a:latin typeface="Avenir Light"/>
-                <a:cs typeface="Avenir Light"/>
-              </a:rPr>
-              <a:t>getNext</a:t>
-            </a:r>
-            <a:endParaRPr lang="en-US" sz="2200" i="1" dirty="0">
+            <a:r>
+              <a:rPr lang="en-US" dirty="0" smtClean="0">
+                <a:solidFill>
+                  <a:srgbClr val="FFFFFF"/>
+                </a:solidFill>
+                <a:latin typeface="Avenir Light"/>
+                <a:cs typeface="Avenir Light"/>
+              </a:rPr>
+              <a:t>//Summary of radix sort</a:t>
+            </a:r>
+            <a:endParaRPr lang="en-US" dirty="0">
               <a:solidFill>
                 <a:srgbClr val="FFFFFF"/>
               </a:solidFill>
@@ -8490,1509 +6668,13 @@
     </p:spTree>
     <p:extLst>
       <p:ext uri="{BB962C8B-B14F-4D97-AF65-F5344CB8AC3E}">
-        <p14:creationId xmlns:p14="http://schemas.microsoft.com/office/powerpoint/2010/main" val="856168875"/>
+        <p14:creationId xmlns:p14="http://schemas.microsoft.com/office/powerpoint/2010/main" val="4275949085"/>
       </p:ext>
     </p:extLst>
   </p:cSld>
   <p:clrMapOvr>
     <a:masterClrMapping/>
   </p:clrMapOvr>
-  <p:timing>
-    <p:tnLst>
-      <p:par>
-        <p:cTn xmlns:p14="http://schemas.microsoft.com/office/powerpoint/2010/main" id="1" dur="indefinite" restart="never" nodeType="tmRoot"/>
-      </p:par>
-    </p:tnLst>
-  </p:timing>
-</p:sld>
-</file>
-
-<file path=ppt/slides/slide8.xml><?xml version="1.0" encoding="utf-8"?>
-<p:sld xmlns:a="http://schemas.openxmlformats.org/drawingml/2006/main" xmlns:r="http://schemas.openxmlformats.org/officeDocument/2006/relationships" xmlns:p="http://schemas.openxmlformats.org/presentationml/2006/main">
-  <p:cSld>
-    <p:spTree>
-      <p:nvGrpSpPr>
-        <p:cNvPr id="1" name=""/>
-        <p:cNvGrpSpPr/>
-        <p:nvPr/>
-      </p:nvGrpSpPr>
-      <p:grpSpPr>
-        <a:xfrm>
-          <a:off x="0" y="0"/>
-          <a:ext cx="0" cy="0"/>
-          <a:chOff x="0" y="0"/>
-          <a:chExt cx="0" cy="0"/>
-        </a:xfrm>
-      </p:grpSpPr>
-      <p:sp>
-        <p:nvSpPr>
-          <p:cNvPr id="2" name="Title 1"/>
-          <p:cNvSpPr>
-            <a:spLocks noGrp="1"/>
-          </p:cNvSpPr>
-          <p:nvPr>
-            <p:ph type="title"/>
-          </p:nvPr>
-        </p:nvSpPr>
-        <p:spPr/>
-        <p:txBody>
-          <a:bodyPr>
-            <a:normAutofit fontScale="90000"/>
-          </a:bodyPr>
-          <a:lstStyle/>
-          <a:p>
-            <a:r>
-              <a:rPr lang="en-US" dirty="0" err="1" smtClean="0">
-                <a:solidFill>
-                  <a:schemeClr val="bg1"/>
-                </a:solidFill>
-                <a:latin typeface="Avenir Light"/>
-                <a:cs typeface="Avenir Light"/>
-              </a:rPr>
-              <a:t>Pseudocode</a:t>
-            </a:r>
-            <a:r>
-              <a:rPr lang="en-US" dirty="0" smtClean="0">
-                <a:solidFill>
-                  <a:schemeClr val="bg1"/>
-                </a:solidFill>
-                <a:latin typeface="Avenir Light"/>
-                <a:cs typeface="Avenir Light"/>
-              </a:rPr>
-              <a:t>: </a:t>
-            </a:r>
-            <a:r>
-              <a:rPr lang="en-US" dirty="0" err="1" smtClean="0">
-                <a:solidFill>
-                  <a:schemeClr val="bg1"/>
-                </a:solidFill>
-                <a:latin typeface="Avenir Light"/>
-                <a:cs typeface="Avenir Light"/>
-              </a:rPr>
-              <a:t>radixSort</a:t>
-            </a:r>
-            <a:r>
-              <a:rPr lang="en-US" dirty="0" smtClean="0">
-                <a:solidFill>
-                  <a:schemeClr val="bg1"/>
-                </a:solidFill>
-                <a:latin typeface="Avenir Light"/>
-                <a:cs typeface="Avenir Light"/>
-              </a:rPr>
-              <a:t>() - counting</a:t>
-            </a:r>
-            <a:endParaRPr lang="en-US" dirty="0">
-              <a:solidFill>
-                <a:schemeClr val="bg1"/>
-              </a:solidFill>
-              <a:latin typeface="Avenir Light"/>
-              <a:cs typeface="Avenir Light"/>
-            </a:endParaRPr>
-          </a:p>
-        </p:txBody>
-      </p:sp>
-      <p:sp>
-        <p:nvSpPr>
-          <p:cNvPr id="3" name="Content Placeholder 2"/>
-          <p:cNvSpPr>
-            <a:spLocks noGrp="1"/>
-          </p:cNvSpPr>
-          <p:nvPr>
-            <p:ph idx="1"/>
-          </p:nvPr>
-        </p:nvSpPr>
-        <p:spPr>
-          <a:xfrm>
-            <a:off x="457200" y="1417638"/>
-            <a:ext cx="8229600" cy="5065090"/>
-          </a:xfrm>
-        </p:spPr>
-        <p:txBody>
-          <a:bodyPr>
-            <a:normAutofit fontScale="92500" lnSpcReduction="10000"/>
-          </a:bodyPr>
-          <a:lstStyle/>
-          <a:p>
-            <a:pPr marL="0" indent="0">
-              <a:buNone/>
-            </a:pPr>
-            <a:r>
-              <a:rPr lang="en-US" sz="2200" dirty="0" err="1" smtClean="0">
-                <a:solidFill>
-                  <a:srgbClr val="FFFFFF"/>
-                </a:solidFill>
-                <a:latin typeface="Avenir Light"/>
-                <a:cs typeface="Avenir Light"/>
-              </a:rPr>
-              <a:t>radixSort</a:t>
-            </a:r>
-            <a:r>
-              <a:rPr lang="en-US" sz="2200" dirty="0" smtClean="0">
-                <a:solidFill>
-                  <a:srgbClr val="FFFFFF"/>
-                </a:solidFill>
-                <a:latin typeface="Avenir Light"/>
-                <a:cs typeface="Avenir Light"/>
-              </a:rPr>
-              <a:t>(</a:t>
-            </a:r>
-            <a:r>
-              <a:rPr lang="en-US" sz="2200" i="1" dirty="0" err="1" smtClean="0">
-                <a:solidFill>
-                  <a:srgbClr val="FFFFFF"/>
-                </a:solidFill>
-                <a:latin typeface="Avenir Light"/>
-                <a:cs typeface="Avenir Light"/>
-              </a:rPr>
-              <a:t>vect</a:t>
-            </a:r>
-            <a:r>
-              <a:rPr lang="en-US" sz="2200" dirty="0" smtClean="0">
-                <a:solidFill>
-                  <a:srgbClr val="FFFFFF"/>
-                </a:solidFill>
-                <a:latin typeface="Avenir Light"/>
-                <a:cs typeface="Avenir Light"/>
-              </a:rPr>
-              <a:t>, </a:t>
-            </a:r>
-            <a:r>
-              <a:rPr lang="en-US" sz="2200" i="1" dirty="0" smtClean="0">
-                <a:solidFill>
-                  <a:srgbClr val="FFFFFF"/>
-                </a:solidFill>
-                <a:latin typeface="Avenir Light"/>
-                <a:cs typeface="Avenir Light"/>
-              </a:rPr>
-              <a:t>size</a:t>
-            </a:r>
-            <a:r>
-              <a:rPr lang="en-US" sz="2200" dirty="0" smtClean="0">
-                <a:solidFill>
-                  <a:srgbClr val="FFFFFF"/>
-                </a:solidFill>
-                <a:latin typeface="Avenir Light"/>
-                <a:cs typeface="Avenir Light"/>
-              </a:rPr>
-              <a:t>, </a:t>
-            </a:r>
-            <a:r>
-              <a:rPr lang="en-US" sz="2200" i="1" dirty="0" smtClean="0">
-                <a:solidFill>
-                  <a:srgbClr val="FFFFFF"/>
-                </a:solidFill>
-                <a:latin typeface="Avenir Light"/>
-                <a:cs typeface="Avenir Light"/>
-              </a:rPr>
-              <a:t>max</a:t>
-            </a:r>
-            <a:r>
-              <a:rPr lang="en-US" sz="2200" dirty="0" smtClean="0">
-                <a:solidFill>
-                  <a:srgbClr val="FFFFFF"/>
-                </a:solidFill>
-                <a:latin typeface="Avenir Light"/>
-                <a:cs typeface="Avenir Light"/>
-              </a:rPr>
-              <a:t>, </a:t>
-            </a:r>
-            <a:r>
-              <a:rPr lang="en-US" sz="2200" i="1" dirty="0" smtClean="0">
-                <a:solidFill>
-                  <a:srgbClr val="FFFFFF"/>
-                </a:solidFill>
-                <a:latin typeface="Avenir Light"/>
-                <a:cs typeface="Avenir Light"/>
-              </a:rPr>
-              <a:t>digits</a:t>
-            </a:r>
-            <a:r>
-              <a:rPr lang="en-US" sz="2200" dirty="0" smtClean="0">
-                <a:solidFill>
-                  <a:srgbClr val="FFFFFF"/>
-                </a:solidFill>
-                <a:latin typeface="Avenir Light"/>
-                <a:cs typeface="Avenir Light"/>
-              </a:rPr>
-              <a:t>, </a:t>
-            </a:r>
-            <a:r>
-              <a:rPr lang="en-US" sz="2200" i="1" dirty="0" smtClean="0">
-                <a:solidFill>
-                  <a:srgbClr val="FFFFFF"/>
-                </a:solidFill>
-                <a:latin typeface="Avenir Light"/>
-                <a:cs typeface="Avenir Light"/>
-              </a:rPr>
-              <a:t>k</a:t>
-            </a:r>
-            <a:r>
-              <a:rPr lang="en-US" sz="2200" dirty="0" smtClean="0">
-                <a:solidFill>
-                  <a:srgbClr val="FFFFFF"/>
-                </a:solidFill>
-                <a:latin typeface="Avenir Light"/>
-                <a:cs typeface="Avenir Light"/>
-              </a:rPr>
-              <a:t>)</a:t>
-            </a:r>
-          </a:p>
-          <a:p>
-            <a:pPr marL="0" indent="0">
-              <a:buNone/>
-            </a:pPr>
-            <a:r>
-              <a:rPr lang="en-US" sz="2200" dirty="0">
-                <a:solidFill>
-                  <a:srgbClr val="FFFFFF"/>
-                </a:solidFill>
-                <a:latin typeface="Avenir Light"/>
-                <a:cs typeface="Avenir Light"/>
-              </a:rPr>
-              <a:t>	</a:t>
-            </a:r>
-            <a:r>
-              <a:rPr lang="en-US" sz="2200" dirty="0" err="1" smtClean="0">
-                <a:solidFill>
-                  <a:schemeClr val="accent6">
-                    <a:lumMod val="40000"/>
-                    <a:lumOff val="60000"/>
-                  </a:schemeClr>
-                </a:solidFill>
-                <a:latin typeface="Avenir Light"/>
-                <a:cs typeface="Avenir Light"/>
-              </a:rPr>
-              <a:t>int</a:t>
-            </a:r>
-            <a:r>
-              <a:rPr lang="en-US" sz="2200" dirty="0" smtClean="0">
-                <a:solidFill>
-                  <a:schemeClr val="accent6">
-                    <a:lumMod val="40000"/>
-                    <a:lumOff val="60000"/>
-                  </a:schemeClr>
-                </a:solidFill>
-                <a:latin typeface="Avenir Light"/>
-                <a:cs typeface="Avenir Light"/>
-              </a:rPr>
-              <a:t> </a:t>
-            </a:r>
-            <a:r>
-              <a:rPr lang="en-US" sz="2200" i="1" dirty="0" smtClean="0">
-                <a:solidFill>
-                  <a:srgbClr val="FFFFFF"/>
-                </a:solidFill>
-                <a:latin typeface="Avenir Light"/>
-                <a:cs typeface="Avenir Light"/>
-              </a:rPr>
-              <a:t>mod</a:t>
-            </a:r>
-            <a:r>
-              <a:rPr lang="en-US" sz="2200" dirty="0">
-                <a:solidFill>
-                  <a:srgbClr val="FFFFFF"/>
-                </a:solidFill>
-                <a:latin typeface="Avenir Light"/>
-                <a:cs typeface="Avenir Light"/>
-              </a:rPr>
-              <a:t> </a:t>
-            </a:r>
-            <a:r>
-              <a:rPr lang="en-US" sz="2200" dirty="0" smtClean="0">
-                <a:solidFill>
-                  <a:srgbClr val="FFFFFF"/>
-                </a:solidFill>
-                <a:latin typeface="Avenir Light"/>
-                <a:cs typeface="Avenir Light"/>
-              </a:rPr>
-              <a:t>= </a:t>
-            </a:r>
-            <a:r>
-              <a:rPr lang="en-US" sz="2200" i="1" dirty="0" smtClean="0">
-                <a:solidFill>
-                  <a:srgbClr val="FFFFFF"/>
-                </a:solidFill>
-                <a:latin typeface="Avenir Light"/>
-                <a:cs typeface="Avenir Light"/>
-              </a:rPr>
-              <a:t>k</a:t>
-            </a:r>
-            <a:r>
-              <a:rPr lang="en-US" sz="2200" dirty="0" smtClean="0">
-                <a:solidFill>
-                  <a:srgbClr val="FFFFFF"/>
-                </a:solidFill>
-                <a:latin typeface="Avenir Light"/>
-                <a:cs typeface="Avenir Light"/>
-              </a:rPr>
-              <a:t>, </a:t>
-            </a:r>
-            <a:r>
-              <a:rPr lang="en-US" sz="2200" i="1" dirty="0" smtClean="0">
-                <a:solidFill>
-                  <a:srgbClr val="FFFFFF"/>
-                </a:solidFill>
-                <a:latin typeface="Avenir Light"/>
-                <a:cs typeface="Avenir Light"/>
-              </a:rPr>
-              <a:t>div</a:t>
-            </a:r>
-            <a:r>
-              <a:rPr lang="en-US" sz="2200" dirty="0" smtClean="0">
-                <a:solidFill>
-                  <a:srgbClr val="FFFFFF"/>
-                </a:solidFill>
-                <a:latin typeface="Avenir Light"/>
-                <a:cs typeface="Avenir Light"/>
-              </a:rPr>
-              <a:t> = 1</a:t>
-            </a:r>
-          </a:p>
-          <a:p>
-            <a:pPr marL="0" indent="0">
-              <a:buNone/>
-            </a:pPr>
-            <a:r>
-              <a:rPr lang="en-US" sz="2200" i="1" dirty="0">
-                <a:solidFill>
-                  <a:srgbClr val="FFFFFF"/>
-                </a:solidFill>
-                <a:latin typeface="Avenir Light"/>
-                <a:cs typeface="Avenir Light"/>
-              </a:rPr>
-              <a:t>	</a:t>
-            </a:r>
-            <a:r>
-              <a:rPr lang="en-US" sz="2200" dirty="0" smtClean="0">
-                <a:solidFill>
-                  <a:srgbClr val="FFFFFF"/>
-                </a:solidFill>
-                <a:latin typeface="Avenir Light"/>
-                <a:cs typeface="Avenir Light"/>
-              </a:rPr>
-              <a:t>declare </a:t>
-            </a:r>
-            <a:r>
-              <a:rPr lang="en-US" sz="2200" dirty="0" err="1" smtClean="0">
-                <a:solidFill>
-                  <a:srgbClr val="FFFFFF"/>
-                </a:solidFill>
-                <a:latin typeface="Avenir Light"/>
-                <a:cs typeface="Avenir Light"/>
-              </a:rPr>
-              <a:t>oVect</a:t>
-            </a:r>
-            <a:r>
-              <a:rPr lang="en-US" sz="2200" dirty="0" smtClean="0">
-                <a:solidFill>
-                  <a:srgbClr val="FFFFFF"/>
-                </a:solidFill>
-                <a:latin typeface="Avenir Light"/>
-                <a:cs typeface="Avenir Light"/>
-              </a:rPr>
-              <a:t>, </a:t>
-            </a:r>
-            <a:r>
-              <a:rPr lang="en-US" sz="2200" dirty="0" err="1" smtClean="0">
-                <a:solidFill>
-                  <a:srgbClr val="FFFFFF"/>
-                </a:solidFill>
-                <a:latin typeface="Avenir Light"/>
-                <a:cs typeface="Avenir Light"/>
-              </a:rPr>
-              <a:t>dVect</a:t>
-            </a:r>
-            <a:endParaRPr lang="en-US" sz="2200" dirty="0" smtClean="0">
-              <a:solidFill>
-                <a:srgbClr val="FFFFFF"/>
-              </a:solidFill>
-              <a:latin typeface="Avenir Light"/>
-              <a:cs typeface="Avenir Light"/>
-            </a:endParaRPr>
-          </a:p>
-          <a:p>
-            <a:pPr marL="0" indent="0">
-              <a:buNone/>
-            </a:pPr>
-            <a:r>
-              <a:rPr lang="en-US" sz="2200" i="1" dirty="0">
-                <a:solidFill>
-                  <a:srgbClr val="FFFFFF"/>
-                </a:solidFill>
-                <a:latin typeface="Avenir Light"/>
-                <a:cs typeface="Avenir Light"/>
-              </a:rPr>
-              <a:t>	</a:t>
-            </a:r>
-            <a:r>
-              <a:rPr lang="en-US" sz="2200" dirty="0" smtClean="0">
-                <a:solidFill>
-                  <a:srgbClr val="FFFFFF"/>
-                </a:solidFill>
-                <a:latin typeface="Avenir Light"/>
-                <a:cs typeface="Avenir Light"/>
-              </a:rPr>
-              <a:t>for </a:t>
-            </a:r>
-            <a:r>
-              <a:rPr lang="en-US" sz="2200" dirty="0" err="1" smtClean="0">
-                <a:solidFill>
-                  <a:srgbClr val="FFFFFF"/>
-                </a:solidFill>
-                <a:latin typeface="Avenir Light"/>
-                <a:cs typeface="Avenir Light"/>
-              </a:rPr>
-              <a:t>i</a:t>
-            </a:r>
-            <a:r>
-              <a:rPr lang="en-US" sz="2200" dirty="0" smtClean="0">
-                <a:solidFill>
-                  <a:srgbClr val="FFFFFF"/>
-                </a:solidFill>
-                <a:latin typeface="Avenir Light"/>
-                <a:cs typeface="Avenir Light"/>
-              </a:rPr>
-              <a:t> from 0 to digits</a:t>
-            </a:r>
-          </a:p>
-          <a:p>
-            <a:pPr marL="0" indent="0">
-              <a:buNone/>
-            </a:pPr>
-            <a:r>
-              <a:rPr lang="en-US" sz="2200" i="1" dirty="0">
-                <a:solidFill>
-                  <a:srgbClr val="FFFFFF"/>
-                </a:solidFill>
-                <a:latin typeface="Avenir Light"/>
-                <a:cs typeface="Avenir Light"/>
-              </a:rPr>
-              <a:t>	</a:t>
-            </a:r>
-            <a:r>
-              <a:rPr lang="en-US" sz="2200" i="1" dirty="0" smtClean="0">
-                <a:solidFill>
-                  <a:srgbClr val="FFFFFF"/>
-                </a:solidFill>
-                <a:latin typeface="Avenir Light"/>
-                <a:cs typeface="Avenir Light"/>
-              </a:rPr>
-              <a:t> 	</a:t>
-            </a:r>
-            <a:r>
-              <a:rPr lang="en-US" sz="2200" dirty="0" smtClean="0">
-                <a:solidFill>
-                  <a:srgbClr val="FFFFFF"/>
-                </a:solidFill>
-                <a:latin typeface="Avenir Light"/>
-                <a:cs typeface="Avenir Light"/>
-              </a:rPr>
-              <a:t>for j from 1 to size</a:t>
-            </a:r>
-          </a:p>
-          <a:p>
-            <a:pPr marL="0" indent="0">
-              <a:buNone/>
-            </a:pPr>
-            <a:r>
-              <a:rPr lang="en-US" sz="2200" i="1" dirty="0">
-                <a:solidFill>
-                  <a:srgbClr val="FFFFFF"/>
-                </a:solidFill>
-                <a:latin typeface="Avenir Light"/>
-                <a:cs typeface="Avenir Light"/>
-              </a:rPr>
-              <a:t>		</a:t>
-            </a:r>
-            <a:r>
-              <a:rPr lang="en-US" sz="2200" i="1" dirty="0" smtClean="0">
-                <a:solidFill>
-                  <a:srgbClr val="FFFFFF"/>
-                </a:solidFill>
-                <a:latin typeface="Avenir Light"/>
-                <a:cs typeface="Avenir Light"/>
-              </a:rPr>
-              <a:t> 	 	</a:t>
-            </a:r>
-            <a:r>
-              <a:rPr lang="en-US" sz="2200" dirty="0" err="1" smtClean="0">
-                <a:solidFill>
-                  <a:srgbClr val="FFFFFF"/>
-                </a:solidFill>
-                <a:latin typeface="Avenir Light"/>
-                <a:cs typeface="Avenir Light"/>
-              </a:rPr>
-              <a:t>dVect</a:t>
-            </a:r>
-            <a:r>
-              <a:rPr lang="en-US" sz="2200" dirty="0" smtClean="0">
-                <a:solidFill>
-                  <a:srgbClr val="FFFFFF"/>
-                </a:solidFill>
-                <a:latin typeface="Avenir Light"/>
-                <a:cs typeface="Avenir Light"/>
-              </a:rPr>
-              <a:t>[ j ] = </a:t>
-            </a:r>
-            <a:r>
-              <a:rPr lang="en-US" sz="2200" dirty="0" err="1" smtClean="0">
-                <a:solidFill>
-                  <a:srgbClr val="FFFFFF"/>
-                </a:solidFill>
-                <a:latin typeface="Avenir Light"/>
-                <a:cs typeface="Avenir Light"/>
-              </a:rPr>
-              <a:t>vect</a:t>
-            </a:r>
-            <a:r>
-              <a:rPr lang="en-US" sz="2200" dirty="0" smtClean="0">
-                <a:solidFill>
-                  <a:srgbClr val="FFFFFF"/>
-                </a:solidFill>
-                <a:latin typeface="Avenir Light"/>
-                <a:cs typeface="Avenir Light"/>
-              </a:rPr>
-              <a:t>[ j ]/div</a:t>
-            </a:r>
-            <a:endParaRPr lang="en-US" sz="2200" i="1" dirty="0">
-              <a:solidFill>
-                <a:srgbClr val="FFFFFF"/>
-              </a:solidFill>
-              <a:latin typeface="Avenir Light"/>
-              <a:cs typeface="Avenir Light"/>
-            </a:endParaRPr>
-          </a:p>
-          <a:p>
-            <a:pPr marL="0" indent="0">
-              <a:buNone/>
-            </a:pPr>
-            <a:r>
-              <a:rPr lang="en-US" sz="2200" i="1" dirty="0">
-                <a:solidFill>
-                  <a:srgbClr val="FFFFFF"/>
-                </a:solidFill>
-                <a:latin typeface="Avenir Light"/>
-                <a:cs typeface="Avenir Light"/>
-              </a:rPr>
-              <a:t>	</a:t>
-            </a:r>
-            <a:r>
-              <a:rPr lang="en-US" sz="2200" i="1" dirty="0" smtClean="0">
-                <a:solidFill>
-                  <a:srgbClr val="FFFFFF"/>
-                </a:solidFill>
-                <a:latin typeface="Avenir Light"/>
-                <a:cs typeface="Avenir Light"/>
-              </a:rPr>
-              <a:t> 	 </a:t>
-            </a:r>
-            <a:r>
-              <a:rPr lang="en-US" sz="2200" dirty="0" smtClean="0">
-                <a:solidFill>
-                  <a:srgbClr val="FFFFFF"/>
-                </a:solidFill>
-                <a:latin typeface="Avenir Light"/>
-                <a:cs typeface="Avenir Light"/>
-              </a:rPr>
-              <a:t>for j from 1 to size</a:t>
-            </a:r>
-          </a:p>
-          <a:p>
-            <a:pPr marL="0" indent="0">
-              <a:buNone/>
-            </a:pPr>
-            <a:r>
-              <a:rPr lang="en-US" sz="2200" dirty="0">
-                <a:solidFill>
-                  <a:srgbClr val="FFFFFF"/>
-                </a:solidFill>
-                <a:latin typeface="Avenir Light"/>
-                <a:cs typeface="Avenir Light"/>
-              </a:rPr>
-              <a:t>	</a:t>
-            </a:r>
-            <a:r>
-              <a:rPr lang="en-US" sz="2200" dirty="0" smtClean="0">
-                <a:solidFill>
-                  <a:srgbClr val="FFFFFF"/>
-                </a:solidFill>
-                <a:latin typeface="Avenir Light"/>
-                <a:cs typeface="Avenir Light"/>
-              </a:rPr>
-              <a:t> 	 	</a:t>
-            </a:r>
-            <a:r>
-              <a:rPr lang="en-US" sz="2200" dirty="0" err="1" smtClean="0">
-                <a:solidFill>
-                  <a:srgbClr val="FFFFFF"/>
-                </a:solidFill>
-                <a:latin typeface="Avenir Light"/>
-                <a:cs typeface="Avenir Light"/>
-              </a:rPr>
-              <a:t>oVect</a:t>
-            </a:r>
-            <a:r>
-              <a:rPr lang="en-US" sz="2200" dirty="0" smtClean="0">
-                <a:solidFill>
-                  <a:srgbClr val="FFFFFF"/>
-                </a:solidFill>
-                <a:latin typeface="Avenir Light"/>
-                <a:cs typeface="Avenir Light"/>
-              </a:rPr>
-              <a:t>[ </a:t>
-            </a:r>
-            <a:r>
-              <a:rPr lang="en-US" sz="2200" dirty="0" err="1" smtClean="0">
-                <a:solidFill>
-                  <a:srgbClr val="FFFFFF"/>
-                </a:solidFill>
-                <a:latin typeface="Avenir Light"/>
-                <a:cs typeface="Avenir Light"/>
-              </a:rPr>
-              <a:t>dVect</a:t>
-            </a:r>
-            <a:r>
-              <a:rPr lang="en-US" sz="2200" dirty="0" smtClean="0">
-                <a:solidFill>
-                  <a:srgbClr val="FFFFFF"/>
-                </a:solidFill>
-                <a:latin typeface="Avenir Light"/>
-                <a:cs typeface="Avenir Light"/>
-              </a:rPr>
-              <a:t>[ j ] ] = </a:t>
-            </a:r>
-            <a:r>
-              <a:rPr lang="en-US" sz="2200" dirty="0" err="1" smtClean="0">
-                <a:solidFill>
-                  <a:srgbClr val="FFFFFF"/>
-                </a:solidFill>
-                <a:latin typeface="Avenir Light"/>
-                <a:cs typeface="Avenir Light"/>
-              </a:rPr>
-              <a:t>oVect</a:t>
-            </a:r>
-            <a:r>
-              <a:rPr lang="en-US" sz="2200" dirty="0" smtClean="0">
-                <a:solidFill>
-                  <a:srgbClr val="FFFFFF"/>
-                </a:solidFill>
-                <a:latin typeface="Avenir Light"/>
-                <a:cs typeface="Avenir Light"/>
-              </a:rPr>
-              <a:t>[ </a:t>
-            </a:r>
-            <a:r>
-              <a:rPr lang="en-US" sz="2200" dirty="0" err="1" smtClean="0">
-                <a:solidFill>
-                  <a:srgbClr val="FFFFFF"/>
-                </a:solidFill>
-                <a:latin typeface="Avenir Light"/>
-                <a:cs typeface="Avenir Light"/>
-              </a:rPr>
-              <a:t>dVect</a:t>
-            </a:r>
-            <a:r>
-              <a:rPr lang="en-US" sz="2200" dirty="0" smtClean="0">
-                <a:solidFill>
-                  <a:srgbClr val="FFFFFF"/>
-                </a:solidFill>
-                <a:latin typeface="Avenir Light"/>
-                <a:cs typeface="Avenir Light"/>
-              </a:rPr>
-              <a:t>[ j ] ] + 1</a:t>
-            </a:r>
-          </a:p>
-          <a:p>
-            <a:pPr marL="0" indent="0">
-              <a:buNone/>
-            </a:pPr>
-            <a:r>
-              <a:rPr lang="en-US" sz="2200" dirty="0">
-                <a:solidFill>
-                  <a:srgbClr val="FFFFFF"/>
-                </a:solidFill>
-                <a:latin typeface="Avenir Light"/>
-                <a:cs typeface="Avenir Light"/>
-              </a:rPr>
-              <a:t>	</a:t>
-            </a:r>
-            <a:r>
-              <a:rPr lang="en-US" sz="2200" dirty="0" smtClean="0">
-                <a:solidFill>
-                  <a:srgbClr val="FFFFFF"/>
-                </a:solidFill>
-                <a:latin typeface="Avenir Light"/>
-                <a:cs typeface="Avenir Light"/>
-              </a:rPr>
-              <a:t> 	 for j from 1 to k</a:t>
-            </a:r>
-          </a:p>
-          <a:p>
-            <a:pPr marL="0" indent="0">
-              <a:buNone/>
-            </a:pPr>
-            <a:r>
-              <a:rPr lang="en-US" sz="2200" dirty="0">
-                <a:solidFill>
-                  <a:srgbClr val="FFFFFF"/>
-                </a:solidFill>
-                <a:latin typeface="Avenir Light"/>
-                <a:cs typeface="Avenir Light"/>
-              </a:rPr>
-              <a:t>	</a:t>
-            </a:r>
-            <a:r>
-              <a:rPr lang="en-US" sz="2200" dirty="0" smtClean="0">
-                <a:solidFill>
-                  <a:srgbClr val="FFFFFF"/>
-                </a:solidFill>
-                <a:latin typeface="Avenir Light"/>
-                <a:cs typeface="Avenir Light"/>
-              </a:rPr>
-              <a:t> 	 	</a:t>
-            </a:r>
-            <a:r>
-              <a:rPr lang="en-US" sz="2200" dirty="0" err="1" smtClean="0">
-                <a:solidFill>
-                  <a:srgbClr val="FFFFFF"/>
-                </a:solidFill>
-                <a:latin typeface="Avenir Light"/>
-                <a:cs typeface="Avenir Light"/>
-              </a:rPr>
-              <a:t>oVect</a:t>
-            </a:r>
-            <a:r>
-              <a:rPr lang="en-US" sz="2200" dirty="0" smtClean="0">
-                <a:solidFill>
-                  <a:srgbClr val="FFFFFF"/>
-                </a:solidFill>
-                <a:latin typeface="Avenir Light"/>
-                <a:cs typeface="Avenir Light"/>
-              </a:rPr>
-              <a:t>[ j ] = </a:t>
-            </a:r>
-            <a:r>
-              <a:rPr lang="en-US" sz="2200" dirty="0" err="1" smtClean="0">
-                <a:solidFill>
-                  <a:srgbClr val="FFFFFF"/>
-                </a:solidFill>
-                <a:latin typeface="Avenir Light"/>
-                <a:cs typeface="Avenir Light"/>
-              </a:rPr>
-              <a:t>oVect</a:t>
-            </a:r>
-            <a:r>
-              <a:rPr lang="en-US" sz="2200" dirty="0" smtClean="0">
-                <a:solidFill>
-                  <a:srgbClr val="FFFFFF"/>
-                </a:solidFill>
-                <a:latin typeface="Avenir Light"/>
-                <a:cs typeface="Avenir Light"/>
-              </a:rPr>
-              <a:t> [ j ] + </a:t>
-            </a:r>
-            <a:r>
-              <a:rPr lang="en-US" sz="2200" dirty="0" err="1" smtClean="0">
-                <a:solidFill>
-                  <a:srgbClr val="FFFFFF"/>
-                </a:solidFill>
-                <a:latin typeface="Avenir Light"/>
-                <a:cs typeface="Avenir Light"/>
-              </a:rPr>
-              <a:t>oVect</a:t>
-            </a:r>
-            <a:r>
-              <a:rPr lang="en-US" sz="2200" dirty="0" smtClean="0">
-                <a:solidFill>
-                  <a:srgbClr val="FFFFFF"/>
-                </a:solidFill>
-                <a:latin typeface="Avenir Light"/>
-                <a:cs typeface="Avenir Light"/>
-              </a:rPr>
-              <a:t>[ j-1 ]</a:t>
-            </a:r>
-          </a:p>
-          <a:p>
-            <a:pPr marL="0" indent="0">
-              <a:buNone/>
-            </a:pPr>
-            <a:r>
-              <a:rPr lang="en-US" sz="2200" dirty="0">
-                <a:solidFill>
-                  <a:srgbClr val="FFFFFF"/>
-                </a:solidFill>
-                <a:latin typeface="Avenir Light"/>
-                <a:cs typeface="Avenir Light"/>
-              </a:rPr>
-              <a:t>	 </a:t>
-            </a:r>
-            <a:r>
-              <a:rPr lang="en-US" sz="2200" dirty="0" smtClean="0">
-                <a:solidFill>
-                  <a:srgbClr val="FFFFFF"/>
-                </a:solidFill>
-                <a:latin typeface="Avenir Light"/>
-                <a:cs typeface="Avenir Light"/>
-              </a:rPr>
-              <a:t>	for j from size down to 1</a:t>
-            </a:r>
-          </a:p>
-          <a:p>
-            <a:pPr marL="0" indent="0">
-              <a:buNone/>
-            </a:pPr>
-            <a:r>
-              <a:rPr lang="en-US" sz="2200" dirty="0">
-                <a:solidFill>
-                  <a:srgbClr val="FFFFFF"/>
-                </a:solidFill>
-                <a:latin typeface="Avenir Light"/>
-                <a:cs typeface="Avenir Light"/>
-              </a:rPr>
-              <a:t>	</a:t>
-            </a:r>
-            <a:r>
-              <a:rPr lang="en-US" sz="2200" dirty="0" smtClean="0">
-                <a:solidFill>
-                  <a:srgbClr val="FFFFFF"/>
-                </a:solidFill>
-                <a:latin typeface="Avenir Light"/>
-                <a:cs typeface="Avenir Light"/>
-              </a:rPr>
-              <a:t> 	 	</a:t>
-            </a:r>
-            <a:r>
-              <a:rPr lang="en-US" sz="2200" dirty="0" err="1" smtClean="0">
-                <a:solidFill>
-                  <a:srgbClr val="FFFFFF"/>
-                </a:solidFill>
-                <a:latin typeface="Avenir Light"/>
-                <a:cs typeface="Avenir Light"/>
-              </a:rPr>
-              <a:t>sVect</a:t>
-            </a:r>
-            <a:r>
-              <a:rPr lang="en-US" sz="2200" dirty="0" smtClean="0">
-                <a:solidFill>
-                  <a:srgbClr val="FFFFFF"/>
-                </a:solidFill>
-                <a:latin typeface="Avenir Light"/>
-                <a:cs typeface="Avenir Light"/>
-              </a:rPr>
-              <a:t>[ </a:t>
-            </a:r>
-            <a:r>
-              <a:rPr lang="en-US" sz="2200" dirty="0" err="1" smtClean="0">
-                <a:solidFill>
-                  <a:srgbClr val="FFFFFF"/>
-                </a:solidFill>
-                <a:latin typeface="Avenir Light"/>
-                <a:cs typeface="Avenir Light"/>
-              </a:rPr>
-              <a:t>oVect</a:t>
-            </a:r>
-            <a:r>
-              <a:rPr lang="en-US" sz="2200" dirty="0" smtClean="0">
-                <a:solidFill>
-                  <a:srgbClr val="FFFFFF"/>
-                </a:solidFill>
-                <a:latin typeface="Avenir Light"/>
-                <a:cs typeface="Avenir Light"/>
-              </a:rPr>
-              <a:t>[ </a:t>
-            </a:r>
-            <a:r>
-              <a:rPr lang="en-US" sz="2200" dirty="0" err="1" smtClean="0">
-                <a:solidFill>
-                  <a:srgbClr val="FFFFFF"/>
-                </a:solidFill>
-                <a:latin typeface="Avenir Light"/>
-                <a:cs typeface="Avenir Light"/>
-              </a:rPr>
-              <a:t>dVect</a:t>
-            </a:r>
-            <a:r>
-              <a:rPr lang="en-US" sz="2200" dirty="0" smtClean="0">
-                <a:solidFill>
-                  <a:srgbClr val="FFFFFF"/>
-                </a:solidFill>
-                <a:latin typeface="Avenir Light"/>
-                <a:cs typeface="Avenir Light"/>
-              </a:rPr>
-              <a:t>[ j ] ] ] = </a:t>
-            </a:r>
-            <a:r>
-              <a:rPr lang="en-US" sz="2200" dirty="0" err="1" smtClean="0">
-                <a:solidFill>
-                  <a:srgbClr val="FFFFFF"/>
-                </a:solidFill>
-                <a:latin typeface="Avenir Light"/>
-                <a:cs typeface="Avenir Light"/>
-              </a:rPr>
-              <a:t>vect</a:t>
-            </a:r>
-            <a:r>
-              <a:rPr lang="en-US" sz="2200" dirty="0" smtClean="0">
-                <a:solidFill>
-                  <a:srgbClr val="FFFFFF"/>
-                </a:solidFill>
-                <a:latin typeface="Avenir Light"/>
-                <a:cs typeface="Avenir Light"/>
-              </a:rPr>
-              <a:t>[ j ]</a:t>
-            </a:r>
-          </a:p>
-          <a:p>
-            <a:pPr marL="0" indent="0">
-              <a:buNone/>
-            </a:pPr>
-            <a:r>
-              <a:rPr lang="en-US" sz="2200" dirty="0">
-                <a:solidFill>
-                  <a:srgbClr val="FFFFFF"/>
-                </a:solidFill>
-                <a:latin typeface="Avenir Light"/>
-                <a:cs typeface="Avenir Light"/>
-              </a:rPr>
-              <a:t>	</a:t>
-            </a:r>
-            <a:r>
-              <a:rPr lang="en-US" sz="2200" dirty="0" smtClean="0">
-                <a:solidFill>
-                  <a:srgbClr val="FFFFFF"/>
-                </a:solidFill>
-                <a:latin typeface="Avenir Light"/>
-                <a:cs typeface="Avenir Light"/>
-              </a:rPr>
-              <a:t> 	 	</a:t>
-            </a:r>
-            <a:r>
-              <a:rPr lang="en-US" sz="2200" dirty="0" err="1" smtClean="0">
-                <a:solidFill>
-                  <a:srgbClr val="FFFFFF"/>
-                </a:solidFill>
-                <a:latin typeface="Avenir Light"/>
-                <a:cs typeface="Avenir Light"/>
-              </a:rPr>
-              <a:t>oVect</a:t>
-            </a:r>
-            <a:r>
-              <a:rPr lang="en-US" sz="2200" dirty="0" smtClean="0">
-                <a:solidFill>
-                  <a:srgbClr val="FFFFFF"/>
-                </a:solidFill>
-                <a:latin typeface="Avenir Light"/>
-                <a:cs typeface="Avenir Light"/>
-              </a:rPr>
-              <a:t>[ </a:t>
-            </a:r>
-            <a:r>
-              <a:rPr lang="en-US" sz="2200" dirty="0" err="1" smtClean="0">
-                <a:solidFill>
-                  <a:srgbClr val="FFFFFF"/>
-                </a:solidFill>
-                <a:latin typeface="Avenir Light"/>
-                <a:cs typeface="Avenir Light"/>
-              </a:rPr>
-              <a:t>dVect</a:t>
-            </a:r>
-            <a:r>
-              <a:rPr lang="en-US" sz="2200" dirty="0" smtClean="0">
-                <a:solidFill>
-                  <a:srgbClr val="FFFFFF"/>
-                </a:solidFill>
-                <a:latin typeface="Avenir Light"/>
-                <a:cs typeface="Avenir Light"/>
-              </a:rPr>
-              <a:t>[ j ] ] = </a:t>
-            </a:r>
-            <a:r>
-              <a:rPr lang="en-US" sz="2200" dirty="0" err="1" smtClean="0">
-                <a:solidFill>
-                  <a:srgbClr val="FFFFFF"/>
-                </a:solidFill>
-                <a:latin typeface="Avenir Light"/>
-                <a:cs typeface="Avenir Light"/>
-              </a:rPr>
-              <a:t>oVect</a:t>
-            </a:r>
-            <a:r>
-              <a:rPr lang="en-US" sz="2200" dirty="0" smtClean="0">
-                <a:solidFill>
-                  <a:srgbClr val="FFFFFF"/>
-                </a:solidFill>
-                <a:latin typeface="Avenir Light"/>
-                <a:cs typeface="Avenir Light"/>
-              </a:rPr>
-              <a:t>[ </a:t>
-            </a:r>
-            <a:r>
-              <a:rPr lang="en-US" sz="2200" dirty="0" err="1" smtClean="0">
-                <a:solidFill>
-                  <a:srgbClr val="FFFFFF"/>
-                </a:solidFill>
-                <a:latin typeface="Avenir Light"/>
-                <a:cs typeface="Avenir Light"/>
-              </a:rPr>
-              <a:t>dVect</a:t>
-            </a:r>
-            <a:r>
-              <a:rPr lang="en-US" sz="2200" dirty="0" smtClean="0">
-                <a:solidFill>
-                  <a:srgbClr val="FFFFFF"/>
-                </a:solidFill>
-                <a:latin typeface="Avenir Light"/>
-                <a:cs typeface="Avenir Light"/>
-              </a:rPr>
-              <a:t>[ j ] ] – 1</a:t>
-            </a:r>
-          </a:p>
-          <a:p>
-            <a:pPr marL="0" indent="0">
-              <a:buNone/>
-            </a:pPr>
-            <a:r>
-              <a:rPr lang="en-US" sz="2200" dirty="0">
-                <a:solidFill>
-                  <a:srgbClr val="FFFFFF"/>
-                </a:solidFill>
-                <a:latin typeface="Avenir Light"/>
-                <a:cs typeface="Avenir Light"/>
-              </a:rPr>
-              <a:t>	</a:t>
-            </a:r>
-            <a:r>
-              <a:rPr lang="en-US" sz="2200" dirty="0">
-                <a:solidFill>
-                  <a:schemeClr val="tx2">
-                    <a:lumMod val="20000"/>
-                    <a:lumOff val="80000"/>
-                  </a:schemeClr>
-                </a:solidFill>
-                <a:latin typeface="Avenir Light"/>
-                <a:cs typeface="Avenir Light"/>
-              </a:rPr>
-              <a:t>update</a:t>
-            </a:r>
-            <a:r>
-              <a:rPr lang="en-US" sz="2200" dirty="0">
-                <a:solidFill>
-                  <a:srgbClr val="FFFFFF"/>
-                </a:solidFill>
-                <a:latin typeface="Avenir Light"/>
-                <a:cs typeface="Avenir Light"/>
-              </a:rPr>
-              <a:t> </a:t>
-            </a:r>
-            <a:r>
-              <a:rPr lang="en-US" sz="2200" i="1" dirty="0">
-                <a:solidFill>
-                  <a:srgbClr val="FFFFFF"/>
-                </a:solidFill>
-                <a:latin typeface="Avenir Light"/>
-                <a:cs typeface="Avenir Light"/>
-              </a:rPr>
-              <a:t>mod</a:t>
-            </a:r>
-            <a:r>
-              <a:rPr lang="en-US" sz="2200" dirty="0">
-                <a:solidFill>
-                  <a:srgbClr val="FFFFFF"/>
-                </a:solidFill>
-                <a:latin typeface="Avenir Light"/>
-                <a:cs typeface="Avenir Light"/>
-              </a:rPr>
-              <a:t>, </a:t>
-            </a:r>
-            <a:r>
-              <a:rPr lang="en-US" sz="2200" i="1" dirty="0" smtClean="0">
-                <a:solidFill>
-                  <a:srgbClr val="FFFFFF"/>
-                </a:solidFill>
-                <a:latin typeface="Avenir Light"/>
-                <a:cs typeface="Avenir Light"/>
-              </a:rPr>
-              <a:t>div, </a:t>
-            </a:r>
-            <a:r>
-              <a:rPr lang="en-US" sz="2200" dirty="0" smtClean="0">
-                <a:solidFill>
-                  <a:srgbClr val="FFFFFF"/>
-                </a:solidFill>
-                <a:latin typeface="Avenir Light"/>
-                <a:cs typeface="Avenir Light"/>
-              </a:rPr>
-              <a:t> and </a:t>
-            </a:r>
-            <a:r>
-              <a:rPr lang="en-US" sz="2200" dirty="0" err="1" smtClean="0">
-                <a:solidFill>
-                  <a:srgbClr val="FFFFFF"/>
-                </a:solidFill>
-                <a:latin typeface="Avenir Light"/>
-                <a:cs typeface="Avenir Light"/>
-              </a:rPr>
-              <a:t>vect</a:t>
-            </a:r>
-            <a:r>
-              <a:rPr lang="en-US" sz="2200" dirty="0" smtClean="0">
-                <a:solidFill>
-                  <a:srgbClr val="FFFFFF"/>
-                </a:solidFill>
-                <a:latin typeface="Avenir Light"/>
-                <a:cs typeface="Avenir Light"/>
-              </a:rPr>
-              <a:t> with </a:t>
-            </a:r>
-            <a:r>
-              <a:rPr lang="en-US" sz="2200" dirty="0" err="1" smtClean="0">
-                <a:solidFill>
-                  <a:srgbClr val="FFFFFF"/>
-                </a:solidFill>
-                <a:latin typeface="Avenir Light"/>
-                <a:cs typeface="Avenir Light"/>
-              </a:rPr>
-              <a:t>sVect</a:t>
-            </a:r>
-            <a:endParaRPr lang="en-US" sz="2200" i="1" dirty="0">
-              <a:solidFill>
-                <a:srgbClr val="FFFFFF"/>
-              </a:solidFill>
-              <a:latin typeface="Avenir Light"/>
-              <a:cs typeface="Avenir Light"/>
-            </a:endParaRPr>
-          </a:p>
-          <a:p>
-            <a:pPr marL="0" indent="0">
-              <a:buNone/>
-            </a:pPr>
-            <a:endParaRPr lang="en-US" sz="2200" dirty="0" smtClean="0">
-              <a:solidFill>
-                <a:srgbClr val="FFFFFF"/>
-              </a:solidFill>
-              <a:latin typeface="Avenir Light"/>
-              <a:cs typeface="Avenir Light"/>
-            </a:endParaRPr>
-          </a:p>
-        </p:txBody>
-      </p:sp>
-    </p:spTree>
-    <p:extLst>
-      <p:ext uri="{BB962C8B-B14F-4D97-AF65-F5344CB8AC3E}">
-        <p14:creationId xmlns:p14="http://schemas.microsoft.com/office/powerpoint/2010/main" val="45503604"/>
-      </p:ext>
-    </p:extLst>
-  </p:cSld>
-  <p:clrMapOvr>
-    <a:masterClrMapping/>
-  </p:clrMapOvr>
-  <p:timing>
-    <p:tnLst>
-      <p:par>
-        <p:cTn xmlns:p14="http://schemas.microsoft.com/office/powerpoint/2010/main" id="1" dur="indefinite" restart="never" nodeType="tmRoot"/>
-      </p:par>
-    </p:tnLst>
-  </p:timing>
-</p:sld>
-</file>
-
-<file path=ppt/slides/slide9.xml><?xml version="1.0" encoding="utf-8"?>
-<p:sld xmlns:a="http://schemas.openxmlformats.org/drawingml/2006/main" xmlns:r="http://schemas.openxmlformats.org/officeDocument/2006/relationships" xmlns:p="http://schemas.openxmlformats.org/presentationml/2006/main">
-  <p:cSld>
-    <p:spTree>
-      <p:nvGrpSpPr>
-        <p:cNvPr id="1" name=""/>
-        <p:cNvGrpSpPr/>
-        <p:nvPr/>
-      </p:nvGrpSpPr>
-      <p:grpSpPr>
-        <a:xfrm>
-          <a:off x="0" y="0"/>
-          <a:ext cx="0" cy="0"/>
-          <a:chOff x="0" y="0"/>
-          <a:chExt cx="0" cy="0"/>
-        </a:xfrm>
-      </p:grpSpPr>
-      <p:sp>
-        <p:nvSpPr>
-          <p:cNvPr id="2" name="Title 1"/>
-          <p:cNvSpPr>
-            <a:spLocks noGrp="1"/>
-          </p:cNvSpPr>
-          <p:nvPr>
-            <p:ph type="title"/>
-          </p:nvPr>
-        </p:nvSpPr>
-        <p:spPr/>
-        <p:txBody>
-          <a:bodyPr/>
-          <a:lstStyle/>
-          <a:p>
-            <a:r>
-              <a:rPr lang="en-US" dirty="0" smtClean="0">
-                <a:solidFill>
-                  <a:srgbClr val="FFFFFF"/>
-                </a:solidFill>
-                <a:latin typeface="Avenir Next Regular"/>
-                <a:cs typeface="Avenir Next Regular"/>
-              </a:rPr>
-              <a:t>Complexity</a:t>
-            </a:r>
-            <a:endParaRPr lang="en-US" dirty="0">
-              <a:solidFill>
-                <a:srgbClr val="FFFFFF"/>
-              </a:solidFill>
-              <a:latin typeface="Avenir Next Regular"/>
-              <a:cs typeface="Avenir Next Regular"/>
-            </a:endParaRPr>
-          </a:p>
-        </p:txBody>
-      </p:sp>
-      <p:sp>
-        <p:nvSpPr>
-          <p:cNvPr id="3" name="Content Placeholder 2"/>
-          <p:cNvSpPr>
-            <a:spLocks noGrp="1"/>
-          </p:cNvSpPr>
-          <p:nvPr>
-            <p:ph idx="1"/>
-          </p:nvPr>
-        </p:nvSpPr>
-        <p:spPr/>
-        <p:txBody>
-          <a:bodyPr/>
-          <a:lstStyle/>
-          <a:p>
-            <a:r>
-              <a:rPr lang="en-US" dirty="0" smtClean="0">
-                <a:solidFill>
-                  <a:srgbClr val="FFFFFF"/>
-                </a:solidFill>
-                <a:latin typeface="Avenir Light"/>
-                <a:cs typeface="Avenir Light"/>
-              </a:rPr>
-              <a:t>Radix sort using buckets</a:t>
-            </a:r>
-          </a:p>
-          <a:p>
-            <a:pPr lvl="1"/>
-            <a:r>
-              <a:rPr lang="en-US" dirty="0" smtClean="0">
-                <a:solidFill>
-                  <a:srgbClr val="FFFFFF"/>
-                </a:solidFill>
-                <a:latin typeface="Avenir Light"/>
-                <a:cs typeface="Avenir Light"/>
-              </a:rPr>
-              <a:t>O(</a:t>
-            </a:r>
-            <a:r>
-              <a:rPr lang="en-US" dirty="0" err="1" smtClean="0">
-                <a:solidFill>
-                  <a:srgbClr val="FFFFFF"/>
-                </a:solidFill>
-                <a:latin typeface="Avenir Light"/>
-                <a:cs typeface="Avenir Light"/>
-              </a:rPr>
-              <a:t>kn</a:t>
-            </a:r>
-            <a:r>
-              <a:rPr lang="en-US" dirty="0" smtClean="0">
-                <a:solidFill>
-                  <a:srgbClr val="FFFFFF"/>
-                </a:solidFill>
-                <a:latin typeface="Avenir Light"/>
-                <a:cs typeface="Avenir Light"/>
-              </a:rPr>
-              <a:t>)</a:t>
-            </a:r>
-          </a:p>
-          <a:p>
-            <a:r>
-              <a:rPr lang="en-US" dirty="0" smtClean="0">
-                <a:solidFill>
-                  <a:srgbClr val="FFFFFF"/>
-                </a:solidFill>
-                <a:latin typeface="Avenir Light"/>
-                <a:cs typeface="Avenir Light"/>
-              </a:rPr>
-              <a:t>Radix sort using counting sort</a:t>
-            </a:r>
-          </a:p>
-          <a:p>
-            <a:pPr lvl="1"/>
-            <a:r>
-              <a:rPr lang="en-US" dirty="0" smtClean="0">
-                <a:solidFill>
-                  <a:srgbClr val="FFFFFF"/>
-                </a:solidFill>
-                <a:latin typeface="Avenir Light"/>
-                <a:cs typeface="Avenir Light"/>
-              </a:rPr>
-              <a:t>Total time is </a:t>
-            </a:r>
-            <a:r>
-              <a:rPr lang="en-US" dirty="0" err="1" smtClean="0">
-                <a:solidFill>
-                  <a:srgbClr val="FFFFFF"/>
-                </a:solidFill>
-                <a:latin typeface="Avenir Light"/>
-                <a:ea typeface="Lucida Grande"/>
-                <a:cs typeface="Avenir Light"/>
-              </a:rPr>
-              <a:t>Θ</a:t>
-            </a:r>
-            <a:r>
-              <a:rPr lang="en-US" dirty="0" smtClean="0">
-                <a:solidFill>
-                  <a:srgbClr val="FFFFFF"/>
-                </a:solidFill>
-                <a:latin typeface="Avenir Light"/>
-                <a:ea typeface="Lucida Grande"/>
-                <a:cs typeface="Avenir Light"/>
-              </a:rPr>
-              <a:t>(2n+2*</a:t>
-            </a:r>
-            <a:r>
-              <a:rPr lang="en-US" i="1" dirty="0" smtClean="0">
-                <a:solidFill>
-                  <a:srgbClr val="FFFFFF"/>
-                </a:solidFill>
-                <a:latin typeface="Avenir Light"/>
-                <a:ea typeface="Lucida Grande"/>
-                <a:cs typeface="Avenir Light"/>
-              </a:rPr>
-              <a:t>max</a:t>
-            </a:r>
-            <a:r>
-              <a:rPr lang="en-US" dirty="0" smtClean="0">
-                <a:solidFill>
-                  <a:srgbClr val="FFFFFF"/>
-                </a:solidFill>
-                <a:latin typeface="Avenir Light"/>
-                <a:ea typeface="Lucida Grande"/>
-                <a:cs typeface="Avenir Light"/>
-              </a:rPr>
-              <a:t>)</a:t>
-            </a:r>
-            <a:endParaRPr lang="en-US" dirty="0" smtClean="0">
-              <a:solidFill>
-                <a:srgbClr val="FFFFFF"/>
-              </a:solidFill>
-              <a:latin typeface="Avenir Light"/>
-              <a:cs typeface="Avenir Light"/>
-            </a:endParaRPr>
-          </a:p>
-          <a:p>
-            <a:pPr lvl="1"/>
-            <a:r>
-              <a:rPr lang="en-US" dirty="0" err="1" smtClean="0">
-                <a:solidFill>
-                  <a:srgbClr val="FFFFFF"/>
-                </a:solidFill>
-                <a:latin typeface="Avenir Light"/>
-                <a:ea typeface="Lucida Grande"/>
-                <a:cs typeface="Avenir Light"/>
-              </a:rPr>
-              <a:t>Θ</a:t>
-            </a:r>
-            <a:r>
-              <a:rPr lang="en-US" dirty="0" smtClean="0">
-                <a:solidFill>
-                  <a:srgbClr val="FFFFFF"/>
-                </a:solidFill>
-                <a:latin typeface="Avenir Light"/>
-                <a:ea typeface="Lucida Grande"/>
-                <a:cs typeface="Avenir Light"/>
-              </a:rPr>
-              <a:t>(n) when </a:t>
-            </a:r>
-            <a:r>
-              <a:rPr lang="en-US" i="1" dirty="0" smtClean="0">
-                <a:solidFill>
-                  <a:srgbClr val="FFFFFF"/>
-                </a:solidFill>
-                <a:latin typeface="Avenir Light"/>
-                <a:ea typeface="Lucida Grande"/>
-                <a:cs typeface="Avenir Light"/>
-              </a:rPr>
-              <a:t>max</a:t>
-            </a:r>
-            <a:r>
-              <a:rPr lang="en-US" dirty="0" smtClean="0">
-                <a:solidFill>
-                  <a:srgbClr val="FFFFFF"/>
-                </a:solidFill>
-                <a:latin typeface="Avenir Light"/>
-                <a:ea typeface="Lucida Grande"/>
-                <a:cs typeface="Avenir Light"/>
-              </a:rPr>
-              <a:t> = O(n) and </a:t>
-            </a:r>
-            <a:r>
-              <a:rPr lang="en-US" i="1" dirty="0" smtClean="0">
-                <a:solidFill>
-                  <a:srgbClr val="FFFFFF"/>
-                </a:solidFill>
-                <a:latin typeface="Avenir Light"/>
-                <a:ea typeface="Lucida Grande"/>
-                <a:cs typeface="Avenir Light"/>
-              </a:rPr>
-              <a:t>b</a:t>
-            </a:r>
-            <a:r>
-              <a:rPr lang="en-US" dirty="0" smtClean="0">
-                <a:solidFill>
-                  <a:srgbClr val="FFFFFF"/>
-                </a:solidFill>
-                <a:latin typeface="Avenir Light"/>
-                <a:ea typeface="Lucida Grande"/>
-                <a:cs typeface="Avenir Light"/>
-              </a:rPr>
-              <a:t> = O(</a:t>
-            </a:r>
-            <a:r>
-              <a:rPr lang="en-US" dirty="0" err="1" smtClean="0">
-                <a:solidFill>
-                  <a:srgbClr val="FFFFFF"/>
-                </a:solidFill>
-                <a:latin typeface="Avenir Light"/>
-                <a:ea typeface="Lucida Grande"/>
-                <a:cs typeface="Avenir Light"/>
-              </a:rPr>
-              <a:t>lg</a:t>
-            </a:r>
-            <a:r>
-              <a:rPr lang="en-US" dirty="0" smtClean="0">
-                <a:solidFill>
-                  <a:srgbClr val="FFFFFF"/>
-                </a:solidFill>
-                <a:latin typeface="Avenir Light"/>
-                <a:ea typeface="Lucida Grande"/>
-                <a:cs typeface="Avenir Light"/>
-              </a:rPr>
-              <a:t>(n))</a:t>
-            </a:r>
-          </a:p>
-        </p:txBody>
-      </p:sp>
-    </p:spTree>
-    <p:extLst>
-      <p:ext uri="{BB962C8B-B14F-4D97-AF65-F5344CB8AC3E}">
-        <p14:creationId xmlns:p14="http://schemas.microsoft.com/office/powerpoint/2010/main" val="2098785998"/>
-      </p:ext>
-    </p:extLst>
-  </p:cSld>
-  <p:clrMapOvr>
-    <a:masterClrMapping/>
-  </p:clrMapOvr>
-  <p:timing>
-    <p:tnLst>
-      <p:par>
-        <p:cTn xmlns:p14="http://schemas.microsoft.com/office/powerpoint/2010/main" id="1" dur="indefinite" restart="never" nodeType="tmRoot"/>
-      </p:par>
-    </p:tnLst>
-  </p:timing>
 </p:sld>
 </file>
 

--- a/presentation_DRAFT.pptx
+++ b/presentation_DRAFT.pptx
@@ -11,7 +11,9 @@
     <p:sldId id="266" r:id="rId5"/>
     <p:sldId id="260" r:id="rId6"/>
     <p:sldId id="268" r:id="rId7"/>
-    <p:sldId id="267" r:id="rId8"/>
+    <p:sldId id="269" r:id="rId8"/>
+    <p:sldId id="267" r:id="rId9"/>
+    <p:sldId id="270" r:id="rId10"/>
   </p:sldIdLst>
   <p:sldSz cx="9144000" cy="6858000" type="screen4x3"/>
   <p:notesSz cx="6858000" cy="9144000"/>
@@ -4912,17 +4914,32 @@
                 <a:latin typeface="Avenir Next Regular"/>
                 <a:cs typeface="Avenir Next Regular"/>
               </a:rPr>
-              <a:t>Its complexity will be determined by the complexity of the </a:t>
-            </a:r>
-            <a:r>
-              <a:rPr lang="en-US" smtClean="0">
+              <a:t>Its complexity will be determined by the complexity of the sort it uses.</a:t>
+            </a:r>
+          </a:p>
+          <a:p>
+            <a:r>
+              <a:rPr lang="en-US" dirty="0" smtClean="0">
                 <a:solidFill>
                   <a:schemeClr val="bg1"/>
                 </a:solidFill>
                 <a:latin typeface="Avenir Next Regular"/>
                 <a:cs typeface="Avenir Next Regular"/>
               </a:rPr>
-              <a:t>sort it uses.</a:t>
+              <a:t>Use counting sort.</a:t>
+            </a:r>
+          </a:p>
+          <a:p>
+            <a:pPr lvl="1"/>
+            <a:r>
+              <a:rPr lang="en-US" dirty="0" smtClean="0">
+                <a:solidFill>
+                  <a:schemeClr val="bg1"/>
+                </a:solidFill>
+                <a:latin typeface="Avenir Next Regular"/>
+                <a:cs typeface="Avenir Next Regular"/>
+              </a:rPr>
+              <a:t>Keeps stable sorting property</a:t>
             </a:r>
             <a:endParaRPr lang="en-US" dirty="0" smtClean="0">
               <a:solidFill>
@@ -6218,7 +6235,27 @@
                 <a:latin typeface="Avenir Light"/>
                 <a:cs typeface="Avenir Light"/>
               </a:rPr>
-              <a:t>Radix sort using buckets</a:t>
+              <a:t>Radix </a:t>
+            </a:r>
+            <a:r>
+              <a:rPr lang="en-US" dirty="0" smtClean="0">
+                <a:solidFill>
+                  <a:srgbClr val="FFFFFF"/>
+                </a:solidFill>
+                <a:latin typeface="Avenir Light"/>
+                <a:cs typeface="Avenir Light"/>
+              </a:rPr>
+              <a:t>sort using counting </a:t>
+            </a:r>
+            <a:r>
+              <a:rPr lang="en-US" dirty="0" smtClean="0">
+                <a:solidFill>
+                  <a:srgbClr val="FFFFFF"/>
+                </a:solidFill>
+                <a:latin typeface="Avenir Light"/>
+                <a:cs typeface="Avenir Light"/>
+              </a:rPr>
+              <a:t>sort</a:t>
             </a:r>
           </a:p>
           <a:p>
@@ -6231,7 +6268,7 @@
                 <a:latin typeface="Avenir Light"/>
                 <a:cs typeface="Avenir Light"/>
               </a:rPr>
-              <a:t>O(</a:t>
+              <a:t>Counting sort : O(</a:t>
             </a:r>
             <a:r>
               <a:rPr lang="en-US" dirty="0" err="1" smtClean="0">
@@ -6241,7 +6278,7 @@
                 <a:latin typeface="Avenir Light"/>
                 <a:cs typeface="Avenir Light"/>
               </a:rPr>
-              <a:t>kn</a:t>
+              <a:t>n+k</a:t>
             </a:r>
             <a:r>
               <a:rPr lang="en-US" dirty="0" smtClean="0">
@@ -6255,6 +6292,7 @@
             </a:r>
           </a:p>
           <a:p>
+            <a:pPr lvl="1"/>
             <a:r>
               <a:rPr lang="en-US" dirty="0" smtClean="0">
                 <a:solidFill>
@@ -6263,7 +6301,7 @@
                 <a:latin typeface="Avenir Light"/>
                 <a:cs typeface="Avenir Light"/>
               </a:rPr>
-              <a:t>Radix sort using counting sort</a:t>
+              <a:t>Radix sort performs counting sort d times, where d is the number of digits.</a:t>
             </a:r>
           </a:p>
           <a:p>
@@ -6276,7 +6314,7 @@
                 <a:latin typeface="Avenir Light"/>
                 <a:cs typeface="Avenir Light"/>
               </a:rPr>
-              <a:t>Total time is </a:t>
+              <a:t>So Radix sort has a running time of O(</a:t>
             </a:r>
             <a:r>
               <a:rPr lang="en-US" dirty="0" err="1" smtClean="0">
@@ -6284,10 +6322,9 @@
                   <a:srgbClr val="FFFFFF"/>
                 </a:solidFill>
                 <a:latin typeface="Avenir Light"/>
-                <a:ea typeface="Lucida Grande"/>
-                <a:cs typeface="Avenir Light"/>
-              </a:rPr>
-              <a:t>Θ</a:t>
+                <a:cs typeface="Avenir Light"/>
+              </a:rPr>
+              <a:t>dn+dk</a:t>
             </a:r>
             <a:r>
               <a:rPr lang="en-US" dirty="0" smtClean="0">
@@ -6295,32 +6332,48 @@
                   <a:srgbClr val="FFFFFF"/>
                 </a:solidFill>
                 <a:latin typeface="Avenir Light"/>
-                <a:ea typeface="Lucida Grande"/>
-                <a:cs typeface="Avenir Light"/>
-              </a:rPr>
-              <a:t>(2n+2*</a:t>
-            </a:r>
-            <a:r>
-              <a:rPr lang="en-US" i="1" dirty="0" smtClean="0">
-                <a:solidFill>
-                  <a:srgbClr val="FFFFFF"/>
-                </a:solidFill>
-                <a:latin typeface="Avenir Light"/>
-                <a:ea typeface="Lucida Grande"/>
-                <a:cs typeface="Avenir Light"/>
-              </a:rPr>
-              <a:t>max</a:t>
-            </a:r>
+                <a:cs typeface="Avenir Light"/>
+              </a:rPr>
+              <a:t>)</a:t>
+            </a:r>
+          </a:p>
+          <a:p>
+            <a:pPr lvl="1"/>
             <a:r>
               <a:rPr lang="en-US" dirty="0" smtClean="0">
                 <a:solidFill>
                   <a:srgbClr val="FFFFFF"/>
                 </a:solidFill>
                 <a:latin typeface="Avenir Light"/>
-                <a:ea typeface="Lucida Grande"/>
-                <a:cs typeface="Avenir Light"/>
-              </a:rPr>
-              <a:t>)</a:t>
+                <a:cs typeface="Avenir Light"/>
+              </a:rPr>
+              <a:t>But d will always be a constant for that run of radix sort and k is O(n)</a:t>
+            </a:r>
+          </a:p>
+          <a:p>
+            <a:pPr lvl="2"/>
+            <a:r>
+              <a:rPr lang="en-US" dirty="0" smtClean="0">
+                <a:solidFill>
+                  <a:srgbClr val="FFFFFF"/>
+                </a:solidFill>
+                <a:latin typeface="Avenir Light"/>
+                <a:cs typeface="Avenir Light"/>
+              </a:rPr>
+              <a:t>Therefore the running time of Radix Sort:</a:t>
+            </a:r>
+          </a:p>
+          <a:p>
+            <a:pPr lvl="3"/>
+            <a:r>
+              <a:rPr lang="en-US" dirty="0" smtClean="0">
+                <a:solidFill>
+                  <a:srgbClr val="FFFFFF"/>
+                </a:solidFill>
+                <a:latin typeface="Avenir Light"/>
+                <a:cs typeface="Avenir Light"/>
+              </a:rPr>
+              <a:t>O(n) </a:t>
             </a:r>
             <a:endParaRPr lang="en-US" dirty="0" smtClean="0">
               <a:solidFill>
@@ -6329,97 +6382,6 @@
               <a:latin typeface="Avenir Light"/>
               <a:cs typeface="Avenir Light"/>
             </a:endParaRPr>
-          </a:p>
-          <a:p>
-            <a:pPr lvl="1"/>
-            <a:r>
-              <a:rPr lang="en-US" dirty="0" err="1" smtClean="0">
-                <a:solidFill>
-                  <a:srgbClr val="FFFFFF"/>
-                </a:solidFill>
-                <a:latin typeface="Avenir Light"/>
-                <a:ea typeface="Lucida Grande"/>
-                <a:cs typeface="Avenir Light"/>
-              </a:rPr>
-              <a:t>Θ</a:t>
-            </a:r>
-            <a:r>
-              <a:rPr lang="en-US" dirty="0" smtClean="0">
-                <a:solidFill>
-                  <a:srgbClr val="FFFFFF"/>
-                </a:solidFill>
-                <a:latin typeface="Avenir Light"/>
-                <a:ea typeface="Lucida Grande"/>
-                <a:cs typeface="Avenir Light"/>
-              </a:rPr>
-              <a:t>(n) when </a:t>
-            </a:r>
-            <a:r>
-              <a:rPr lang="en-US" i="1" dirty="0" smtClean="0">
-                <a:solidFill>
-                  <a:srgbClr val="FFFFFF"/>
-                </a:solidFill>
-                <a:latin typeface="Avenir Light"/>
-                <a:ea typeface="Lucida Grande"/>
-                <a:cs typeface="Avenir Light"/>
-              </a:rPr>
-              <a:t>max</a:t>
-            </a:r>
-            <a:r>
-              <a:rPr lang="en-US" dirty="0" smtClean="0">
-                <a:solidFill>
-                  <a:srgbClr val="FFFFFF"/>
-                </a:solidFill>
-                <a:latin typeface="Avenir Light"/>
-                <a:ea typeface="Lucida Grande"/>
-                <a:cs typeface="Avenir Light"/>
-              </a:rPr>
-              <a:t> = O(n) and </a:t>
-            </a:r>
-            <a:r>
-              <a:rPr lang="en-US" i="1" dirty="0" smtClean="0">
-                <a:solidFill>
-                  <a:srgbClr val="FFFFFF"/>
-                </a:solidFill>
-                <a:latin typeface="Avenir Light"/>
-                <a:ea typeface="Lucida Grande"/>
-                <a:cs typeface="Avenir Light"/>
-              </a:rPr>
-              <a:t>b</a:t>
-            </a:r>
-            <a:r>
-              <a:rPr lang="en-US" dirty="0" smtClean="0">
-                <a:solidFill>
-                  <a:srgbClr val="FFFFFF"/>
-                </a:solidFill>
-                <a:latin typeface="Avenir Light"/>
-                <a:ea typeface="Lucida Grande"/>
-                <a:cs typeface="Avenir Light"/>
-              </a:rPr>
-              <a:t> = O(</a:t>
-            </a:r>
-            <a:r>
-              <a:rPr lang="en-US" dirty="0" err="1" smtClean="0">
-                <a:solidFill>
-                  <a:srgbClr val="FFFFFF"/>
-                </a:solidFill>
-                <a:latin typeface="Avenir Light"/>
-                <a:ea typeface="Lucida Grande"/>
-                <a:cs typeface="Avenir Light"/>
-              </a:rPr>
-              <a:t>lg</a:t>
-            </a:r>
-            <a:r>
-              <a:rPr lang="en-US" dirty="0" smtClean="0">
-                <a:solidFill>
-                  <a:srgbClr val="FFFFFF"/>
-                </a:solidFill>
-                <a:latin typeface="Avenir Light"/>
-                <a:ea typeface="Lucida Grande"/>
-                <a:cs typeface="Avenir Light"/>
-              </a:rPr>
-              <a:t>(n))</a:t>
-            </a:r>
           </a:p>
         </p:txBody>
       </p:sp>
@@ -6483,7 +6445,7 @@
                 <a:latin typeface="Avenir Light"/>
                 <a:cs typeface="Avenir Light"/>
               </a:rPr>
-              <a:t>Test Result cont.</a:t>
+              <a:t>Test Result of 10d and 20d</a:t>
             </a:r>
             <a:endParaRPr lang="en-US" dirty="0">
               <a:solidFill>
@@ -6495,69 +6457,31 @@
           </a:p>
         </p:txBody>
       </p:sp>
-      <p:sp>
-        <p:nvSpPr>
-          <p:cNvPr id="3" name="Content Placeholder 2"/>
-          <p:cNvSpPr>
-            <a:spLocks noGrp="1"/>
-          </p:cNvSpPr>
+      <p:pic>
+        <p:nvPicPr>
+          <p:cNvPr id="4" name="Content Placeholder 3" descr="sortGraph.png"/>
+          <p:cNvPicPr>
+            <a:picLocks noGrp="1" noChangeAspect="1"/>
+          </p:cNvPicPr>
           <p:nvPr>
             <p:ph idx="1"/>
           </p:nvPr>
-        </p:nvSpPr>
+        </p:nvPicPr>
+        <p:blipFill>
+          <a:blip r:embed="rId2">
+            <a:extLst>
+              <a:ext uri="{28A0092B-C50C-407E-A947-70E740481C1C}">
+                <a14:useLocalDpi xmlns:a14="http://schemas.microsoft.com/office/drawing/2010/main" val="0"/>
+              </a:ext>
+            </a:extLst>
+          </a:blip>
+          <a:srcRect t="5577" b="5577"/>
+          <a:stretch>
+            <a:fillRect/>
+          </a:stretch>
+        </p:blipFill>
         <p:spPr/>
-        <p:txBody>
-          <a:bodyPr/>
-          <a:lstStyle/>
-          <a:p>
-            <a:pPr marL="0" indent="0">
-              <a:buNone/>
-            </a:pPr>
-            <a:r>
-              <a:rPr lang="en-US" dirty="0">
-                <a:solidFill>
-                  <a:srgbClr val="FFFFFF"/>
-                </a:solidFill>
-                <a:latin typeface="Avenir Next Regular"/>
-                <a:cs typeface="Avenir Next Regular"/>
-              </a:rPr>
-              <a:t>//Graphs of results of different </a:t>
-            </a:r>
-            <a:r>
-              <a:rPr lang="en-US" i="1" dirty="0">
-                <a:solidFill>
-                  <a:srgbClr val="FFFFFF"/>
-                </a:solidFill>
-                <a:latin typeface="Avenir Next Regular"/>
-                <a:cs typeface="Avenir Next Regular"/>
-              </a:rPr>
-              <a:t>d</a:t>
-            </a:r>
-            <a:r>
-              <a:rPr lang="en-US" dirty="0">
-                <a:solidFill>
-                  <a:srgbClr val="FFFFFF"/>
-                </a:solidFill>
-                <a:latin typeface="Avenir Next Regular"/>
-                <a:cs typeface="Avenir Next Regular"/>
-              </a:rPr>
-              <a:t>’s for 10d, 20d, 100d with bucket and counting.</a:t>
-            </a:r>
-          </a:p>
-          <a:p>
-            <a:pPr marL="0" indent="0">
-              <a:buNone/>
-            </a:pPr>
-            <a:endParaRPr lang="en-US" dirty="0">
-              <a:solidFill>
-                <a:srgbClr val="FFFFFF"/>
-              </a:solidFill>
-              <a:latin typeface="Avenir Light"/>
-              <a:cs typeface="Avenir Light"/>
-            </a:endParaRPr>
-          </a:p>
-        </p:txBody>
-      </p:sp>
+      </p:pic>
     </p:spTree>
     <p:extLst>
       <p:ext uri="{BB962C8B-B14F-4D97-AF65-F5344CB8AC3E}">
@@ -6618,7 +6542,7 @@
                 <a:latin typeface="Avenir Light"/>
                 <a:cs typeface="Avenir Light"/>
               </a:rPr>
-              <a:t>Conclusion</a:t>
+              <a:t>Test Result of 50d and 100d</a:t>
             </a:r>
             <a:endParaRPr lang="en-US" dirty="0">
               <a:solidFill>
@@ -6630,14 +6554,69 @@
           </a:p>
         </p:txBody>
       </p:sp>
-      <p:sp>
-        <p:nvSpPr>
-          <p:cNvPr id="3" name="Content Placeholder 2"/>
-          <p:cNvSpPr>
-            <a:spLocks noGrp="1"/>
-          </p:cNvSpPr>
+      <p:pic>
+        <p:nvPicPr>
+          <p:cNvPr id="4" name="Content Placeholder 3" descr="largeDGraph.png"/>
+          <p:cNvPicPr>
+            <a:picLocks noGrp="1" noChangeAspect="1"/>
+          </p:cNvPicPr>
           <p:nvPr>
             <p:ph idx="1"/>
+          </p:nvPr>
+        </p:nvPicPr>
+        <p:blipFill>
+          <a:blip r:embed="rId2">
+            <a:extLst>
+              <a:ext uri="{28A0092B-C50C-407E-A947-70E740481C1C}">
+                <a14:useLocalDpi xmlns:a14="http://schemas.microsoft.com/office/drawing/2010/main" val="0"/>
+              </a:ext>
+            </a:extLst>
+          </a:blip>
+          <a:srcRect t="5996" b="5996"/>
+          <a:stretch>
+            <a:fillRect/>
+          </a:stretch>
+        </p:blipFill>
+        <p:spPr/>
+      </p:pic>
+    </p:spTree>
+    <p:extLst>
+      <p:ext uri="{BB962C8B-B14F-4D97-AF65-F5344CB8AC3E}">
+        <p14:creationId xmlns:p14="http://schemas.microsoft.com/office/powerpoint/2010/main" val="1936273414"/>
+      </p:ext>
+    </p:extLst>
+  </p:cSld>
+  <p:clrMapOvr>
+    <a:masterClrMapping/>
+  </p:clrMapOvr>
+</p:sld>
+</file>
+
+<file path=ppt/slides/slide8.xml><?xml version="1.0" encoding="utf-8"?>
+<p:sld xmlns:a="http://schemas.openxmlformats.org/drawingml/2006/main" xmlns:r="http://schemas.openxmlformats.org/officeDocument/2006/relationships" xmlns:p="http://schemas.openxmlformats.org/presentationml/2006/main">
+  <p:cSld>
+    <p:spTree>
+      <p:nvGrpSpPr>
+        <p:cNvPr id="1" name=""/>
+        <p:cNvGrpSpPr/>
+        <p:nvPr/>
+      </p:nvGrpSpPr>
+      <p:grpSpPr>
+        <a:xfrm>
+          <a:off x="0" y="0"/>
+          <a:ext cx="0" cy="0"/>
+          <a:chOff x="0" y="0"/>
+          <a:chExt cx="0" cy="0"/>
+        </a:xfrm>
+      </p:grpSpPr>
+      <p:sp>
+        <p:nvSpPr>
+          <p:cNvPr id="2" name="Title 1"/>
+          <p:cNvSpPr>
+            <a:spLocks noGrp="1"/>
+          </p:cNvSpPr>
+          <p:nvPr>
+            <p:ph type="title"/>
           </p:nvPr>
         </p:nvSpPr>
         <p:spPr/>
@@ -6648,13 +6627,134 @@
             <a:r>
               <a:rPr lang="en-US" dirty="0" smtClean="0">
                 <a:solidFill>
-                  <a:srgbClr val="FFFFFF"/>
-                </a:solidFill>
-                <a:latin typeface="Avenir Light"/>
-                <a:cs typeface="Avenir Light"/>
-              </a:rPr>
-              <a:t>//Summary of radix sort</a:t>
-            </a:r>
+                  <a:schemeClr val="bg1"/>
+                </a:solidFill>
+                <a:latin typeface="Avenir Light"/>
+                <a:cs typeface="Avenir Light"/>
+              </a:rPr>
+              <a:t>Conclusion</a:t>
+            </a:r>
+            <a:endParaRPr lang="en-US" dirty="0">
+              <a:solidFill>
+                <a:schemeClr val="bg1"/>
+              </a:solidFill>
+              <a:latin typeface="Avenir Light"/>
+              <a:cs typeface="Avenir Light"/>
+            </a:endParaRPr>
+          </a:p>
+        </p:txBody>
+      </p:sp>
+      <p:sp>
+        <p:nvSpPr>
+          <p:cNvPr id="3" name="Content Placeholder 2"/>
+          <p:cNvSpPr>
+            <a:spLocks noGrp="1"/>
+          </p:cNvSpPr>
+          <p:nvPr>
+            <p:ph idx="1"/>
+          </p:nvPr>
+        </p:nvSpPr>
+        <p:spPr/>
+        <p:txBody>
+          <a:bodyPr/>
+          <a:lstStyle/>
+          <a:p>
+            <a:r>
+              <a:rPr lang="en-US" dirty="0" smtClean="0">
+                <a:solidFill>
+                  <a:srgbClr val="FFFFFF"/>
+                </a:solidFill>
+                <a:latin typeface="Avenir Light"/>
+                <a:cs typeface="Avenir Light"/>
+              </a:rPr>
+              <a:t>Radix sort </a:t>
+            </a:r>
+          </a:p>
+          <a:p>
+            <a:pPr lvl="1"/>
+            <a:r>
+              <a:rPr lang="en-US" dirty="0" smtClean="0">
+                <a:solidFill>
+                  <a:srgbClr val="FFFFFF"/>
+                </a:solidFill>
+                <a:latin typeface="Avenir Light"/>
+                <a:cs typeface="Avenir Light"/>
+              </a:rPr>
+              <a:t>Linear sort </a:t>
+            </a:r>
+            <a:r>
+              <a:rPr lang="en-US" dirty="0" smtClean="0">
+                <a:solidFill>
+                  <a:srgbClr val="FFFFFF"/>
+                </a:solidFill>
+                <a:latin typeface="Avenir Light"/>
+                <a:cs typeface="Avenir Light"/>
+                <a:sym typeface="Wingdings"/>
+              </a:rPr>
+              <a:t> O(n) running time</a:t>
+            </a:r>
+            <a:endParaRPr lang="en-US" dirty="0" smtClean="0">
+              <a:solidFill>
+                <a:srgbClr val="FFFFFF"/>
+              </a:solidFill>
+              <a:latin typeface="Avenir Light"/>
+              <a:cs typeface="Avenir Light"/>
+            </a:endParaRPr>
+          </a:p>
+          <a:p>
+            <a:pPr lvl="1"/>
+            <a:r>
+              <a:rPr lang="en-US" dirty="0" smtClean="0">
+                <a:solidFill>
+                  <a:srgbClr val="FFFFFF"/>
+                </a:solidFill>
+                <a:latin typeface="Avenir Light"/>
+                <a:cs typeface="Avenir Light"/>
+              </a:rPr>
+              <a:t>LSD to MSD</a:t>
+            </a:r>
+          </a:p>
+          <a:p>
+            <a:pPr lvl="1"/>
+            <a:r>
+              <a:rPr lang="en-US" dirty="0" smtClean="0">
+                <a:solidFill>
+                  <a:srgbClr val="FFFFFF"/>
+                </a:solidFill>
+                <a:latin typeface="Avenir Light"/>
+                <a:cs typeface="Avenir Light"/>
+              </a:rPr>
+              <a:t>Stable Sort</a:t>
+            </a:r>
+          </a:p>
+          <a:p>
+            <a:pPr lvl="1"/>
+            <a:r>
+              <a:rPr lang="en-US" dirty="0" smtClean="0">
+                <a:solidFill>
+                  <a:srgbClr val="FFFFFF"/>
+                </a:solidFill>
+                <a:latin typeface="Avenir Light"/>
+                <a:cs typeface="Avenir Light"/>
+              </a:rPr>
+              <a:t>Performance improvement as d decreases</a:t>
+            </a:r>
+          </a:p>
+          <a:p>
+            <a:pPr lvl="2"/>
+            <a:r>
+              <a:rPr lang="en-US" dirty="0" smtClean="0">
+                <a:solidFill>
+                  <a:srgbClr val="FFFFFF"/>
+                </a:solidFill>
+                <a:latin typeface="Avenir Light"/>
+                <a:cs typeface="Avenir Light"/>
+              </a:rPr>
+              <a:t>But only to a certain point, then performance diminishes</a:t>
+            </a:r>
+          </a:p>
+          <a:p>
+            <a:pPr lvl="1"/>
             <a:endParaRPr lang="en-US" dirty="0">
               <a:solidFill>
                 <a:srgbClr val="FFFFFF"/>
@@ -6669,6 +6769,86 @@
     <p:extLst>
       <p:ext uri="{BB962C8B-B14F-4D97-AF65-F5344CB8AC3E}">
         <p14:creationId xmlns:p14="http://schemas.microsoft.com/office/powerpoint/2010/main" val="4275949085"/>
+      </p:ext>
+    </p:extLst>
+  </p:cSld>
+  <p:clrMapOvr>
+    <a:masterClrMapping/>
+  </p:clrMapOvr>
+</p:sld>
+</file>
+
+<file path=ppt/slides/slide9.xml><?xml version="1.0" encoding="utf-8"?>
+<p:sld xmlns:a="http://schemas.openxmlformats.org/drawingml/2006/main" xmlns:r="http://schemas.openxmlformats.org/officeDocument/2006/relationships" xmlns:p="http://schemas.openxmlformats.org/presentationml/2006/main">
+  <p:cSld>
+    <p:spTree>
+      <p:nvGrpSpPr>
+        <p:cNvPr id="1" name=""/>
+        <p:cNvGrpSpPr/>
+        <p:nvPr/>
+      </p:nvGrpSpPr>
+      <p:grpSpPr>
+        <a:xfrm>
+          <a:off x="0" y="0"/>
+          <a:ext cx="0" cy="0"/>
+          <a:chOff x="0" y="0"/>
+          <a:chExt cx="0" cy="0"/>
+        </a:xfrm>
+      </p:grpSpPr>
+      <p:sp>
+        <p:nvSpPr>
+          <p:cNvPr id="3" name="Content Placeholder 2"/>
+          <p:cNvSpPr>
+            <a:spLocks noGrp="1"/>
+          </p:cNvSpPr>
+          <p:nvPr>
+            <p:ph idx="1"/>
+          </p:nvPr>
+        </p:nvSpPr>
+        <p:spPr/>
+        <p:txBody>
+          <a:bodyPr/>
+          <a:lstStyle/>
+          <a:p>
+            <a:pPr algn="ctr"/>
+            <a:endParaRPr lang="en-US" dirty="0" smtClean="0"/>
+          </a:p>
+          <a:p>
+            <a:pPr algn="ctr"/>
+            <a:endParaRPr lang="en-US" dirty="0"/>
+          </a:p>
+          <a:p>
+            <a:pPr algn="ctr"/>
+            <a:endParaRPr lang="en-US" dirty="0" smtClean="0"/>
+          </a:p>
+          <a:p>
+            <a:pPr marL="0" indent="0" algn="ctr">
+              <a:buNone/>
+            </a:pPr>
+            <a:r>
+              <a:rPr lang="en-US" dirty="0" smtClean="0">
+                <a:solidFill>
+                  <a:srgbClr val="FFFFFF"/>
+                </a:solidFill>
+                <a:latin typeface="Avenir Light"/>
+                <a:cs typeface="Avenir Light"/>
+              </a:rPr>
+              <a:t>Thank You</a:t>
+            </a:r>
+            <a:endParaRPr lang="en-US" dirty="0">
+              <a:solidFill>
+                <a:srgbClr val="FFFFFF"/>
+              </a:solidFill>
+              <a:latin typeface="Avenir Light"/>
+              <a:cs typeface="Avenir Light"/>
+            </a:endParaRPr>
+          </a:p>
+        </p:txBody>
+      </p:sp>
+    </p:spTree>
+    <p:extLst>
+      <p:ext uri="{BB962C8B-B14F-4D97-AF65-F5344CB8AC3E}">
+        <p14:creationId xmlns:p14="http://schemas.microsoft.com/office/powerpoint/2010/main" val="727053158"/>
       </p:ext>
     </p:extLst>
   </p:cSld>

--- a/presentation_DRAFT.pptx
+++ b/presentation_DRAFT.pptx
@@ -4901,7 +4901,7 @@
                 <a:latin typeface="Avenir Next Regular"/>
                 <a:cs typeface="Avenir Next Regular"/>
               </a:rPr>
-              <a:t>Sorts from the LSD to MSD using another sort.</a:t>
+              <a:t>Sorts from the LSD to MSD using another sort</a:t>
             </a:r>
           </a:p>
           <a:p>
@@ -4914,7 +4914,7 @@
                 <a:latin typeface="Avenir Next Regular"/>
                 <a:cs typeface="Avenir Next Regular"/>
               </a:rPr>
-              <a:t>Its complexity will be determined by the complexity of the sort it uses.</a:t>
+              <a:t>Its complexity will be determined by the complexity of the sort it uses</a:t>
             </a:r>
           </a:p>
           <a:p>
@@ -4926,7 +4926,7 @@
                 <a:latin typeface="Avenir Next Regular"/>
                 <a:cs typeface="Avenir Next Regular"/>
               </a:rPr>
-              <a:t>Use counting sort.</a:t>
+              <a:t>Use counting sort</a:t>
             </a:r>
           </a:p>
           <a:p>
@@ -6268,7 +6268,7 @@
                 <a:latin typeface="Avenir Light"/>
                 <a:cs typeface="Avenir Light"/>
               </a:rPr>
-              <a:t>Counting sort : O(</a:t>
+              <a:t>Counting sort: O(</a:t>
             </a:r>
             <a:r>
               <a:rPr lang="en-US" dirty="0" err="1" smtClean="0">
@@ -6301,7 +6301,7 @@
                 <a:latin typeface="Avenir Light"/>
                 <a:cs typeface="Avenir Light"/>
               </a:rPr>
-              <a:t>Radix sort performs counting sort d times, where d is the number of digits.</a:t>
+              <a:t>Radix sort performs counting sort d times, where d is the number of digits</a:t>
             </a:r>
           </a:p>
           <a:p>
@@ -6589,6 +6589,13 @@
   <p:clrMapOvr>
     <a:masterClrMapping/>
   </p:clrMapOvr>
+  <p:timing>
+    <p:tnLst>
+      <p:par>
+        <p:cTn xmlns:p14="http://schemas.microsoft.com/office/powerpoint/2010/main" id="1" dur="indefinite" restart="never" nodeType="tmRoot"/>
+      </p:par>
+    </p:tnLst>
+  </p:timing>
 </p:sld>
 </file>
 
@@ -6775,6 +6782,13 @@
   <p:clrMapOvr>
     <a:masterClrMapping/>
   </p:clrMapOvr>
+  <p:timing>
+    <p:tnLst>
+      <p:par>
+        <p:cTn xmlns:p14="http://schemas.microsoft.com/office/powerpoint/2010/main" id="1" dur="indefinite" restart="never" nodeType="tmRoot"/>
+      </p:par>
+    </p:tnLst>
+  </p:timing>
 </p:sld>
 </file>
 
@@ -6855,6 +6869,13 @@
   <p:clrMapOvr>
     <a:masterClrMapping/>
   </p:clrMapOvr>
+  <p:timing>
+    <p:tnLst>
+      <p:par>
+        <p:cTn xmlns:p14="http://schemas.microsoft.com/office/powerpoint/2010/main" id="1" dur="indefinite" restart="never" nodeType="tmRoot"/>
+      </p:par>
+    </p:tnLst>
+  </p:timing>
 </p:sld>
 </file>
 

--- a/presentation_DRAFT.pptx
+++ b/presentation_DRAFT.pptx
@@ -4941,6 +4941,29 @@
               </a:rPr>
               <a:t>Keeps stable sorting property</a:t>
             </a:r>
+          </a:p>
+          <a:p>
+            <a:pPr lvl="1"/>
+            <a:r>
+              <a:rPr lang="en-US" dirty="0" smtClean="0">
+                <a:solidFill>
+                  <a:schemeClr val="bg1"/>
+                </a:solidFill>
+                <a:latin typeface="Avenir Next Regular"/>
+                <a:cs typeface="Avenir Next Regular"/>
+              </a:rPr>
+              <a:t>Use it for each digit </a:t>
+            </a:r>
+            <a:r>
+              <a:rPr lang="en-US" smtClean="0">
+                <a:solidFill>
+                  <a:schemeClr val="bg1"/>
+                </a:solidFill>
+                <a:latin typeface="Avenir Next Regular"/>
+                <a:cs typeface="Avenir Next Regular"/>
+              </a:rPr>
+              <a:t>we sort</a:t>
+            </a:r>
             <a:endParaRPr lang="en-US" dirty="0" smtClean="0">
               <a:solidFill>
                 <a:schemeClr val="bg1"/>
